--- a/01 Classes/Aula 08 - Aplicação Cloud Indústria 40 Python IoT - Tecnologias Emergentes.pptx
+++ b/01 Classes/Aula 08 - Aplicação Cloud Indústria 40 Python IoT - Tecnologias Emergentes.pptx
@@ -5,17 +5,37 @@
     <p:sldMasterId id="2147483648" r:id="rId1"/>
   </p:sldMasterIdLst>
   <p:notesMasterIdLst>
-    <p:notesMasterId r:id="rId10"/>
+    <p:notesMasterId r:id="rId30"/>
   </p:notesMasterIdLst>
   <p:sldIdLst>
     <p:sldId id="256" r:id="rId2"/>
     <p:sldId id="291" r:id="rId3"/>
-    <p:sldId id="347" r:id="rId4"/>
-    <p:sldId id="333" r:id="rId5"/>
-    <p:sldId id="323" r:id="rId6"/>
-    <p:sldId id="345" r:id="rId7"/>
-    <p:sldId id="337" r:id="rId8"/>
-    <p:sldId id="309" r:id="rId9"/>
+    <p:sldId id="350" r:id="rId4"/>
+    <p:sldId id="358" r:id="rId5"/>
+    <p:sldId id="353" r:id="rId6"/>
+    <p:sldId id="347" r:id="rId7"/>
+    <p:sldId id="351" r:id="rId8"/>
+    <p:sldId id="349" r:id="rId9"/>
+    <p:sldId id="354" r:id="rId10"/>
+    <p:sldId id="355" r:id="rId11"/>
+    <p:sldId id="356" r:id="rId12"/>
+    <p:sldId id="357" r:id="rId13"/>
+    <p:sldId id="352" r:id="rId14"/>
+    <p:sldId id="360" r:id="rId15"/>
+    <p:sldId id="361" r:id="rId16"/>
+    <p:sldId id="359" r:id="rId17"/>
+    <p:sldId id="363" r:id="rId18"/>
+    <p:sldId id="364" r:id="rId19"/>
+    <p:sldId id="362" r:id="rId20"/>
+    <p:sldId id="365" r:id="rId21"/>
+    <p:sldId id="348" r:id="rId22"/>
+    <p:sldId id="367" r:id="rId23"/>
+    <p:sldId id="366" r:id="rId24"/>
+    <p:sldId id="333" r:id="rId25"/>
+    <p:sldId id="323" r:id="rId26"/>
+    <p:sldId id="345" r:id="rId27"/>
+    <p:sldId id="337" r:id="rId28"/>
+    <p:sldId id="309" r:id="rId29"/>
   </p:sldIdLst>
   <p:sldSz cx="9144000" cy="5143500" type="screen16x9"/>
   <p:notesSz cx="6858000" cy="9144000"/>
@@ -562,6 +582,666 @@
 </p:notes>
 </file>
 
+<file path=ppt/notesSlides/notesSlide10.xml><?xml version="1.0" encoding="utf-8"?>
+<p:notes xmlns:a="http://schemas.openxmlformats.org/drawingml/2006/main" xmlns:r="http://schemas.openxmlformats.org/officeDocument/2006/relationships" xmlns:p="http://schemas.openxmlformats.org/presentationml/2006/main">
+  <p:cSld>
+    <p:spTree>
+      <p:nvGrpSpPr>
+        <p:cNvPr id="1" name=""/>
+        <p:cNvGrpSpPr/>
+        <p:nvPr/>
+      </p:nvGrpSpPr>
+      <p:grpSpPr>
+        <a:xfrm>
+          <a:off x="0" y="0"/>
+          <a:ext cx="0" cy="0"/>
+          <a:chOff x="0" y="0"/>
+          <a:chExt cx="0" cy="0"/>
+        </a:xfrm>
+      </p:grpSpPr>
+      <p:sp>
+        <p:nvSpPr>
+          <p:cNvPr id="2" name="Espaço Reservado para Imagem de Slide 1"/>
+          <p:cNvSpPr>
+            <a:spLocks noGrp="1" noRot="1" noChangeAspect="1"/>
+          </p:cNvSpPr>
+          <p:nvPr>
+            <p:ph type="sldImg"/>
+          </p:nvPr>
+        </p:nvSpPr>
+        <p:spPr>
+          <a:xfrm>
+            <a:off x="381000" y="685800"/>
+            <a:ext cx="6096000" cy="3429000"/>
+          </a:xfrm>
+        </p:spPr>
+      </p:sp>
+      <p:sp>
+        <p:nvSpPr>
+          <p:cNvPr id="3" name="Espaço Reservado para Anotações 2"/>
+          <p:cNvSpPr>
+            <a:spLocks noGrp="1"/>
+          </p:cNvSpPr>
+          <p:nvPr>
+            <p:ph type="body" idx="1"/>
+          </p:nvPr>
+        </p:nvSpPr>
+        <p:spPr/>
+        <p:txBody>
+          <a:bodyPr/>
+          <a:lstStyle/>
+          <a:p>
+            <a:endParaRPr lang="pt-BR" dirty="0"/>
+          </a:p>
+        </p:txBody>
+      </p:sp>
+    </p:spTree>
+    <p:extLst>
+      <p:ext uri="{BB962C8B-B14F-4D97-AF65-F5344CB8AC3E}">
+        <p14:creationId xmlns:p14="http://schemas.microsoft.com/office/powerpoint/2010/main" val="2187535766"/>
+      </p:ext>
+    </p:extLst>
+  </p:cSld>
+  <p:clrMapOvr>
+    <a:masterClrMapping/>
+  </p:clrMapOvr>
+</p:notes>
+</file>
+
+<file path=ppt/notesSlides/notesSlide11.xml><?xml version="1.0" encoding="utf-8"?>
+<p:notes xmlns:a="http://schemas.openxmlformats.org/drawingml/2006/main" xmlns:r="http://schemas.openxmlformats.org/officeDocument/2006/relationships" xmlns:p="http://schemas.openxmlformats.org/presentationml/2006/main">
+  <p:cSld>
+    <p:spTree>
+      <p:nvGrpSpPr>
+        <p:cNvPr id="1" name=""/>
+        <p:cNvGrpSpPr/>
+        <p:nvPr/>
+      </p:nvGrpSpPr>
+      <p:grpSpPr>
+        <a:xfrm>
+          <a:off x="0" y="0"/>
+          <a:ext cx="0" cy="0"/>
+          <a:chOff x="0" y="0"/>
+          <a:chExt cx="0" cy="0"/>
+        </a:xfrm>
+      </p:grpSpPr>
+      <p:sp>
+        <p:nvSpPr>
+          <p:cNvPr id="2" name="Espaço Reservado para Imagem de Slide 1"/>
+          <p:cNvSpPr>
+            <a:spLocks noGrp="1" noRot="1" noChangeAspect="1"/>
+          </p:cNvSpPr>
+          <p:nvPr>
+            <p:ph type="sldImg"/>
+          </p:nvPr>
+        </p:nvSpPr>
+        <p:spPr>
+          <a:xfrm>
+            <a:off x="381000" y="685800"/>
+            <a:ext cx="6096000" cy="3429000"/>
+          </a:xfrm>
+        </p:spPr>
+      </p:sp>
+      <p:sp>
+        <p:nvSpPr>
+          <p:cNvPr id="3" name="Espaço Reservado para Anotações 2"/>
+          <p:cNvSpPr>
+            <a:spLocks noGrp="1"/>
+          </p:cNvSpPr>
+          <p:nvPr>
+            <p:ph type="body" idx="1"/>
+          </p:nvPr>
+        </p:nvSpPr>
+        <p:spPr/>
+        <p:txBody>
+          <a:bodyPr/>
+          <a:lstStyle/>
+          <a:p>
+            <a:endParaRPr lang="pt-BR" dirty="0"/>
+          </a:p>
+        </p:txBody>
+      </p:sp>
+    </p:spTree>
+    <p:extLst>
+      <p:ext uri="{BB962C8B-B14F-4D97-AF65-F5344CB8AC3E}">
+        <p14:creationId xmlns:p14="http://schemas.microsoft.com/office/powerpoint/2010/main" val="689776060"/>
+      </p:ext>
+    </p:extLst>
+  </p:cSld>
+  <p:clrMapOvr>
+    <a:masterClrMapping/>
+  </p:clrMapOvr>
+</p:notes>
+</file>
+
+<file path=ppt/notesSlides/notesSlide12.xml><?xml version="1.0" encoding="utf-8"?>
+<p:notes xmlns:a="http://schemas.openxmlformats.org/drawingml/2006/main" xmlns:r="http://schemas.openxmlformats.org/officeDocument/2006/relationships" xmlns:p="http://schemas.openxmlformats.org/presentationml/2006/main">
+  <p:cSld>
+    <p:spTree>
+      <p:nvGrpSpPr>
+        <p:cNvPr id="1" name=""/>
+        <p:cNvGrpSpPr/>
+        <p:nvPr/>
+      </p:nvGrpSpPr>
+      <p:grpSpPr>
+        <a:xfrm>
+          <a:off x="0" y="0"/>
+          <a:ext cx="0" cy="0"/>
+          <a:chOff x="0" y="0"/>
+          <a:chExt cx="0" cy="0"/>
+        </a:xfrm>
+      </p:grpSpPr>
+      <p:sp>
+        <p:nvSpPr>
+          <p:cNvPr id="2" name="Espaço Reservado para Imagem de Slide 1"/>
+          <p:cNvSpPr>
+            <a:spLocks noGrp="1" noRot="1" noChangeAspect="1"/>
+          </p:cNvSpPr>
+          <p:nvPr>
+            <p:ph type="sldImg"/>
+          </p:nvPr>
+        </p:nvSpPr>
+        <p:spPr>
+          <a:xfrm>
+            <a:off x="381000" y="685800"/>
+            <a:ext cx="6096000" cy="3429000"/>
+          </a:xfrm>
+        </p:spPr>
+      </p:sp>
+      <p:sp>
+        <p:nvSpPr>
+          <p:cNvPr id="3" name="Espaço Reservado para Anotações 2"/>
+          <p:cNvSpPr>
+            <a:spLocks noGrp="1"/>
+          </p:cNvSpPr>
+          <p:nvPr>
+            <p:ph type="body" idx="1"/>
+          </p:nvPr>
+        </p:nvSpPr>
+        <p:spPr/>
+        <p:txBody>
+          <a:bodyPr/>
+          <a:lstStyle/>
+          <a:p>
+            <a:endParaRPr lang="pt-BR" dirty="0"/>
+          </a:p>
+        </p:txBody>
+      </p:sp>
+    </p:spTree>
+    <p:extLst>
+      <p:ext uri="{BB962C8B-B14F-4D97-AF65-F5344CB8AC3E}">
+        <p14:creationId xmlns:p14="http://schemas.microsoft.com/office/powerpoint/2010/main" val="1333902243"/>
+      </p:ext>
+    </p:extLst>
+  </p:cSld>
+  <p:clrMapOvr>
+    <a:masterClrMapping/>
+  </p:clrMapOvr>
+</p:notes>
+</file>
+
+<file path=ppt/notesSlides/notesSlide13.xml><?xml version="1.0" encoding="utf-8"?>
+<p:notes xmlns:a="http://schemas.openxmlformats.org/drawingml/2006/main" xmlns:r="http://schemas.openxmlformats.org/officeDocument/2006/relationships" xmlns:p="http://schemas.openxmlformats.org/presentationml/2006/main">
+  <p:cSld>
+    <p:spTree>
+      <p:nvGrpSpPr>
+        <p:cNvPr id="1" name=""/>
+        <p:cNvGrpSpPr/>
+        <p:nvPr/>
+      </p:nvGrpSpPr>
+      <p:grpSpPr>
+        <a:xfrm>
+          <a:off x="0" y="0"/>
+          <a:ext cx="0" cy="0"/>
+          <a:chOff x="0" y="0"/>
+          <a:chExt cx="0" cy="0"/>
+        </a:xfrm>
+      </p:grpSpPr>
+      <p:sp>
+        <p:nvSpPr>
+          <p:cNvPr id="2" name="Espaço Reservado para Imagem de Slide 1"/>
+          <p:cNvSpPr>
+            <a:spLocks noGrp="1" noRot="1" noChangeAspect="1"/>
+          </p:cNvSpPr>
+          <p:nvPr>
+            <p:ph type="sldImg"/>
+          </p:nvPr>
+        </p:nvSpPr>
+        <p:spPr>
+          <a:xfrm>
+            <a:off x="381000" y="685800"/>
+            <a:ext cx="6096000" cy="3429000"/>
+          </a:xfrm>
+        </p:spPr>
+      </p:sp>
+      <p:sp>
+        <p:nvSpPr>
+          <p:cNvPr id="3" name="Espaço Reservado para Anotações 2"/>
+          <p:cNvSpPr>
+            <a:spLocks noGrp="1"/>
+          </p:cNvSpPr>
+          <p:nvPr>
+            <p:ph type="body" idx="1"/>
+          </p:nvPr>
+        </p:nvSpPr>
+        <p:spPr/>
+        <p:txBody>
+          <a:bodyPr/>
+          <a:lstStyle/>
+          <a:p>
+            <a:endParaRPr lang="pt-BR" dirty="0"/>
+          </a:p>
+        </p:txBody>
+      </p:sp>
+    </p:spTree>
+    <p:extLst>
+      <p:ext uri="{BB962C8B-B14F-4D97-AF65-F5344CB8AC3E}">
+        <p14:creationId xmlns:p14="http://schemas.microsoft.com/office/powerpoint/2010/main" val="1014366608"/>
+      </p:ext>
+    </p:extLst>
+  </p:cSld>
+  <p:clrMapOvr>
+    <a:masterClrMapping/>
+  </p:clrMapOvr>
+</p:notes>
+</file>
+
+<file path=ppt/notesSlides/notesSlide14.xml><?xml version="1.0" encoding="utf-8"?>
+<p:notes xmlns:a="http://schemas.openxmlformats.org/drawingml/2006/main" xmlns:r="http://schemas.openxmlformats.org/officeDocument/2006/relationships" xmlns:p="http://schemas.openxmlformats.org/presentationml/2006/main">
+  <p:cSld>
+    <p:spTree>
+      <p:nvGrpSpPr>
+        <p:cNvPr id="1" name=""/>
+        <p:cNvGrpSpPr/>
+        <p:nvPr/>
+      </p:nvGrpSpPr>
+      <p:grpSpPr>
+        <a:xfrm>
+          <a:off x="0" y="0"/>
+          <a:ext cx="0" cy="0"/>
+          <a:chOff x="0" y="0"/>
+          <a:chExt cx="0" cy="0"/>
+        </a:xfrm>
+      </p:grpSpPr>
+      <p:sp>
+        <p:nvSpPr>
+          <p:cNvPr id="2" name="Espaço Reservado para Imagem de Slide 1"/>
+          <p:cNvSpPr>
+            <a:spLocks noGrp="1" noRot="1" noChangeAspect="1"/>
+          </p:cNvSpPr>
+          <p:nvPr>
+            <p:ph type="sldImg"/>
+          </p:nvPr>
+        </p:nvSpPr>
+        <p:spPr>
+          <a:xfrm>
+            <a:off x="381000" y="685800"/>
+            <a:ext cx="6096000" cy="3429000"/>
+          </a:xfrm>
+        </p:spPr>
+      </p:sp>
+      <p:sp>
+        <p:nvSpPr>
+          <p:cNvPr id="3" name="Espaço Reservado para Anotações 2"/>
+          <p:cNvSpPr>
+            <a:spLocks noGrp="1"/>
+          </p:cNvSpPr>
+          <p:nvPr>
+            <p:ph type="body" idx="1"/>
+          </p:nvPr>
+        </p:nvSpPr>
+        <p:spPr/>
+        <p:txBody>
+          <a:bodyPr/>
+          <a:lstStyle/>
+          <a:p>
+            <a:endParaRPr lang="pt-BR" dirty="0"/>
+          </a:p>
+        </p:txBody>
+      </p:sp>
+    </p:spTree>
+    <p:extLst>
+      <p:ext uri="{BB962C8B-B14F-4D97-AF65-F5344CB8AC3E}">
+        <p14:creationId xmlns:p14="http://schemas.microsoft.com/office/powerpoint/2010/main" val="2413135760"/>
+      </p:ext>
+    </p:extLst>
+  </p:cSld>
+  <p:clrMapOvr>
+    <a:masterClrMapping/>
+  </p:clrMapOvr>
+</p:notes>
+</file>
+
+<file path=ppt/notesSlides/notesSlide15.xml><?xml version="1.0" encoding="utf-8"?>
+<p:notes xmlns:a="http://schemas.openxmlformats.org/drawingml/2006/main" xmlns:r="http://schemas.openxmlformats.org/officeDocument/2006/relationships" xmlns:p="http://schemas.openxmlformats.org/presentationml/2006/main">
+  <p:cSld>
+    <p:spTree>
+      <p:nvGrpSpPr>
+        <p:cNvPr id="1" name=""/>
+        <p:cNvGrpSpPr/>
+        <p:nvPr/>
+      </p:nvGrpSpPr>
+      <p:grpSpPr>
+        <a:xfrm>
+          <a:off x="0" y="0"/>
+          <a:ext cx="0" cy="0"/>
+          <a:chOff x="0" y="0"/>
+          <a:chExt cx="0" cy="0"/>
+        </a:xfrm>
+      </p:grpSpPr>
+      <p:sp>
+        <p:nvSpPr>
+          <p:cNvPr id="2" name="Espaço Reservado para Imagem de Slide 1"/>
+          <p:cNvSpPr>
+            <a:spLocks noGrp="1" noRot="1" noChangeAspect="1"/>
+          </p:cNvSpPr>
+          <p:nvPr>
+            <p:ph type="sldImg"/>
+          </p:nvPr>
+        </p:nvSpPr>
+        <p:spPr>
+          <a:xfrm>
+            <a:off x="381000" y="685800"/>
+            <a:ext cx="6096000" cy="3429000"/>
+          </a:xfrm>
+        </p:spPr>
+      </p:sp>
+      <p:sp>
+        <p:nvSpPr>
+          <p:cNvPr id="3" name="Espaço Reservado para Anotações 2"/>
+          <p:cNvSpPr>
+            <a:spLocks noGrp="1"/>
+          </p:cNvSpPr>
+          <p:nvPr>
+            <p:ph type="body" idx="1"/>
+          </p:nvPr>
+        </p:nvSpPr>
+        <p:spPr/>
+        <p:txBody>
+          <a:bodyPr/>
+          <a:lstStyle/>
+          <a:p>
+            <a:endParaRPr lang="pt-BR" dirty="0"/>
+          </a:p>
+        </p:txBody>
+      </p:sp>
+    </p:spTree>
+    <p:extLst>
+      <p:ext uri="{BB962C8B-B14F-4D97-AF65-F5344CB8AC3E}">
+        <p14:creationId xmlns:p14="http://schemas.microsoft.com/office/powerpoint/2010/main" val="3200271580"/>
+      </p:ext>
+    </p:extLst>
+  </p:cSld>
+  <p:clrMapOvr>
+    <a:masterClrMapping/>
+  </p:clrMapOvr>
+</p:notes>
+</file>
+
+<file path=ppt/notesSlides/notesSlide16.xml><?xml version="1.0" encoding="utf-8"?>
+<p:notes xmlns:a="http://schemas.openxmlformats.org/drawingml/2006/main" xmlns:r="http://schemas.openxmlformats.org/officeDocument/2006/relationships" xmlns:p="http://schemas.openxmlformats.org/presentationml/2006/main">
+  <p:cSld>
+    <p:spTree>
+      <p:nvGrpSpPr>
+        <p:cNvPr id="1" name=""/>
+        <p:cNvGrpSpPr/>
+        <p:nvPr/>
+      </p:nvGrpSpPr>
+      <p:grpSpPr>
+        <a:xfrm>
+          <a:off x="0" y="0"/>
+          <a:ext cx="0" cy="0"/>
+          <a:chOff x="0" y="0"/>
+          <a:chExt cx="0" cy="0"/>
+        </a:xfrm>
+      </p:grpSpPr>
+      <p:sp>
+        <p:nvSpPr>
+          <p:cNvPr id="2" name="Espaço Reservado para Imagem de Slide 1"/>
+          <p:cNvSpPr>
+            <a:spLocks noGrp="1" noRot="1" noChangeAspect="1"/>
+          </p:cNvSpPr>
+          <p:nvPr>
+            <p:ph type="sldImg"/>
+          </p:nvPr>
+        </p:nvSpPr>
+        <p:spPr>
+          <a:xfrm>
+            <a:off x="381000" y="685800"/>
+            <a:ext cx="6096000" cy="3429000"/>
+          </a:xfrm>
+        </p:spPr>
+      </p:sp>
+      <p:sp>
+        <p:nvSpPr>
+          <p:cNvPr id="3" name="Espaço Reservado para Anotações 2"/>
+          <p:cNvSpPr>
+            <a:spLocks noGrp="1"/>
+          </p:cNvSpPr>
+          <p:nvPr>
+            <p:ph type="body" idx="1"/>
+          </p:nvPr>
+        </p:nvSpPr>
+        <p:spPr/>
+        <p:txBody>
+          <a:bodyPr/>
+          <a:lstStyle/>
+          <a:p>
+            <a:endParaRPr lang="pt-BR" dirty="0"/>
+          </a:p>
+        </p:txBody>
+      </p:sp>
+    </p:spTree>
+    <p:extLst>
+      <p:ext uri="{BB962C8B-B14F-4D97-AF65-F5344CB8AC3E}">
+        <p14:creationId xmlns:p14="http://schemas.microsoft.com/office/powerpoint/2010/main" val="4252823953"/>
+      </p:ext>
+    </p:extLst>
+  </p:cSld>
+  <p:clrMapOvr>
+    <a:masterClrMapping/>
+  </p:clrMapOvr>
+</p:notes>
+</file>
+
+<file path=ppt/notesSlides/notesSlide17.xml><?xml version="1.0" encoding="utf-8"?>
+<p:notes xmlns:a="http://schemas.openxmlformats.org/drawingml/2006/main" xmlns:r="http://schemas.openxmlformats.org/officeDocument/2006/relationships" xmlns:p="http://schemas.openxmlformats.org/presentationml/2006/main">
+  <p:cSld>
+    <p:spTree>
+      <p:nvGrpSpPr>
+        <p:cNvPr id="1" name=""/>
+        <p:cNvGrpSpPr/>
+        <p:nvPr/>
+      </p:nvGrpSpPr>
+      <p:grpSpPr>
+        <a:xfrm>
+          <a:off x="0" y="0"/>
+          <a:ext cx="0" cy="0"/>
+          <a:chOff x="0" y="0"/>
+          <a:chExt cx="0" cy="0"/>
+        </a:xfrm>
+      </p:grpSpPr>
+      <p:sp>
+        <p:nvSpPr>
+          <p:cNvPr id="2" name="Espaço Reservado para Imagem de Slide 1"/>
+          <p:cNvSpPr>
+            <a:spLocks noGrp="1" noRot="1" noChangeAspect="1"/>
+          </p:cNvSpPr>
+          <p:nvPr>
+            <p:ph type="sldImg"/>
+          </p:nvPr>
+        </p:nvSpPr>
+        <p:spPr>
+          <a:xfrm>
+            <a:off x="381000" y="685800"/>
+            <a:ext cx="6096000" cy="3429000"/>
+          </a:xfrm>
+        </p:spPr>
+      </p:sp>
+      <p:sp>
+        <p:nvSpPr>
+          <p:cNvPr id="3" name="Espaço Reservado para Anotações 2"/>
+          <p:cNvSpPr>
+            <a:spLocks noGrp="1"/>
+          </p:cNvSpPr>
+          <p:nvPr>
+            <p:ph type="body" idx="1"/>
+          </p:nvPr>
+        </p:nvSpPr>
+        <p:spPr/>
+        <p:txBody>
+          <a:bodyPr/>
+          <a:lstStyle/>
+          <a:p>
+            <a:endParaRPr lang="pt-BR" dirty="0"/>
+          </a:p>
+        </p:txBody>
+      </p:sp>
+    </p:spTree>
+    <p:extLst>
+      <p:ext uri="{BB962C8B-B14F-4D97-AF65-F5344CB8AC3E}">
+        <p14:creationId xmlns:p14="http://schemas.microsoft.com/office/powerpoint/2010/main" val="1773363109"/>
+      </p:ext>
+    </p:extLst>
+  </p:cSld>
+  <p:clrMapOvr>
+    <a:masterClrMapping/>
+  </p:clrMapOvr>
+</p:notes>
+</file>
+
+<file path=ppt/notesSlides/notesSlide18.xml><?xml version="1.0" encoding="utf-8"?>
+<p:notes xmlns:a="http://schemas.openxmlformats.org/drawingml/2006/main" xmlns:r="http://schemas.openxmlformats.org/officeDocument/2006/relationships" xmlns:p="http://schemas.openxmlformats.org/presentationml/2006/main">
+  <p:cSld>
+    <p:spTree>
+      <p:nvGrpSpPr>
+        <p:cNvPr id="1" name=""/>
+        <p:cNvGrpSpPr/>
+        <p:nvPr/>
+      </p:nvGrpSpPr>
+      <p:grpSpPr>
+        <a:xfrm>
+          <a:off x="0" y="0"/>
+          <a:ext cx="0" cy="0"/>
+          <a:chOff x="0" y="0"/>
+          <a:chExt cx="0" cy="0"/>
+        </a:xfrm>
+      </p:grpSpPr>
+      <p:sp>
+        <p:nvSpPr>
+          <p:cNvPr id="2" name="Espaço Reservado para Imagem de Slide 1"/>
+          <p:cNvSpPr>
+            <a:spLocks noGrp="1" noRot="1" noChangeAspect="1"/>
+          </p:cNvSpPr>
+          <p:nvPr>
+            <p:ph type="sldImg"/>
+          </p:nvPr>
+        </p:nvSpPr>
+        <p:spPr>
+          <a:xfrm>
+            <a:off x="381000" y="685800"/>
+            <a:ext cx="6096000" cy="3429000"/>
+          </a:xfrm>
+        </p:spPr>
+      </p:sp>
+      <p:sp>
+        <p:nvSpPr>
+          <p:cNvPr id="3" name="Espaço Reservado para Anotações 2"/>
+          <p:cNvSpPr>
+            <a:spLocks noGrp="1"/>
+          </p:cNvSpPr>
+          <p:nvPr>
+            <p:ph type="body" idx="1"/>
+          </p:nvPr>
+        </p:nvSpPr>
+        <p:spPr/>
+        <p:txBody>
+          <a:bodyPr/>
+          <a:lstStyle/>
+          <a:p>
+            <a:endParaRPr lang="pt-BR" dirty="0"/>
+          </a:p>
+        </p:txBody>
+      </p:sp>
+    </p:spTree>
+    <p:extLst>
+      <p:ext uri="{BB962C8B-B14F-4D97-AF65-F5344CB8AC3E}">
+        <p14:creationId xmlns:p14="http://schemas.microsoft.com/office/powerpoint/2010/main" val="2637631857"/>
+      </p:ext>
+    </p:extLst>
+  </p:cSld>
+  <p:clrMapOvr>
+    <a:masterClrMapping/>
+  </p:clrMapOvr>
+</p:notes>
+</file>
+
+<file path=ppt/notesSlides/notesSlide19.xml><?xml version="1.0" encoding="utf-8"?>
+<p:notes xmlns:a="http://schemas.openxmlformats.org/drawingml/2006/main" xmlns:r="http://schemas.openxmlformats.org/officeDocument/2006/relationships" xmlns:p="http://schemas.openxmlformats.org/presentationml/2006/main">
+  <p:cSld>
+    <p:spTree>
+      <p:nvGrpSpPr>
+        <p:cNvPr id="1" name=""/>
+        <p:cNvGrpSpPr/>
+        <p:nvPr/>
+      </p:nvGrpSpPr>
+      <p:grpSpPr>
+        <a:xfrm>
+          <a:off x="0" y="0"/>
+          <a:ext cx="0" cy="0"/>
+          <a:chOff x="0" y="0"/>
+          <a:chExt cx="0" cy="0"/>
+        </a:xfrm>
+      </p:grpSpPr>
+      <p:sp>
+        <p:nvSpPr>
+          <p:cNvPr id="2" name="Espaço Reservado para Imagem de Slide 1"/>
+          <p:cNvSpPr>
+            <a:spLocks noGrp="1" noRot="1" noChangeAspect="1"/>
+          </p:cNvSpPr>
+          <p:nvPr>
+            <p:ph type="sldImg"/>
+          </p:nvPr>
+        </p:nvSpPr>
+        <p:spPr>
+          <a:xfrm>
+            <a:off x="381000" y="685800"/>
+            <a:ext cx="6096000" cy="3429000"/>
+          </a:xfrm>
+        </p:spPr>
+      </p:sp>
+      <p:sp>
+        <p:nvSpPr>
+          <p:cNvPr id="3" name="Espaço Reservado para Anotações 2"/>
+          <p:cNvSpPr>
+            <a:spLocks noGrp="1"/>
+          </p:cNvSpPr>
+          <p:nvPr>
+            <p:ph type="body" idx="1"/>
+          </p:nvPr>
+        </p:nvSpPr>
+        <p:spPr/>
+        <p:txBody>
+          <a:bodyPr/>
+          <a:lstStyle/>
+          <a:p>
+            <a:endParaRPr lang="pt-BR" dirty="0"/>
+          </a:p>
+        </p:txBody>
+      </p:sp>
+    </p:spTree>
+    <p:extLst>
+      <p:ext uri="{BB962C8B-B14F-4D97-AF65-F5344CB8AC3E}">
+        <p14:creationId xmlns:p14="http://schemas.microsoft.com/office/powerpoint/2010/main" val="1490173913"/>
+      </p:ext>
+    </p:extLst>
+  </p:cSld>
+  <p:clrMapOvr>
+    <a:masterClrMapping/>
+  </p:clrMapOvr>
+</p:notes>
+</file>
+
 <file path=ppt/notesSlides/notesSlide2.xml><?xml version="1.0" encoding="utf-8"?>
 <p:notes xmlns:a="http://schemas.openxmlformats.org/drawingml/2006/main" xmlns:r="http://schemas.openxmlformats.org/officeDocument/2006/relationships" xmlns:p="http://schemas.openxmlformats.org/presentationml/2006/main">
   <p:cSld>
@@ -618,7 +1298,469 @@
     </p:spTree>
     <p:extLst>
       <p:ext uri="{BB962C8B-B14F-4D97-AF65-F5344CB8AC3E}">
-        <p14:creationId xmlns:p14="http://schemas.microsoft.com/office/powerpoint/2010/main" val="1662896905"/>
+        <p14:creationId xmlns:p14="http://schemas.microsoft.com/office/powerpoint/2010/main" val="1088361180"/>
+      </p:ext>
+    </p:extLst>
+  </p:cSld>
+  <p:clrMapOvr>
+    <a:masterClrMapping/>
+  </p:clrMapOvr>
+</p:notes>
+</file>
+
+<file path=ppt/notesSlides/notesSlide20.xml><?xml version="1.0" encoding="utf-8"?>
+<p:notes xmlns:a="http://schemas.openxmlformats.org/drawingml/2006/main" xmlns:r="http://schemas.openxmlformats.org/officeDocument/2006/relationships" xmlns:p="http://schemas.openxmlformats.org/presentationml/2006/main">
+  <p:cSld>
+    <p:spTree>
+      <p:nvGrpSpPr>
+        <p:cNvPr id="1" name=""/>
+        <p:cNvGrpSpPr/>
+        <p:nvPr/>
+      </p:nvGrpSpPr>
+      <p:grpSpPr>
+        <a:xfrm>
+          <a:off x="0" y="0"/>
+          <a:ext cx="0" cy="0"/>
+          <a:chOff x="0" y="0"/>
+          <a:chExt cx="0" cy="0"/>
+        </a:xfrm>
+      </p:grpSpPr>
+      <p:sp>
+        <p:nvSpPr>
+          <p:cNvPr id="2" name="Espaço Reservado para Imagem de Slide 1"/>
+          <p:cNvSpPr>
+            <a:spLocks noGrp="1" noRot="1" noChangeAspect="1"/>
+          </p:cNvSpPr>
+          <p:nvPr>
+            <p:ph type="sldImg"/>
+          </p:nvPr>
+        </p:nvSpPr>
+        <p:spPr>
+          <a:xfrm>
+            <a:off x="381000" y="685800"/>
+            <a:ext cx="6096000" cy="3429000"/>
+          </a:xfrm>
+        </p:spPr>
+      </p:sp>
+      <p:sp>
+        <p:nvSpPr>
+          <p:cNvPr id="3" name="Espaço Reservado para Anotações 2"/>
+          <p:cNvSpPr>
+            <a:spLocks noGrp="1"/>
+          </p:cNvSpPr>
+          <p:nvPr>
+            <p:ph type="body" idx="1"/>
+          </p:nvPr>
+        </p:nvSpPr>
+        <p:spPr/>
+        <p:txBody>
+          <a:bodyPr/>
+          <a:lstStyle/>
+          <a:p>
+            <a:endParaRPr lang="pt-BR" dirty="0"/>
+          </a:p>
+        </p:txBody>
+      </p:sp>
+    </p:spTree>
+    <p:extLst>
+      <p:ext uri="{BB962C8B-B14F-4D97-AF65-F5344CB8AC3E}">
+        <p14:creationId xmlns:p14="http://schemas.microsoft.com/office/powerpoint/2010/main" val="361285848"/>
+      </p:ext>
+    </p:extLst>
+  </p:cSld>
+  <p:clrMapOvr>
+    <a:masterClrMapping/>
+  </p:clrMapOvr>
+</p:notes>
+</file>
+
+<file path=ppt/notesSlides/notesSlide21.xml><?xml version="1.0" encoding="utf-8"?>
+<p:notes xmlns:a="http://schemas.openxmlformats.org/drawingml/2006/main" xmlns:r="http://schemas.openxmlformats.org/officeDocument/2006/relationships" xmlns:p="http://schemas.openxmlformats.org/presentationml/2006/main">
+  <p:cSld>
+    <p:spTree>
+      <p:nvGrpSpPr>
+        <p:cNvPr id="1" name=""/>
+        <p:cNvGrpSpPr/>
+        <p:nvPr/>
+      </p:nvGrpSpPr>
+      <p:grpSpPr>
+        <a:xfrm>
+          <a:off x="0" y="0"/>
+          <a:ext cx="0" cy="0"/>
+          <a:chOff x="0" y="0"/>
+          <a:chExt cx="0" cy="0"/>
+        </a:xfrm>
+      </p:grpSpPr>
+      <p:sp>
+        <p:nvSpPr>
+          <p:cNvPr id="2" name="Espaço Reservado para Imagem de Slide 1"/>
+          <p:cNvSpPr>
+            <a:spLocks noGrp="1" noRot="1" noChangeAspect="1"/>
+          </p:cNvSpPr>
+          <p:nvPr>
+            <p:ph type="sldImg"/>
+          </p:nvPr>
+        </p:nvSpPr>
+        <p:spPr>
+          <a:xfrm>
+            <a:off x="381000" y="685800"/>
+            <a:ext cx="6096000" cy="3429000"/>
+          </a:xfrm>
+        </p:spPr>
+      </p:sp>
+      <p:sp>
+        <p:nvSpPr>
+          <p:cNvPr id="3" name="Espaço Reservado para Anotações 2"/>
+          <p:cNvSpPr>
+            <a:spLocks noGrp="1"/>
+          </p:cNvSpPr>
+          <p:nvPr>
+            <p:ph type="body" idx="1"/>
+          </p:nvPr>
+        </p:nvSpPr>
+        <p:spPr/>
+        <p:txBody>
+          <a:bodyPr/>
+          <a:lstStyle/>
+          <a:p>
+            <a:endParaRPr lang="pt-BR" dirty="0"/>
+          </a:p>
+        </p:txBody>
+      </p:sp>
+    </p:spTree>
+    <p:extLst>
+      <p:ext uri="{BB962C8B-B14F-4D97-AF65-F5344CB8AC3E}">
+        <p14:creationId xmlns:p14="http://schemas.microsoft.com/office/powerpoint/2010/main" val="1351148644"/>
+      </p:ext>
+    </p:extLst>
+  </p:cSld>
+  <p:clrMapOvr>
+    <a:masterClrMapping/>
+  </p:clrMapOvr>
+</p:notes>
+</file>
+
+<file path=ppt/notesSlides/notesSlide22.xml><?xml version="1.0" encoding="utf-8"?>
+<p:notes xmlns:a="http://schemas.openxmlformats.org/drawingml/2006/main" xmlns:r="http://schemas.openxmlformats.org/officeDocument/2006/relationships" xmlns:p="http://schemas.openxmlformats.org/presentationml/2006/main">
+  <p:cSld>
+    <p:spTree>
+      <p:nvGrpSpPr>
+        <p:cNvPr id="1" name=""/>
+        <p:cNvGrpSpPr/>
+        <p:nvPr/>
+      </p:nvGrpSpPr>
+      <p:grpSpPr>
+        <a:xfrm>
+          <a:off x="0" y="0"/>
+          <a:ext cx="0" cy="0"/>
+          <a:chOff x="0" y="0"/>
+          <a:chExt cx="0" cy="0"/>
+        </a:xfrm>
+      </p:grpSpPr>
+      <p:sp>
+        <p:nvSpPr>
+          <p:cNvPr id="2" name="Espaço Reservado para Imagem de Slide 1"/>
+          <p:cNvSpPr>
+            <a:spLocks noGrp="1" noRot="1" noChangeAspect="1"/>
+          </p:cNvSpPr>
+          <p:nvPr>
+            <p:ph type="sldImg"/>
+          </p:nvPr>
+        </p:nvSpPr>
+        <p:spPr>
+          <a:xfrm>
+            <a:off x="381000" y="685800"/>
+            <a:ext cx="6096000" cy="3429000"/>
+          </a:xfrm>
+        </p:spPr>
+      </p:sp>
+      <p:sp>
+        <p:nvSpPr>
+          <p:cNvPr id="3" name="Espaço Reservado para Anotações 2"/>
+          <p:cNvSpPr>
+            <a:spLocks noGrp="1"/>
+          </p:cNvSpPr>
+          <p:nvPr>
+            <p:ph type="body" idx="1"/>
+          </p:nvPr>
+        </p:nvSpPr>
+        <p:spPr/>
+        <p:txBody>
+          <a:bodyPr/>
+          <a:lstStyle/>
+          <a:p>
+            <a:endParaRPr lang="pt-BR" dirty="0"/>
+          </a:p>
+        </p:txBody>
+      </p:sp>
+    </p:spTree>
+    <p:extLst>
+      <p:ext uri="{BB962C8B-B14F-4D97-AF65-F5344CB8AC3E}">
+        <p14:creationId xmlns:p14="http://schemas.microsoft.com/office/powerpoint/2010/main" val="678617689"/>
+      </p:ext>
+    </p:extLst>
+  </p:cSld>
+  <p:clrMapOvr>
+    <a:masterClrMapping/>
+  </p:clrMapOvr>
+</p:notes>
+</file>
+
+<file path=ppt/notesSlides/notesSlide23.xml><?xml version="1.0" encoding="utf-8"?>
+<p:notes xmlns:a="http://schemas.openxmlformats.org/drawingml/2006/main" xmlns:r="http://schemas.openxmlformats.org/officeDocument/2006/relationships" xmlns:p="http://schemas.openxmlformats.org/presentationml/2006/main">
+  <p:cSld>
+    <p:spTree>
+      <p:nvGrpSpPr>
+        <p:cNvPr id="1" name=""/>
+        <p:cNvGrpSpPr/>
+        <p:nvPr/>
+      </p:nvGrpSpPr>
+      <p:grpSpPr>
+        <a:xfrm>
+          <a:off x="0" y="0"/>
+          <a:ext cx="0" cy="0"/>
+          <a:chOff x="0" y="0"/>
+          <a:chExt cx="0" cy="0"/>
+        </a:xfrm>
+      </p:grpSpPr>
+      <p:sp>
+        <p:nvSpPr>
+          <p:cNvPr id="2" name="Espaço Reservado para Imagem de Slide 1"/>
+          <p:cNvSpPr>
+            <a:spLocks noGrp="1" noRot="1" noChangeAspect="1"/>
+          </p:cNvSpPr>
+          <p:nvPr>
+            <p:ph type="sldImg"/>
+          </p:nvPr>
+        </p:nvSpPr>
+        <p:spPr>
+          <a:xfrm>
+            <a:off x="381000" y="685800"/>
+            <a:ext cx="6096000" cy="3429000"/>
+          </a:xfrm>
+        </p:spPr>
+      </p:sp>
+      <p:sp>
+        <p:nvSpPr>
+          <p:cNvPr id="3" name="Espaço Reservado para Anotações 2"/>
+          <p:cNvSpPr>
+            <a:spLocks noGrp="1"/>
+          </p:cNvSpPr>
+          <p:nvPr>
+            <p:ph type="body" idx="1"/>
+          </p:nvPr>
+        </p:nvSpPr>
+        <p:spPr/>
+        <p:txBody>
+          <a:bodyPr/>
+          <a:lstStyle/>
+          <a:p>
+            <a:endParaRPr lang="pt-BR" dirty="0"/>
+          </a:p>
+        </p:txBody>
+      </p:sp>
+    </p:spTree>
+    <p:extLst>
+      <p:ext uri="{BB962C8B-B14F-4D97-AF65-F5344CB8AC3E}">
+        <p14:creationId xmlns:p14="http://schemas.microsoft.com/office/powerpoint/2010/main" val="585304384"/>
+      </p:ext>
+    </p:extLst>
+  </p:cSld>
+  <p:clrMapOvr>
+    <a:masterClrMapping/>
+  </p:clrMapOvr>
+</p:notes>
+</file>
+
+<file path=ppt/notesSlides/notesSlide24.xml><?xml version="1.0" encoding="utf-8"?>
+<p:notes xmlns:a="http://schemas.openxmlformats.org/drawingml/2006/main" xmlns:r="http://schemas.openxmlformats.org/officeDocument/2006/relationships" xmlns:p="http://schemas.openxmlformats.org/presentationml/2006/main">
+  <p:cSld>
+    <p:spTree>
+      <p:nvGrpSpPr>
+        <p:cNvPr id="1" name=""/>
+        <p:cNvGrpSpPr/>
+        <p:nvPr/>
+      </p:nvGrpSpPr>
+      <p:grpSpPr>
+        <a:xfrm>
+          <a:off x="0" y="0"/>
+          <a:ext cx="0" cy="0"/>
+          <a:chOff x="0" y="0"/>
+          <a:chExt cx="0" cy="0"/>
+        </a:xfrm>
+      </p:grpSpPr>
+      <p:sp>
+        <p:nvSpPr>
+          <p:cNvPr id="2" name="Espaço Reservado para Imagem de Slide 1"/>
+          <p:cNvSpPr>
+            <a:spLocks noGrp="1" noRot="1" noChangeAspect="1"/>
+          </p:cNvSpPr>
+          <p:nvPr>
+            <p:ph type="sldImg"/>
+          </p:nvPr>
+        </p:nvSpPr>
+        <p:spPr>
+          <a:xfrm>
+            <a:off x="381000" y="685800"/>
+            <a:ext cx="6096000" cy="3429000"/>
+          </a:xfrm>
+        </p:spPr>
+      </p:sp>
+      <p:sp>
+        <p:nvSpPr>
+          <p:cNvPr id="3" name="Espaço Reservado para Anotações 2"/>
+          <p:cNvSpPr>
+            <a:spLocks noGrp="1"/>
+          </p:cNvSpPr>
+          <p:nvPr>
+            <p:ph type="body" idx="1"/>
+          </p:nvPr>
+        </p:nvSpPr>
+        <p:spPr/>
+        <p:txBody>
+          <a:bodyPr/>
+          <a:lstStyle/>
+          <a:p>
+            <a:endParaRPr lang="pt-BR" dirty="0"/>
+          </a:p>
+        </p:txBody>
+      </p:sp>
+    </p:spTree>
+    <p:extLst>
+      <p:ext uri="{BB962C8B-B14F-4D97-AF65-F5344CB8AC3E}">
+        <p14:creationId xmlns:p14="http://schemas.microsoft.com/office/powerpoint/2010/main" val="2709569597"/>
+      </p:ext>
+    </p:extLst>
+  </p:cSld>
+  <p:clrMapOvr>
+    <a:masterClrMapping/>
+  </p:clrMapOvr>
+</p:notes>
+</file>
+
+<file path=ppt/notesSlides/notesSlide25.xml><?xml version="1.0" encoding="utf-8"?>
+<p:notes xmlns:a="http://schemas.openxmlformats.org/drawingml/2006/main" xmlns:r="http://schemas.openxmlformats.org/officeDocument/2006/relationships" xmlns:p="http://schemas.openxmlformats.org/presentationml/2006/main">
+  <p:cSld>
+    <p:spTree>
+      <p:nvGrpSpPr>
+        <p:cNvPr id="1" name=""/>
+        <p:cNvGrpSpPr/>
+        <p:nvPr/>
+      </p:nvGrpSpPr>
+      <p:grpSpPr>
+        <a:xfrm>
+          <a:off x="0" y="0"/>
+          <a:ext cx="0" cy="0"/>
+          <a:chOff x="0" y="0"/>
+          <a:chExt cx="0" cy="0"/>
+        </a:xfrm>
+      </p:grpSpPr>
+      <p:sp>
+        <p:nvSpPr>
+          <p:cNvPr id="2" name="Espaço Reservado para Imagem de Slide 1"/>
+          <p:cNvSpPr>
+            <a:spLocks noGrp="1" noRot="1" noChangeAspect="1"/>
+          </p:cNvSpPr>
+          <p:nvPr>
+            <p:ph type="sldImg"/>
+          </p:nvPr>
+        </p:nvSpPr>
+        <p:spPr>
+          <a:xfrm>
+            <a:off x="381000" y="685800"/>
+            <a:ext cx="6096000" cy="3429000"/>
+          </a:xfrm>
+        </p:spPr>
+      </p:sp>
+      <p:sp>
+        <p:nvSpPr>
+          <p:cNvPr id="3" name="Espaço Reservado para Anotações 2"/>
+          <p:cNvSpPr>
+            <a:spLocks noGrp="1"/>
+          </p:cNvSpPr>
+          <p:nvPr>
+            <p:ph type="body" idx="1"/>
+          </p:nvPr>
+        </p:nvSpPr>
+        <p:spPr/>
+        <p:txBody>
+          <a:bodyPr/>
+          <a:lstStyle/>
+          <a:p>
+            <a:endParaRPr lang="pt-BR" dirty="0"/>
+          </a:p>
+        </p:txBody>
+      </p:sp>
+    </p:spTree>
+    <p:extLst>
+      <p:ext uri="{BB962C8B-B14F-4D97-AF65-F5344CB8AC3E}">
+        <p14:creationId xmlns:p14="http://schemas.microsoft.com/office/powerpoint/2010/main" val="3863516043"/>
+      </p:ext>
+    </p:extLst>
+  </p:cSld>
+  <p:clrMapOvr>
+    <a:masterClrMapping/>
+  </p:clrMapOvr>
+</p:notes>
+</file>
+
+<file path=ppt/notesSlides/notesSlide26.xml><?xml version="1.0" encoding="utf-8"?>
+<p:notes xmlns:a="http://schemas.openxmlformats.org/drawingml/2006/main" xmlns:r="http://schemas.openxmlformats.org/officeDocument/2006/relationships" xmlns:p="http://schemas.openxmlformats.org/presentationml/2006/main">
+  <p:cSld>
+    <p:spTree>
+      <p:nvGrpSpPr>
+        <p:cNvPr id="1" name=""/>
+        <p:cNvGrpSpPr/>
+        <p:nvPr/>
+      </p:nvGrpSpPr>
+      <p:grpSpPr>
+        <a:xfrm>
+          <a:off x="0" y="0"/>
+          <a:ext cx="0" cy="0"/>
+          <a:chOff x="0" y="0"/>
+          <a:chExt cx="0" cy="0"/>
+        </a:xfrm>
+      </p:grpSpPr>
+      <p:sp>
+        <p:nvSpPr>
+          <p:cNvPr id="2" name="Espaço Reservado para Imagem de Slide 1"/>
+          <p:cNvSpPr>
+            <a:spLocks noGrp="1" noRot="1" noChangeAspect="1"/>
+          </p:cNvSpPr>
+          <p:nvPr>
+            <p:ph type="sldImg"/>
+          </p:nvPr>
+        </p:nvSpPr>
+        <p:spPr>
+          <a:xfrm>
+            <a:off x="381000" y="685800"/>
+            <a:ext cx="6096000" cy="3429000"/>
+          </a:xfrm>
+        </p:spPr>
+      </p:sp>
+      <p:sp>
+        <p:nvSpPr>
+          <p:cNvPr id="3" name="Espaço Reservado para Anotações 2"/>
+          <p:cNvSpPr>
+            <a:spLocks noGrp="1"/>
+          </p:cNvSpPr>
+          <p:nvPr>
+            <p:ph type="body" idx="1"/>
+          </p:nvPr>
+        </p:nvSpPr>
+        <p:spPr/>
+        <p:txBody>
+          <a:bodyPr/>
+          <a:lstStyle/>
+          <a:p>
+            <a:endParaRPr lang="pt-BR" dirty="0"/>
+          </a:p>
+        </p:txBody>
+      </p:sp>
+    </p:spTree>
+    <p:extLst>
+      <p:ext uri="{BB962C8B-B14F-4D97-AF65-F5344CB8AC3E}">
+        <p14:creationId xmlns:p14="http://schemas.microsoft.com/office/powerpoint/2010/main" val="4290351292"/>
       </p:ext>
     </p:extLst>
   </p:cSld>
@@ -684,7 +1826,7 @@
     </p:spTree>
     <p:extLst>
       <p:ext uri="{BB962C8B-B14F-4D97-AF65-F5344CB8AC3E}">
-        <p14:creationId xmlns:p14="http://schemas.microsoft.com/office/powerpoint/2010/main" val="585304384"/>
+        <p14:creationId xmlns:p14="http://schemas.microsoft.com/office/powerpoint/2010/main" val="373326214"/>
       </p:ext>
     </p:extLst>
   </p:cSld>
@@ -750,7 +1892,7 @@
     </p:spTree>
     <p:extLst>
       <p:ext uri="{BB962C8B-B14F-4D97-AF65-F5344CB8AC3E}">
-        <p14:creationId xmlns:p14="http://schemas.microsoft.com/office/powerpoint/2010/main" val="2709569597"/>
+        <p14:creationId xmlns:p14="http://schemas.microsoft.com/office/powerpoint/2010/main" val="663114403"/>
       </p:ext>
     </p:extLst>
   </p:cSld>
@@ -816,7 +1958,7 @@
     </p:spTree>
     <p:extLst>
       <p:ext uri="{BB962C8B-B14F-4D97-AF65-F5344CB8AC3E}">
-        <p14:creationId xmlns:p14="http://schemas.microsoft.com/office/powerpoint/2010/main" val="3863516043"/>
+        <p14:creationId xmlns:p14="http://schemas.microsoft.com/office/powerpoint/2010/main" val="1662896905"/>
       </p:ext>
     </p:extLst>
   </p:cSld>
@@ -882,7 +2024,205 @@
     </p:spTree>
     <p:extLst>
       <p:ext uri="{BB962C8B-B14F-4D97-AF65-F5344CB8AC3E}">
-        <p14:creationId xmlns:p14="http://schemas.microsoft.com/office/powerpoint/2010/main" val="4290351292"/>
+        <p14:creationId xmlns:p14="http://schemas.microsoft.com/office/powerpoint/2010/main" val="1839451814"/>
+      </p:ext>
+    </p:extLst>
+  </p:cSld>
+  <p:clrMapOvr>
+    <a:masterClrMapping/>
+  </p:clrMapOvr>
+</p:notes>
+</file>
+
+<file path=ppt/notesSlides/notesSlide7.xml><?xml version="1.0" encoding="utf-8"?>
+<p:notes xmlns:a="http://schemas.openxmlformats.org/drawingml/2006/main" xmlns:r="http://schemas.openxmlformats.org/officeDocument/2006/relationships" xmlns:p="http://schemas.openxmlformats.org/presentationml/2006/main">
+  <p:cSld>
+    <p:spTree>
+      <p:nvGrpSpPr>
+        <p:cNvPr id="1" name=""/>
+        <p:cNvGrpSpPr/>
+        <p:nvPr/>
+      </p:nvGrpSpPr>
+      <p:grpSpPr>
+        <a:xfrm>
+          <a:off x="0" y="0"/>
+          <a:ext cx="0" cy="0"/>
+          <a:chOff x="0" y="0"/>
+          <a:chExt cx="0" cy="0"/>
+        </a:xfrm>
+      </p:grpSpPr>
+      <p:sp>
+        <p:nvSpPr>
+          <p:cNvPr id="2" name="Espaço Reservado para Imagem de Slide 1"/>
+          <p:cNvSpPr>
+            <a:spLocks noGrp="1" noRot="1" noChangeAspect="1"/>
+          </p:cNvSpPr>
+          <p:nvPr>
+            <p:ph type="sldImg"/>
+          </p:nvPr>
+        </p:nvSpPr>
+        <p:spPr>
+          <a:xfrm>
+            <a:off x="381000" y="685800"/>
+            <a:ext cx="6096000" cy="3429000"/>
+          </a:xfrm>
+        </p:spPr>
+      </p:sp>
+      <p:sp>
+        <p:nvSpPr>
+          <p:cNvPr id="3" name="Espaço Reservado para Anotações 2"/>
+          <p:cNvSpPr>
+            <a:spLocks noGrp="1"/>
+          </p:cNvSpPr>
+          <p:nvPr>
+            <p:ph type="body" idx="1"/>
+          </p:nvPr>
+        </p:nvSpPr>
+        <p:spPr/>
+        <p:txBody>
+          <a:bodyPr/>
+          <a:lstStyle/>
+          <a:p>
+            <a:endParaRPr lang="pt-BR" dirty="0"/>
+          </a:p>
+        </p:txBody>
+      </p:sp>
+    </p:spTree>
+    <p:extLst>
+      <p:ext uri="{BB962C8B-B14F-4D97-AF65-F5344CB8AC3E}">
+        <p14:creationId xmlns:p14="http://schemas.microsoft.com/office/powerpoint/2010/main" val="198455216"/>
+      </p:ext>
+    </p:extLst>
+  </p:cSld>
+  <p:clrMapOvr>
+    <a:masterClrMapping/>
+  </p:clrMapOvr>
+</p:notes>
+</file>
+
+<file path=ppt/notesSlides/notesSlide8.xml><?xml version="1.0" encoding="utf-8"?>
+<p:notes xmlns:a="http://schemas.openxmlformats.org/drawingml/2006/main" xmlns:r="http://schemas.openxmlformats.org/officeDocument/2006/relationships" xmlns:p="http://schemas.openxmlformats.org/presentationml/2006/main">
+  <p:cSld>
+    <p:spTree>
+      <p:nvGrpSpPr>
+        <p:cNvPr id="1" name=""/>
+        <p:cNvGrpSpPr/>
+        <p:nvPr/>
+      </p:nvGrpSpPr>
+      <p:grpSpPr>
+        <a:xfrm>
+          <a:off x="0" y="0"/>
+          <a:ext cx="0" cy="0"/>
+          <a:chOff x="0" y="0"/>
+          <a:chExt cx="0" cy="0"/>
+        </a:xfrm>
+      </p:grpSpPr>
+      <p:sp>
+        <p:nvSpPr>
+          <p:cNvPr id="2" name="Espaço Reservado para Imagem de Slide 1"/>
+          <p:cNvSpPr>
+            <a:spLocks noGrp="1" noRot="1" noChangeAspect="1"/>
+          </p:cNvSpPr>
+          <p:nvPr>
+            <p:ph type="sldImg"/>
+          </p:nvPr>
+        </p:nvSpPr>
+        <p:spPr>
+          <a:xfrm>
+            <a:off x="381000" y="685800"/>
+            <a:ext cx="6096000" cy="3429000"/>
+          </a:xfrm>
+        </p:spPr>
+      </p:sp>
+      <p:sp>
+        <p:nvSpPr>
+          <p:cNvPr id="3" name="Espaço Reservado para Anotações 2"/>
+          <p:cNvSpPr>
+            <a:spLocks noGrp="1"/>
+          </p:cNvSpPr>
+          <p:nvPr>
+            <p:ph type="body" idx="1"/>
+          </p:nvPr>
+        </p:nvSpPr>
+        <p:spPr/>
+        <p:txBody>
+          <a:bodyPr/>
+          <a:lstStyle/>
+          <a:p>
+            <a:endParaRPr lang="pt-BR" dirty="0"/>
+          </a:p>
+        </p:txBody>
+      </p:sp>
+    </p:spTree>
+    <p:extLst>
+      <p:ext uri="{BB962C8B-B14F-4D97-AF65-F5344CB8AC3E}">
+        <p14:creationId xmlns:p14="http://schemas.microsoft.com/office/powerpoint/2010/main" val="4205258449"/>
+      </p:ext>
+    </p:extLst>
+  </p:cSld>
+  <p:clrMapOvr>
+    <a:masterClrMapping/>
+  </p:clrMapOvr>
+</p:notes>
+</file>
+
+<file path=ppt/notesSlides/notesSlide9.xml><?xml version="1.0" encoding="utf-8"?>
+<p:notes xmlns:a="http://schemas.openxmlformats.org/drawingml/2006/main" xmlns:r="http://schemas.openxmlformats.org/officeDocument/2006/relationships" xmlns:p="http://schemas.openxmlformats.org/presentationml/2006/main">
+  <p:cSld>
+    <p:spTree>
+      <p:nvGrpSpPr>
+        <p:cNvPr id="1" name=""/>
+        <p:cNvGrpSpPr/>
+        <p:nvPr/>
+      </p:nvGrpSpPr>
+      <p:grpSpPr>
+        <a:xfrm>
+          <a:off x="0" y="0"/>
+          <a:ext cx="0" cy="0"/>
+          <a:chOff x="0" y="0"/>
+          <a:chExt cx="0" cy="0"/>
+        </a:xfrm>
+      </p:grpSpPr>
+      <p:sp>
+        <p:nvSpPr>
+          <p:cNvPr id="2" name="Espaço Reservado para Imagem de Slide 1"/>
+          <p:cNvSpPr>
+            <a:spLocks noGrp="1" noRot="1" noChangeAspect="1"/>
+          </p:cNvSpPr>
+          <p:nvPr>
+            <p:ph type="sldImg"/>
+          </p:nvPr>
+        </p:nvSpPr>
+        <p:spPr>
+          <a:xfrm>
+            <a:off x="381000" y="685800"/>
+            <a:ext cx="6096000" cy="3429000"/>
+          </a:xfrm>
+        </p:spPr>
+      </p:sp>
+      <p:sp>
+        <p:nvSpPr>
+          <p:cNvPr id="3" name="Espaço Reservado para Anotações 2"/>
+          <p:cNvSpPr>
+            <a:spLocks noGrp="1"/>
+          </p:cNvSpPr>
+          <p:nvPr>
+            <p:ph type="body" idx="1"/>
+          </p:nvPr>
+        </p:nvSpPr>
+        <p:spPr/>
+        <p:txBody>
+          <a:bodyPr/>
+          <a:lstStyle/>
+          <a:p>
+            <a:endParaRPr lang="pt-BR" dirty="0"/>
+          </a:p>
+        </p:txBody>
+      </p:sp>
+    </p:spTree>
+    <p:extLst>
+      <p:ext uri="{BB962C8B-B14F-4D97-AF65-F5344CB8AC3E}">
+        <p14:creationId xmlns:p14="http://schemas.microsoft.com/office/powerpoint/2010/main" val="2647472123"/>
       </p:ext>
     </p:extLst>
   </p:cSld>
@@ -3829,6 +5169,2397 @@
 </p:sld>
 </file>
 
+<file path=ppt/slides/slide10.xml><?xml version="1.0" encoding="utf-8"?>
+<p:sld xmlns:a="http://schemas.openxmlformats.org/drawingml/2006/main" xmlns:r="http://schemas.openxmlformats.org/officeDocument/2006/relationships" xmlns:p="http://schemas.openxmlformats.org/presentationml/2006/main">
+  <p:cSld>
+    <p:spTree>
+      <p:nvGrpSpPr>
+        <p:cNvPr id="1" name=""/>
+        <p:cNvGrpSpPr/>
+        <p:nvPr/>
+      </p:nvGrpSpPr>
+      <p:grpSpPr>
+        <a:xfrm>
+          <a:off x="0" y="0"/>
+          <a:ext cx="0" cy="0"/>
+          <a:chOff x="0" y="0"/>
+          <a:chExt cx="0" cy="0"/>
+        </a:xfrm>
+      </p:grpSpPr>
+      <p:sp>
+        <p:nvSpPr>
+          <p:cNvPr id="6" name="Title 1"/>
+          <p:cNvSpPr>
+            <a:spLocks noGrp="1"/>
+          </p:cNvSpPr>
+          <p:nvPr>
+            <p:ph type="title"/>
+          </p:nvPr>
+        </p:nvSpPr>
+        <p:spPr>
+          <a:xfrm>
+            <a:off x="457200" y="205980"/>
+            <a:ext cx="8229600" cy="857251"/>
+          </a:xfrm>
+        </p:spPr>
+        <p:txBody>
+          <a:bodyPr>
+            <a:normAutofit/>
+          </a:bodyPr>
+          <a:lstStyle/>
+          <a:p>
+            <a:r>
+              <a:rPr lang="pt-BR" b="1" dirty="0">
+                <a:solidFill>
+                  <a:srgbClr val="0070C0"/>
+                </a:solidFill>
+              </a:rPr>
+              <a:t>Princípios na Indústria 4.0</a:t>
+            </a:r>
+            <a:endParaRPr lang="en-US" b="1" dirty="0">
+              <a:solidFill>
+                <a:srgbClr val="0070C0"/>
+              </a:solidFill>
+            </a:endParaRPr>
+          </a:p>
+        </p:txBody>
+      </p:sp>
+      <p:sp>
+        <p:nvSpPr>
+          <p:cNvPr id="8" name="Text Placeholder 2"/>
+          <p:cNvSpPr>
+            <a:spLocks noGrp="1"/>
+          </p:cNvSpPr>
+          <p:nvPr>
+            <p:ph type="body" sz="half" idx="1"/>
+          </p:nvPr>
+        </p:nvSpPr>
+        <p:spPr>
+          <a:xfrm>
+            <a:off x="142865" y="1017270"/>
+            <a:ext cx="8865056" cy="3920250"/>
+          </a:xfrm>
+        </p:spPr>
+        <p:txBody>
+          <a:bodyPr>
+            <a:noAutofit/>
+          </a:bodyPr>
+          <a:lstStyle/>
+          <a:p>
+            <a:pPr marL="0" indent="0" algn="just">
+              <a:buNone/>
+            </a:pPr>
+            <a:r>
+              <a:rPr lang="pt-BR" sz="2000" b="1" dirty="0">
+                <a:latin typeface="Times New Roman" panose="02020603050405020304" pitchFamily="18" charset="0"/>
+                <a:cs typeface="Times New Roman" panose="02020603050405020304" pitchFamily="18" charset="0"/>
+              </a:rPr>
+              <a:t>5. Modularidade </a:t>
+            </a:r>
+          </a:p>
+          <a:p>
+            <a:pPr marL="0" indent="0" algn="just">
+              <a:buNone/>
+            </a:pPr>
+            <a:r>
+              <a:rPr lang="pt-BR" sz="2000" dirty="0">
+                <a:latin typeface="Times New Roman" panose="02020603050405020304" pitchFamily="18" charset="0"/>
+                <a:cs typeface="Times New Roman" panose="02020603050405020304" pitchFamily="18" charset="0"/>
+              </a:rPr>
+              <a:t>A capacidade de se adaptar a mudanças abruptas no contexto e nas condições com rapidez e sem grandes impactos. </a:t>
+            </a:r>
+          </a:p>
+          <a:p>
+            <a:pPr marL="0" indent="0" algn="just">
+              <a:buNone/>
+            </a:pPr>
+            <a:endParaRPr lang="pt-BR" sz="2000" dirty="0">
+              <a:latin typeface="Times New Roman" panose="02020603050405020304" pitchFamily="18" charset="0"/>
+              <a:cs typeface="Times New Roman" panose="02020603050405020304" pitchFamily="18" charset="0"/>
+            </a:endParaRPr>
+          </a:p>
+          <a:p>
+            <a:pPr marL="0" indent="0" algn="just">
+              <a:buNone/>
+            </a:pPr>
+            <a:r>
+              <a:rPr lang="pt-BR" sz="2000" b="1" dirty="0">
+                <a:latin typeface="Times New Roman" panose="02020603050405020304" pitchFamily="18" charset="0"/>
+                <a:cs typeface="Times New Roman" panose="02020603050405020304" pitchFamily="18" charset="0"/>
+              </a:rPr>
+              <a:t>6. Orientação a serviços </a:t>
+            </a:r>
+          </a:p>
+          <a:p>
+            <a:pPr marL="0" indent="0" algn="just">
+              <a:buNone/>
+            </a:pPr>
+            <a:r>
+              <a:rPr lang="pt-BR" sz="2000" dirty="0">
+                <a:latin typeface="Times New Roman" panose="02020603050405020304" pitchFamily="18" charset="0"/>
+                <a:cs typeface="Times New Roman" panose="02020603050405020304" pitchFamily="18" charset="0"/>
+              </a:rPr>
+              <a:t>As operações específicas do produto podem ser compostas com base nas exigências específicas do cliente, aproximando a oferta de bens à de serviços personalizados. </a:t>
+            </a:r>
+          </a:p>
+          <a:p>
+            <a:pPr marL="0" indent="0" algn="just">
+              <a:buNone/>
+            </a:pPr>
+            <a:endParaRPr lang="pt-BR" sz="2000" dirty="0">
+              <a:latin typeface="Times New Roman" panose="02020603050405020304" pitchFamily="18" charset="0"/>
+              <a:cs typeface="Times New Roman" panose="02020603050405020304" pitchFamily="18" charset="0"/>
+            </a:endParaRPr>
+          </a:p>
+          <a:p>
+            <a:pPr marL="0" indent="0" algn="just">
+              <a:buNone/>
+            </a:pPr>
+            <a:r>
+              <a:rPr lang="pt-BR" sz="2000" dirty="0">
+                <a:latin typeface="Times New Roman" panose="02020603050405020304" pitchFamily="18" charset="0"/>
+                <a:cs typeface="Times New Roman" panose="02020603050405020304" pitchFamily="18" charset="0"/>
+              </a:rPr>
+              <a:t>				</a:t>
+            </a:r>
+            <a:r>
+              <a:rPr lang="pt-BR" sz="2000" dirty="0">
+                <a:latin typeface="Times New Roman" panose="02020603050405020304" pitchFamily="18" charset="0"/>
+                <a:cs typeface="Times New Roman" panose="02020603050405020304" pitchFamily="18" charset="0"/>
+                <a:hlinkClick r:id="rId3"/>
+              </a:rPr>
+              <a:t>https://iim.mb.tu-dortmund.de/forschung/</a:t>
+            </a:r>
+            <a:endParaRPr lang="pt-BR" sz="2000" dirty="0">
+              <a:latin typeface="Times New Roman" panose="02020603050405020304" pitchFamily="18" charset="0"/>
+              <a:cs typeface="Times New Roman" panose="02020603050405020304" pitchFamily="18" charset="0"/>
+            </a:endParaRPr>
+          </a:p>
+          <a:p>
+            <a:pPr marL="0" indent="0" algn="just">
+              <a:buNone/>
+            </a:pPr>
+            <a:endParaRPr lang="pt-BR" sz="2000" dirty="0">
+              <a:latin typeface="Times New Roman" panose="02020603050405020304" pitchFamily="18" charset="0"/>
+              <a:cs typeface="Times New Roman" panose="02020603050405020304" pitchFamily="18" charset="0"/>
+            </a:endParaRPr>
+          </a:p>
+        </p:txBody>
+      </p:sp>
+    </p:spTree>
+    <p:extLst>
+      <p:ext uri="{BB962C8B-B14F-4D97-AF65-F5344CB8AC3E}">
+        <p14:creationId xmlns:p14="http://schemas.microsoft.com/office/powerpoint/2010/main" val="848126205"/>
+      </p:ext>
+    </p:extLst>
+  </p:cSld>
+  <p:clrMapOvr>
+    <a:masterClrMapping/>
+  </p:clrMapOvr>
+  <p:transition spd="med"/>
+</p:sld>
+</file>
+
+<file path=ppt/slides/slide11.xml><?xml version="1.0" encoding="utf-8"?>
+<p:sld xmlns:a="http://schemas.openxmlformats.org/drawingml/2006/main" xmlns:r="http://schemas.openxmlformats.org/officeDocument/2006/relationships" xmlns:p="http://schemas.openxmlformats.org/presentationml/2006/main">
+  <p:cSld>
+    <p:spTree>
+      <p:nvGrpSpPr>
+        <p:cNvPr id="1" name=""/>
+        <p:cNvGrpSpPr/>
+        <p:nvPr/>
+      </p:nvGrpSpPr>
+      <p:grpSpPr>
+        <a:xfrm>
+          <a:off x="0" y="0"/>
+          <a:ext cx="0" cy="0"/>
+          <a:chOff x="0" y="0"/>
+          <a:chExt cx="0" cy="0"/>
+        </a:xfrm>
+      </p:grpSpPr>
+      <p:sp>
+        <p:nvSpPr>
+          <p:cNvPr id="6" name="Title 1"/>
+          <p:cNvSpPr>
+            <a:spLocks noGrp="1"/>
+          </p:cNvSpPr>
+          <p:nvPr>
+            <p:ph type="title"/>
+          </p:nvPr>
+        </p:nvSpPr>
+        <p:spPr>
+          <a:xfrm>
+            <a:off x="457200" y="205980"/>
+            <a:ext cx="8229600" cy="857251"/>
+          </a:xfrm>
+        </p:spPr>
+        <p:txBody>
+          <a:bodyPr>
+            <a:normAutofit/>
+          </a:bodyPr>
+          <a:lstStyle/>
+          <a:p>
+            <a:r>
+              <a:rPr lang="pt-BR" b="1" dirty="0">
+                <a:solidFill>
+                  <a:srgbClr val="0070C0"/>
+                </a:solidFill>
+              </a:rPr>
+              <a:t>Tecnologias na Indústria 4.0</a:t>
+            </a:r>
+            <a:endParaRPr lang="en-US" b="1" dirty="0">
+              <a:solidFill>
+                <a:srgbClr val="0070C0"/>
+              </a:solidFill>
+            </a:endParaRPr>
+          </a:p>
+        </p:txBody>
+      </p:sp>
+      <p:sp>
+        <p:nvSpPr>
+          <p:cNvPr id="8" name="Text Placeholder 2"/>
+          <p:cNvSpPr>
+            <a:spLocks noGrp="1"/>
+          </p:cNvSpPr>
+          <p:nvPr>
+            <p:ph type="body" sz="half" idx="1"/>
+          </p:nvPr>
+        </p:nvSpPr>
+        <p:spPr>
+          <a:xfrm>
+            <a:off x="142865" y="1017270"/>
+            <a:ext cx="8865056" cy="3920250"/>
+          </a:xfrm>
+        </p:spPr>
+        <p:txBody>
+          <a:bodyPr>
+            <a:noAutofit/>
+          </a:bodyPr>
+          <a:lstStyle/>
+          <a:p>
+            <a:pPr marL="0" indent="0" algn="just">
+              <a:buNone/>
+            </a:pPr>
+            <a:r>
+              <a:rPr lang="pt-BR" sz="2000" b="1" dirty="0">
+                <a:latin typeface="Times New Roman" panose="02020603050405020304" pitchFamily="18" charset="0"/>
+                <a:cs typeface="Times New Roman" panose="02020603050405020304" pitchFamily="18" charset="0"/>
+              </a:rPr>
+              <a:t>Vapor, energia elétrica e eletrônica</a:t>
+            </a:r>
+            <a:r>
+              <a:rPr lang="pt-BR" sz="2000" dirty="0">
+                <a:latin typeface="Times New Roman" panose="02020603050405020304" pitchFamily="18" charset="0"/>
+                <a:cs typeface="Times New Roman" panose="02020603050405020304" pitchFamily="18" charset="0"/>
+              </a:rPr>
+              <a:t> foram cruciais nas três primeiras revoluções industriais. </a:t>
+            </a:r>
+          </a:p>
+          <a:p>
+            <a:pPr marL="0" indent="0" algn="just">
+              <a:buNone/>
+            </a:pPr>
+            <a:endParaRPr lang="pt-BR" sz="2000" dirty="0">
+              <a:latin typeface="Times New Roman" panose="02020603050405020304" pitchFamily="18" charset="0"/>
+              <a:cs typeface="Times New Roman" panose="02020603050405020304" pitchFamily="18" charset="0"/>
+            </a:endParaRPr>
+          </a:p>
+          <a:p>
+            <a:pPr marL="0" indent="0" algn="just">
+              <a:buNone/>
+            </a:pPr>
+            <a:r>
+              <a:rPr lang="pt-BR" sz="2000" dirty="0">
+                <a:latin typeface="Times New Roman" panose="02020603050405020304" pitchFamily="18" charset="0"/>
+                <a:cs typeface="Times New Roman" panose="02020603050405020304" pitchFamily="18" charset="0"/>
+              </a:rPr>
+              <a:t>Agora, falamos de </a:t>
+            </a:r>
+            <a:r>
+              <a:rPr lang="pt-BR" sz="2000" b="1" dirty="0">
+                <a:latin typeface="Times New Roman" panose="02020603050405020304" pitchFamily="18" charset="0"/>
+                <a:cs typeface="Times New Roman" panose="02020603050405020304" pitchFamily="18" charset="0"/>
+              </a:rPr>
+              <a:t>máquinas</a:t>
+            </a:r>
+            <a:r>
+              <a:rPr lang="pt-BR" sz="2000" dirty="0">
+                <a:latin typeface="Times New Roman" panose="02020603050405020304" pitchFamily="18" charset="0"/>
+                <a:cs typeface="Times New Roman" panose="02020603050405020304" pitchFamily="18" charset="0"/>
+              </a:rPr>
+              <a:t> </a:t>
+            </a:r>
+            <a:r>
+              <a:rPr lang="pt-BR" sz="2000" b="1" dirty="0">
+                <a:latin typeface="Times New Roman" panose="02020603050405020304" pitchFamily="18" charset="0"/>
+                <a:cs typeface="Times New Roman" panose="02020603050405020304" pitchFamily="18" charset="0"/>
+              </a:rPr>
+              <a:t>que trabalham em rede por meio de tecnologias de informação e comunicação</a:t>
+            </a:r>
+            <a:r>
+              <a:rPr lang="pt-BR" sz="2000" dirty="0">
+                <a:latin typeface="Times New Roman" panose="02020603050405020304" pitchFamily="18" charset="0"/>
+                <a:cs typeface="Times New Roman" panose="02020603050405020304" pitchFamily="18" charset="0"/>
+              </a:rPr>
+              <a:t> (</a:t>
+            </a:r>
+            <a:r>
+              <a:rPr lang="pt-BR" sz="2000" dirty="0" err="1">
+                <a:latin typeface="Times New Roman" panose="02020603050405020304" pitchFamily="18" charset="0"/>
+                <a:cs typeface="Times New Roman" panose="02020603050405020304" pitchFamily="18" charset="0"/>
+              </a:rPr>
+              <a:t>ICTs</a:t>
+            </a:r>
+            <a:r>
+              <a:rPr lang="pt-BR" sz="2000" dirty="0">
+                <a:latin typeface="Times New Roman" panose="02020603050405020304" pitchFamily="18" charset="0"/>
+                <a:cs typeface="Times New Roman" panose="02020603050405020304" pitchFamily="18" charset="0"/>
+              </a:rPr>
+              <a:t>), nos chamados </a:t>
+            </a:r>
+            <a:r>
+              <a:rPr lang="pt-BR" sz="2000" b="1" dirty="0">
+                <a:solidFill>
+                  <a:srgbClr val="FF0000"/>
+                </a:solidFill>
+                <a:latin typeface="Times New Roman" panose="02020603050405020304" pitchFamily="18" charset="0"/>
+                <a:cs typeface="Times New Roman" panose="02020603050405020304" pitchFamily="18" charset="0"/>
+              </a:rPr>
+              <a:t>sistemas de produção </a:t>
+            </a:r>
+            <a:r>
+              <a:rPr lang="pt-BR" sz="2000" b="1" dirty="0" err="1">
+                <a:solidFill>
+                  <a:srgbClr val="FF0000"/>
+                </a:solidFill>
+                <a:latin typeface="Times New Roman" panose="02020603050405020304" pitchFamily="18" charset="0"/>
+                <a:cs typeface="Times New Roman" panose="02020603050405020304" pitchFamily="18" charset="0"/>
+              </a:rPr>
+              <a:t>ciber</a:t>
+            </a:r>
+            <a:r>
+              <a:rPr lang="pt-BR" sz="2000" b="1" dirty="0">
+                <a:solidFill>
+                  <a:srgbClr val="FF0000"/>
+                </a:solidFill>
+                <a:latin typeface="Times New Roman" panose="02020603050405020304" pitchFamily="18" charset="0"/>
+                <a:cs typeface="Times New Roman" panose="02020603050405020304" pitchFamily="18" charset="0"/>
+              </a:rPr>
+              <a:t>-físicos</a:t>
+            </a:r>
+            <a:r>
+              <a:rPr lang="pt-BR" sz="2000" dirty="0">
+                <a:latin typeface="Times New Roman" panose="02020603050405020304" pitchFamily="18" charset="0"/>
+                <a:cs typeface="Times New Roman" panose="02020603050405020304" pitchFamily="18" charset="0"/>
+              </a:rPr>
+              <a:t> (CPPS, no acrônimo em inglês). </a:t>
+            </a:r>
+          </a:p>
+          <a:p>
+            <a:pPr marL="0" indent="0" algn="just">
+              <a:buNone/>
+            </a:pPr>
+            <a:endParaRPr lang="pt-BR" sz="2000" dirty="0">
+              <a:latin typeface="Times New Roman" panose="02020603050405020304" pitchFamily="18" charset="0"/>
+              <a:cs typeface="Times New Roman" panose="02020603050405020304" pitchFamily="18" charset="0"/>
+            </a:endParaRPr>
+          </a:p>
+          <a:p>
+            <a:pPr marL="0" indent="0" algn="just">
+              <a:buNone/>
+            </a:pPr>
+            <a:r>
+              <a:rPr lang="pt-BR" sz="2000" b="1" dirty="0">
+                <a:latin typeface="Times New Roman" panose="02020603050405020304" pitchFamily="18" charset="0"/>
+                <a:cs typeface="Times New Roman" panose="02020603050405020304" pitchFamily="18" charset="0"/>
+              </a:rPr>
+              <a:t>Por meio de </a:t>
+            </a:r>
+            <a:r>
+              <a:rPr lang="pt-BR" sz="2000" b="1" dirty="0">
+                <a:solidFill>
+                  <a:srgbClr val="FF0000"/>
+                </a:solidFill>
+                <a:latin typeface="Times New Roman" panose="02020603050405020304" pitchFamily="18" charset="0"/>
+                <a:cs typeface="Times New Roman" panose="02020603050405020304" pitchFamily="18" charset="0"/>
+              </a:rPr>
+              <a:t>tecnologias</a:t>
+            </a:r>
+            <a:r>
+              <a:rPr lang="pt-BR" sz="2000" b="1" dirty="0">
+                <a:latin typeface="Times New Roman" panose="02020603050405020304" pitchFamily="18" charset="0"/>
+                <a:cs typeface="Times New Roman" panose="02020603050405020304" pitchFamily="18" charset="0"/>
+              </a:rPr>
+              <a:t> a indústria 4.0 está </a:t>
+            </a:r>
+            <a:r>
+              <a:rPr lang="pt-BR" sz="2000" b="1" dirty="0">
+                <a:solidFill>
+                  <a:srgbClr val="FF0000"/>
+                </a:solidFill>
+                <a:latin typeface="Times New Roman" panose="02020603050405020304" pitchFamily="18" charset="0"/>
+                <a:cs typeface="Times New Roman" panose="02020603050405020304" pitchFamily="18" charset="0"/>
+              </a:rPr>
+              <a:t>transformando</a:t>
+            </a:r>
+            <a:r>
+              <a:rPr lang="pt-BR" sz="2000" b="1" dirty="0">
+                <a:latin typeface="Times New Roman" panose="02020603050405020304" pitchFamily="18" charset="0"/>
+                <a:cs typeface="Times New Roman" panose="02020603050405020304" pitchFamily="18" charset="0"/>
+              </a:rPr>
+              <a:t> a paisagem da </a:t>
+            </a:r>
+            <a:r>
+              <a:rPr lang="pt-BR" sz="2000" b="1" dirty="0">
+                <a:solidFill>
+                  <a:srgbClr val="FF0000"/>
+                </a:solidFill>
+                <a:latin typeface="Times New Roman" panose="02020603050405020304" pitchFamily="18" charset="0"/>
+                <a:cs typeface="Times New Roman" panose="02020603050405020304" pitchFamily="18" charset="0"/>
+              </a:rPr>
+              <a:t>manufatura</a:t>
+            </a:r>
+            <a:r>
+              <a:rPr lang="pt-BR" sz="2000" b="1" dirty="0">
+                <a:latin typeface="Times New Roman" panose="02020603050405020304" pitchFamily="18" charset="0"/>
+                <a:cs typeface="Times New Roman" panose="02020603050405020304" pitchFamily="18" charset="0"/>
+              </a:rPr>
+              <a:t>?</a:t>
+            </a:r>
+          </a:p>
+        </p:txBody>
+      </p:sp>
+    </p:spTree>
+    <p:extLst>
+      <p:ext uri="{BB962C8B-B14F-4D97-AF65-F5344CB8AC3E}">
+        <p14:creationId xmlns:p14="http://schemas.microsoft.com/office/powerpoint/2010/main" val="1496957571"/>
+      </p:ext>
+    </p:extLst>
+  </p:cSld>
+  <p:clrMapOvr>
+    <a:masterClrMapping/>
+  </p:clrMapOvr>
+  <p:transition spd="med"/>
+</p:sld>
+</file>
+
+<file path=ppt/slides/slide12.xml><?xml version="1.0" encoding="utf-8"?>
+<p:sld xmlns:a="http://schemas.openxmlformats.org/drawingml/2006/main" xmlns:r="http://schemas.openxmlformats.org/officeDocument/2006/relationships" xmlns:p="http://schemas.openxmlformats.org/presentationml/2006/main">
+  <p:cSld>
+    <p:spTree>
+      <p:nvGrpSpPr>
+        <p:cNvPr id="1" name=""/>
+        <p:cNvGrpSpPr/>
+        <p:nvPr/>
+      </p:nvGrpSpPr>
+      <p:grpSpPr>
+        <a:xfrm>
+          <a:off x="0" y="0"/>
+          <a:ext cx="0" cy="0"/>
+          <a:chOff x="0" y="0"/>
+          <a:chExt cx="0" cy="0"/>
+        </a:xfrm>
+      </p:grpSpPr>
+      <p:sp>
+        <p:nvSpPr>
+          <p:cNvPr id="6" name="Title 1"/>
+          <p:cNvSpPr>
+            <a:spLocks noGrp="1"/>
+          </p:cNvSpPr>
+          <p:nvPr>
+            <p:ph type="title"/>
+          </p:nvPr>
+        </p:nvSpPr>
+        <p:spPr>
+          <a:xfrm>
+            <a:off x="457200" y="205980"/>
+            <a:ext cx="8229600" cy="857251"/>
+          </a:xfrm>
+        </p:spPr>
+        <p:txBody>
+          <a:bodyPr>
+            <a:normAutofit/>
+          </a:bodyPr>
+          <a:lstStyle/>
+          <a:p>
+            <a:r>
+              <a:rPr lang="pt-BR" b="1" dirty="0">
+                <a:solidFill>
+                  <a:srgbClr val="0070C0"/>
+                </a:solidFill>
+              </a:rPr>
+              <a:t>Tecnologias na Indústria 4.0</a:t>
+            </a:r>
+            <a:endParaRPr lang="en-US" b="1" dirty="0">
+              <a:solidFill>
+                <a:srgbClr val="0070C0"/>
+              </a:solidFill>
+            </a:endParaRPr>
+          </a:p>
+        </p:txBody>
+      </p:sp>
+      <p:sp>
+        <p:nvSpPr>
+          <p:cNvPr id="8" name="Text Placeholder 2"/>
+          <p:cNvSpPr>
+            <a:spLocks noGrp="1"/>
+          </p:cNvSpPr>
+          <p:nvPr>
+            <p:ph type="body" sz="half" idx="1"/>
+          </p:nvPr>
+        </p:nvSpPr>
+        <p:spPr>
+          <a:xfrm>
+            <a:off x="142865" y="1017270"/>
+            <a:ext cx="8865056" cy="3920250"/>
+          </a:xfrm>
+        </p:spPr>
+        <p:txBody>
+          <a:bodyPr>
+            <a:noAutofit/>
+          </a:bodyPr>
+          <a:lstStyle/>
+          <a:p>
+            <a:pPr marL="0" indent="0" algn="just">
+              <a:buNone/>
+            </a:pPr>
+            <a:r>
+              <a:rPr lang="pt-BR" sz="2000" b="1" dirty="0">
+                <a:solidFill>
+                  <a:srgbClr val="FF0000"/>
+                </a:solidFill>
+                <a:latin typeface="Times New Roman" panose="02020603050405020304" pitchFamily="18" charset="0"/>
+                <a:cs typeface="Times New Roman" panose="02020603050405020304" pitchFamily="18" charset="0"/>
+              </a:rPr>
+              <a:t>Conjunto</a:t>
+            </a:r>
+            <a:r>
+              <a:rPr lang="pt-BR" sz="2000" b="1" dirty="0">
+                <a:latin typeface="Times New Roman" panose="02020603050405020304" pitchFamily="18" charset="0"/>
+                <a:cs typeface="Times New Roman" panose="02020603050405020304" pitchFamily="18" charset="0"/>
+              </a:rPr>
+              <a:t> de </a:t>
+            </a:r>
+          </a:p>
+          <a:p>
+            <a:pPr marL="0" indent="0" algn="just">
+              <a:buNone/>
+            </a:pPr>
+            <a:r>
+              <a:rPr lang="pt-BR" sz="2000" b="1" dirty="0">
+                <a:latin typeface="Times New Roman" panose="02020603050405020304" pitchFamily="18" charset="0"/>
+                <a:cs typeface="Times New Roman" panose="02020603050405020304" pitchFamily="18" charset="0"/>
+              </a:rPr>
+              <a:t>tecnologias</a:t>
+            </a:r>
+            <a:r>
+              <a:rPr lang="pt-BR" sz="2000" dirty="0">
+                <a:latin typeface="Times New Roman" panose="02020603050405020304" pitchFamily="18" charset="0"/>
+                <a:cs typeface="Times New Roman" panose="02020603050405020304" pitchFamily="18" charset="0"/>
+              </a:rPr>
+              <a:t>.</a:t>
+            </a:r>
+          </a:p>
+          <a:p>
+            <a:pPr marL="0" indent="0" algn="just">
+              <a:buNone/>
+            </a:pPr>
+            <a:endParaRPr lang="pt-BR" sz="2000" dirty="0">
+              <a:latin typeface="Times New Roman" panose="02020603050405020304" pitchFamily="18" charset="0"/>
+              <a:cs typeface="Times New Roman" panose="02020603050405020304" pitchFamily="18" charset="0"/>
+            </a:endParaRPr>
+          </a:p>
+          <a:p>
+            <a:pPr marL="0" indent="0" algn="just">
+              <a:buNone/>
+            </a:pPr>
+            <a:endParaRPr lang="pt-BR" sz="2000" dirty="0">
+              <a:latin typeface="Times New Roman" panose="02020603050405020304" pitchFamily="18" charset="0"/>
+              <a:cs typeface="Times New Roman" panose="02020603050405020304" pitchFamily="18" charset="0"/>
+            </a:endParaRPr>
+          </a:p>
+        </p:txBody>
+      </p:sp>
+      <p:pic>
+        <p:nvPicPr>
+          <p:cNvPr id="3" name="Imagem 2">
+            <a:extLst>
+              <a:ext uri="{FF2B5EF4-FFF2-40B4-BE49-F238E27FC236}">
+                <a16:creationId xmlns:a16="http://schemas.microsoft.com/office/drawing/2014/main" id="{7BEDF393-ED8E-A959-A2D9-519295FBCCD0}"/>
+              </a:ext>
+            </a:extLst>
+          </p:cNvPr>
+          <p:cNvPicPr>
+            <a:picLocks noChangeAspect="1"/>
+          </p:cNvPicPr>
+          <p:nvPr/>
+        </p:nvPicPr>
+        <p:blipFill>
+          <a:blip r:embed="rId3"/>
+          <a:stretch>
+            <a:fillRect/>
+          </a:stretch>
+        </p:blipFill>
+        <p:spPr>
+          <a:xfrm>
+            <a:off x="1908238" y="1001659"/>
+            <a:ext cx="4663250" cy="4094969"/>
+          </a:xfrm>
+          <a:prstGeom prst="rect">
+            <a:avLst/>
+          </a:prstGeom>
+        </p:spPr>
+      </p:pic>
+    </p:spTree>
+    <p:extLst>
+      <p:ext uri="{BB962C8B-B14F-4D97-AF65-F5344CB8AC3E}">
+        <p14:creationId xmlns:p14="http://schemas.microsoft.com/office/powerpoint/2010/main" val="980910648"/>
+      </p:ext>
+    </p:extLst>
+  </p:cSld>
+  <p:clrMapOvr>
+    <a:masterClrMapping/>
+  </p:clrMapOvr>
+  <p:transition spd="med"/>
+</p:sld>
+</file>
+
+<file path=ppt/slides/slide13.xml><?xml version="1.0" encoding="utf-8"?>
+<p:sld xmlns:a="http://schemas.openxmlformats.org/drawingml/2006/main" xmlns:r="http://schemas.openxmlformats.org/officeDocument/2006/relationships" xmlns:p="http://schemas.openxmlformats.org/presentationml/2006/main">
+  <p:cSld>
+    <p:spTree>
+      <p:nvGrpSpPr>
+        <p:cNvPr id="1" name=""/>
+        <p:cNvGrpSpPr/>
+        <p:nvPr/>
+      </p:nvGrpSpPr>
+      <p:grpSpPr>
+        <a:xfrm>
+          <a:off x="0" y="0"/>
+          <a:ext cx="0" cy="0"/>
+          <a:chOff x="0" y="0"/>
+          <a:chExt cx="0" cy="0"/>
+        </a:xfrm>
+      </p:grpSpPr>
+      <p:sp>
+        <p:nvSpPr>
+          <p:cNvPr id="6" name="Title 1"/>
+          <p:cNvSpPr>
+            <a:spLocks noGrp="1"/>
+          </p:cNvSpPr>
+          <p:nvPr>
+            <p:ph type="title"/>
+          </p:nvPr>
+        </p:nvSpPr>
+        <p:spPr>
+          <a:xfrm>
+            <a:off x="457200" y="205980"/>
+            <a:ext cx="8229600" cy="857251"/>
+          </a:xfrm>
+        </p:spPr>
+        <p:txBody>
+          <a:bodyPr>
+            <a:normAutofit/>
+          </a:bodyPr>
+          <a:lstStyle/>
+          <a:p>
+            <a:r>
+              <a:rPr lang="pt-BR" b="1" dirty="0">
+                <a:solidFill>
+                  <a:srgbClr val="0070C0"/>
+                </a:solidFill>
+              </a:rPr>
+              <a:t>Vantagens na Indústria 4.0</a:t>
+            </a:r>
+            <a:endParaRPr lang="en-US" b="1" dirty="0">
+              <a:solidFill>
+                <a:srgbClr val="0070C0"/>
+              </a:solidFill>
+            </a:endParaRPr>
+          </a:p>
+        </p:txBody>
+      </p:sp>
+      <p:sp>
+        <p:nvSpPr>
+          <p:cNvPr id="8" name="Text Placeholder 2"/>
+          <p:cNvSpPr>
+            <a:spLocks noGrp="1"/>
+          </p:cNvSpPr>
+          <p:nvPr>
+            <p:ph type="body" sz="half" idx="1"/>
+          </p:nvPr>
+        </p:nvSpPr>
+        <p:spPr>
+          <a:xfrm>
+            <a:off x="142865" y="1200150"/>
+            <a:ext cx="8865056" cy="3737370"/>
+          </a:xfrm>
+        </p:spPr>
+        <p:txBody>
+          <a:bodyPr>
+            <a:noAutofit/>
+          </a:bodyPr>
+          <a:lstStyle/>
+          <a:p>
+            <a:pPr algn="just">
+              <a:buFont typeface="Wingdings" panose="05000000000000000000" pitchFamily="2" charset="2"/>
+              <a:buChar char="ü"/>
+            </a:pPr>
+            <a:r>
+              <a:rPr lang="pt-BR" sz="2000" dirty="0">
+                <a:solidFill>
+                  <a:schemeClr val="tx1"/>
+                </a:solidFill>
+                <a:latin typeface="Times New Roman" panose="02020603050405020304" pitchFamily="18" charset="0"/>
+                <a:cs typeface="Times New Roman" panose="02020603050405020304" pitchFamily="18" charset="0"/>
+              </a:rPr>
+              <a:t>Flexibilidade e dinâmica </a:t>
+            </a:r>
+          </a:p>
+          <a:p>
+            <a:pPr algn="just">
+              <a:buFont typeface="Wingdings" panose="05000000000000000000" pitchFamily="2" charset="2"/>
+              <a:buChar char="ü"/>
+            </a:pPr>
+            <a:r>
+              <a:rPr lang="pt-BR" sz="2000" dirty="0">
+                <a:solidFill>
+                  <a:schemeClr val="tx1"/>
+                </a:solidFill>
+                <a:latin typeface="Times New Roman" panose="02020603050405020304" pitchFamily="18" charset="0"/>
+                <a:cs typeface="Times New Roman" panose="02020603050405020304" pitchFamily="18" charset="0"/>
+              </a:rPr>
+              <a:t>Maior produtividade </a:t>
+            </a:r>
+          </a:p>
+          <a:p>
+            <a:pPr algn="just">
+              <a:buFont typeface="Wingdings" panose="05000000000000000000" pitchFamily="2" charset="2"/>
+              <a:buChar char="ü"/>
+            </a:pPr>
+            <a:r>
+              <a:rPr lang="pt-BR" sz="2000" dirty="0">
+                <a:solidFill>
+                  <a:schemeClr val="tx1"/>
+                </a:solidFill>
+                <a:latin typeface="Times New Roman" panose="02020603050405020304" pitchFamily="18" charset="0"/>
+                <a:cs typeface="Times New Roman" panose="02020603050405020304" pitchFamily="18" charset="0"/>
+              </a:rPr>
+              <a:t>Menores custos de produção </a:t>
+            </a:r>
+          </a:p>
+          <a:p>
+            <a:pPr algn="just">
+              <a:buFont typeface="Wingdings" panose="05000000000000000000" pitchFamily="2" charset="2"/>
+              <a:buChar char="ü"/>
+            </a:pPr>
+            <a:r>
+              <a:rPr lang="pt-BR" sz="2000" dirty="0">
+                <a:solidFill>
+                  <a:schemeClr val="tx1"/>
+                </a:solidFill>
+                <a:latin typeface="Times New Roman" panose="02020603050405020304" pitchFamily="18" charset="0"/>
+                <a:cs typeface="Times New Roman" panose="02020603050405020304" pitchFamily="18" charset="0"/>
+              </a:rPr>
+              <a:t>Qualidade </a:t>
+            </a:r>
+          </a:p>
+          <a:p>
+            <a:pPr algn="just">
+              <a:buFont typeface="Wingdings" panose="05000000000000000000" pitchFamily="2" charset="2"/>
+              <a:buChar char="ü"/>
+            </a:pPr>
+            <a:r>
+              <a:rPr lang="pt-BR" sz="2000" dirty="0">
+                <a:solidFill>
+                  <a:schemeClr val="tx1"/>
+                </a:solidFill>
+                <a:latin typeface="Times New Roman" panose="02020603050405020304" pitchFamily="18" charset="0"/>
+                <a:cs typeface="Times New Roman" panose="02020603050405020304" pitchFamily="18" charset="0"/>
+              </a:rPr>
+              <a:t>Confiabilidade </a:t>
+            </a:r>
+          </a:p>
+          <a:p>
+            <a:pPr algn="just">
+              <a:buFont typeface="Wingdings" panose="05000000000000000000" pitchFamily="2" charset="2"/>
+              <a:buChar char="ü"/>
+            </a:pPr>
+            <a:r>
+              <a:rPr lang="pt-BR" sz="2000" dirty="0">
+                <a:solidFill>
+                  <a:schemeClr val="tx1"/>
+                </a:solidFill>
+                <a:latin typeface="Times New Roman" panose="02020603050405020304" pitchFamily="18" charset="0"/>
+                <a:cs typeface="Times New Roman" panose="02020603050405020304" pitchFamily="18" charset="0"/>
+              </a:rPr>
+              <a:t>Sustentabilidade </a:t>
+            </a:r>
+          </a:p>
+          <a:p>
+            <a:pPr algn="just">
+              <a:buFont typeface="Wingdings" panose="05000000000000000000" pitchFamily="2" charset="2"/>
+              <a:buChar char="ü"/>
+            </a:pPr>
+            <a:r>
+              <a:rPr lang="pt-BR" sz="2000" dirty="0">
+                <a:solidFill>
+                  <a:schemeClr val="tx1"/>
+                </a:solidFill>
+                <a:latin typeface="Times New Roman" panose="02020603050405020304" pitchFamily="18" charset="0"/>
+                <a:cs typeface="Times New Roman" panose="02020603050405020304" pitchFamily="18" charset="0"/>
+              </a:rPr>
+              <a:t>Melhores condições de trabalho </a:t>
+            </a:r>
+          </a:p>
+          <a:p>
+            <a:pPr algn="just">
+              <a:buFont typeface="Wingdings" panose="05000000000000000000" pitchFamily="2" charset="2"/>
+              <a:buChar char="ü"/>
+            </a:pPr>
+            <a:r>
+              <a:rPr lang="pt-BR" sz="2000" dirty="0">
+                <a:solidFill>
+                  <a:schemeClr val="tx1"/>
+                </a:solidFill>
+                <a:latin typeface="Times New Roman" panose="02020603050405020304" pitchFamily="18" charset="0"/>
+                <a:cs typeface="Times New Roman" panose="02020603050405020304" pitchFamily="18" charset="0"/>
+              </a:rPr>
+              <a:t>Customização </a:t>
+            </a:r>
+          </a:p>
+          <a:p>
+            <a:pPr algn="just">
+              <a:buFont typeface="Wingdings" panose="05000000000000000000" pitchFamily="2" charset="2"/>
+              <a:buChar char="ü"/>
+            </a:pPr>
+            <a:r>
+              <a:rPr lang="pt-BR" sz="2000" dirty="0">
+                <a:solidFill>
+                  <a:schemeClr val="tx1"/>
+                </a:solidFill>
+                <a:latin typeface="Times New Roman" panose="02020603050405020304" pitchFamily="18" charset="0"/>
+                <a:cs typeface="Times New Roman" panose="02020603050405020304" pitchFamily="18" charset="0"/>
+              </a:rPr>
+              <a:t>Agilidade </a:t>
+            </a:r>
+          </a:p>
+          <a:p>
+            <a:pPr algn="just">
+              <a:buFont typeface="Wingdings" panose="05000000000000000000" pitchFamily="2" charset="2"/>
+              <a:buChar char="ü"/>
+            </a:pPr>
+            <a:r>
+              <a:rPr lang="pt-BR" sz="2000" dirty="0">
+                <a:solidFill>
+                  <a:schemeClr val="tx1"/>
+                </a:solidFill>
+                <a:latin typeface="Times New Roman" panose="02020603050405020304" pitchFamily="18" charset="0"/>
+                <a:cs typeface="Times New Roman" panose="02020603050405020304" pitchFamily="18" charset="0"/>
+              </a:rPr>
+              <a:t>Inovação e novos modelos de negócio </a:t>
+            </a:r>
+          </a:p>
+        </p:txBody>
+      </p:sp>
+    </p:spTree>
+    <p:extLst>
+      <p:ext uri="{BB962C8B-B14F-4D97-AF65-F5344CB8AC3E}">
+        <p14:creationId xmlns:p14="http://schemas.microsoft.com/office/powerpoint/2010/main" val="1225585565"/>
+      </p:ext>
+    </p:extLst>
+  </p:cSld>
+  <p:clrMapOvr>
+    <a:masterClrMapping/>
+  </p:clrMapOvr>
+  <p:transition spd="med"/>
+</p:sld>
+</file>
+
+<file path=ppt/slides/slide14.xml><?xml version="1.0" encoding="utf-8"?>
+<p:sld xmlns:a="http://schemas.openxmlformats.org/drawingml/2006/main" xmlns:r="http://schemas.openxmlformats.org/officeDocument/2006/relationships" xmlns:p="http://schemas.openxmlformats.org/presentationml/2006/main">
+  <p:cSld>
+    <p:spTree>
+      <p:nvGrpSpPr>
+        <p:cNvPr id="1" name=""/>
+        <p:cNvGrpSpPr/>
+        <p:nvPr/>
+      </p:nvGrpSpPr>
+      <p:grpSpPr>
+        <a:xfrm>
+          <a:off x="0" y="0"/>
+          <a:ext cx="0" cy="0"/>
+          <a:chOff x="0" y="0"/>
+          <a:chExt cx="0" cy="0"/>
+        </a:xfrm>
+      </p:grpSpPr>
+      <p:sp>
+        <p:nvSpPr>
+          <p:cNvPr id="6" name="Title 1"/>
+          <p:cNvSpPr>
+            <a:spLocks noGrp="1"/>
+          </p:cNvSpPr>
+          <p:nvPr>
+            <p:ph type="title"/>
+          </p:nvPr>
+        </p:nvSpPr>
+        <p:spPr>
+          <a:xfrm>
+            <a:off x="457200" y="205980"/>
+            <a:ext cx="8229600" cy="857251"/>
+          </a:xfrm>
+        </p:spPr>
+        <p:txBody>
+          <a:bodyPr>
+            <a:normAutofit/>
+          </a:bodyPr>
+          <a:lstStyle/>
+          <a:p>
+            <a:r>
+              <a:rPr lang="pt-BR" b="1" dirty="0">
+                <a:solidFill>
+                  <a:srgbClr val="0070C0"/>
+                </a:solidFill>
+              </a:rPr>
+              <a:t>Dificuldades na Indústria 4.0</a:t>
+            </a:r>
+            <a:endParaRPr lang="en-US" b="1" dirty="0">
+              <a:solidFill>
+                <a:srgbClr val="0070C0"/>
+              </a:solidFill>
+            </a:endParaRPr>
+          </a:p>
+        </p:txBody>
+      </p:sp>
+      <p:sp>
+        <p:nvSpPr>
+          <p:cNvPr id="8" name="Text Placeholder 2"/>
+          <p:cNvSpPr>
+            <a:spLocks noGrp="1"/>
+          </p:cNvSpPr>
+          <p:nvPr>
+            <p:ph type="body" sz="half" idx="1"/>
+          </p:nvPr>
+        </p:nvSpPr>
+        <p:spPr>
+          <a:xfrm>
+            <a:off x="142865" y="1200150"/>
+            <a:ext cx="8865056" cy="3737370"/>
+          </a:xfrm>
+        </p:spPr>
+        <p:txBody>
+          <a:bodyPr>
+            <a:noAutofit/>
+          </a:bodyPr>
+          <a:lstStyle/>
+          <a:p>
+            <a:pPr marL="0" indent="0" algn="just">
+              <a:buNone/>
+            </a:pPr>
+            <a:r>
+              <a:rPr lang="pt-BR" sz="2000" b="1" dirty="0">
+                <a:solidFill>
+                  <a:schemeClr val="tx1"/>
+                </a:solidFill>
+                <a:latin typeface="Times New Roman" panose="02020603050405020304" pitchFamily="18" charset="0"/>
+                <a:cs typeface="Times New Roman" panose="02020603050405020304" pitchFamily="18" charset="0"/>
+              </a:rPr>
+              <a:t>Falta de conhecimento e skills internamente</a:t>
+            </a:r>
+          </a:p>
+          <a:p>
+            <a:pPr marL="0" indent="0" algn="just">
+              <a:buNone/>
+            </a:pPr>
+            <a:endParaRPr lang="pt-BR" sz="2000" dirty="0">
+              <a:solidFill>
+                <a:schemeClr val="tx1"/>
+              </a:solidFill>
+              <a:latin typeface="Times New Roman" panose="02020603050405020304" pitchFamily="18" charset="0"/>
+              <a:cs typeface="Times New Roman" panose="02020603050405020304" pitchFamily="18" charset="0"/>
+            </a:endParaRPr>
+          </a:p>
+          <a:p>
+            <a:pPr marL="0" indent="0" algn="just">
+              <a:buNone/>
+            </a:pPr>
+            <a:r>
+              <a:rPr lang="pt-BR" sz="2000" dirty="0">
+                <a:solidFill>
+                  <a:schemeClr val="tx1"/>
+                </a:solidFill>
+                <a:latin typeface="Times New Roman" panose="02020603050405020304" pitchFamily="18" charset="0"/>
+                <a:cs typeface="Times New Roman" panose="02020603050405020304" pitchFamily="18" charset="0"/>
+              </a:rPr>
+              <a:t>Encontrar pessoas com expertise suficiente, sobre o que fazer e o que não fazer é uma das dificuldades mais comuns na transformação para a indústria 4.0.</a:t>
+            </a:r>
+          </a:p>
+          <a:p>
+            <a:pPr marL="0" indent="0" algn="just">
+              <a:buNone/>
+            </a:pPr>
+            <a:endParaRPr lang="pt-BR" sz="2000" dirty="0">
+              <a:solidFill>
+                <a:schemeClr val="tx1"/>
+              </a:solidFill>
+              <a:latin typeface="Times New Roman" panose="02020603050405020304" pitchFamily="18" charset="0"/>
+              <a:cs typeface="Times New Roman" panose="02020603050405020304" pitchFamily="18" charset="0"/>
+            </a:endParaRPr>
+          </a:p>
+          <a:p>
+            <a:pPr marL="0" indent="0" algn="just">
+              <a:buNone/>
+            </a:pPr>
+            <a:r>
+              <a:rPr lang="pt-BR" sz="2000" b="1" dirty="0">
+                <a:solidFill>
+                  <a:schemeClr val="tx1"/>
+                </a:solidFill>
+                <a:latin typeface="Times New Roman" panose="02020603050405020304" pitchFamily="18" charset="0"/>
+                <a:cs typeface="Times New Roman" panose="02020603050405020304" pitchFamily="18" charset="0"/>
+              </a:rPr>
+              <a:t>Foco em tecnologia apenas, não no valor para o negócio </a:t>
+            </a:r>
+          </a:p>
+          <a:p>
+            <a:pPr marL="0" indent="0" algn="just">
+              <a:buNone/>
+            </a:pPr>
+            <a:endParaRPr lang="pt-BR" sz="2000" dirty="0">
+              <a:solidFill>
+                <a:schemeClr val="tx1"/>
+              </a:solidFill>
+              <a:latin typeface="Times New Roman" panose="02020603050405020304" pitchFamily="18" charset="0"/>
+              <a:cs typeface="Times New Roman" panose="02020603050405020304" pitchFamily="18" charset="0"/>
+            </a:endParaRPr>
+          </a:p>
+          <a:p>
+            <a:pPr marL="0" indent="0" algn="just">
+              <a:buNone/>
+            </a:pPr>
+            <a:r>
+              <a:rPr lang="pt-BR" sz="2000" dirty="0">
+                <a:solidFill>
+                  <a:schemeClr val="tx1"/>
+                </a:solidFill>
+                <a:latin typeface="Times New Roman" panose="02020603050405020304" pitchFamily="18" charset="0"/>
+                <a:cs typeface="Times New Roman" panose="02020603050405020304" pitchFamily="18" charset="0"/>
+              </a:rPr>
+              <a:t>O olhar dos gestores para o </a:t>
+            </a:r>
+            <a:r>
+              <a:rPr lang="pt-BR" sz="2000" b="1" dirty="0">
+                <a:solidFill>
+                  <a:schemeClr val="tx1"/>
+                </a:solidFill>
+                <a:latin typeface="Times New Roman" panose="02020603050405020304" pitchFamily="18" charset="0"/>
+                <a:cs typeface="Times New Roman" panose="02020603050405020304" pitchFamily="18" charset="0"/>
+              </a:rPr>
+              <a:t>valor tecnológico</a:t>
+            </a:r>
+            <a:r>
+              <a:rPr lang="pt-BR" sz="2000" dirty="0">
+                <a:solidFill>
+                  <a:schemeClr val="tx1"/>
+                </a:solidFill>
+                <a:latin typeface="Times New Roman" panose="02020603050405020304" pitchFamily="18" charset="0"/>
+                <a:cs typeface="Times New Roman" panose="02020603050405020304" pitchFamily="18" charset="0"/>
+              </a:rPr>
+              <a:t> puro e simples, mais do que ao </a:t>
+            </a:r>
+            <a:r>
+              <a:rPr lang="pt-BR" sz="2000" b="1" dirty="0">
+                <a:solidFill>
+                  <a:srgbClr val="FF0000"/>
+                </a:solidFill>
+                <a:latin typeface="Times New Roman" panose="02020603050405020304" pitchFamily="18" charset="0"/>
+                <a:cs typeface="Times New Roman" panose="02020603050405020304" pitchFamily="18" charset="0"/>
+              </a:rPr>
+              <a:t>valor de negócio</a:t>
+            </a:r>
+            <a:r>
+              <a:rPr lang="pt-BR" sz="2000" dirty="0">
+                <a:solidFill>
+                  <a:schemeClr val="tx1"/>
+                </a:solidFill>
+                <a:latin typeface="Times New Roman" panose="02020603050405020304" pitchFamily="18" charset="0"/>
+                <a:cs typeface="Times New Roman" panose="02020603050405020304" pitchFamily="18" charset="0"/>
+              </a:rPr>
+              <a:t>.</a:t>
+            </a:r>
+          </a:p>
+        </p:txBody>
+      </p:sp>
+    </p:spTree>
+    <p:extLst>
+      <p:ext uri="{BB962C8B-B14F-4D97-AF65-F5344CB8AC3E}">
+        <p14:creationId xmlns:p14="http://schemas.microsoft.com/office/powerpoint/2010/main" val="3111108813"/>
+      </p:ext>
+    </p:extLst>
+  </p:cSld>
+  <p:clrMapOvr>
+    <a:masterClrMapping/>
+  </p:clrMapOvr>
+  <p:transition spd="med"/>
+</p:sld>
+</file>
+
+<file path=ppt/slides/slide15.xml><?xml version="1.0" encoding="utf-8"?>
+<p:sld xmlns:a="http://schemas.openxmlformats.org/drawingml/2006/main" xmlns:r="http://schemas.openxmlformats.org/officeDocument/2006/relationships" xmlns:p="http://schemas.openxmlformats.org/presentationml/2006/main">
+  <p:cSld>
+    <p:spTree>
+      <p:nvGrpSpPr>
+        <p:cNvPr id="1" name=""/>
+        <p:cNvGrpSpPr/>
+        <p:nvPr/>
+      </p:nvGrpSpPr>
+      <p:grpSpPr>
+        <a:xfrm>
+          <a:off x="0" y="0"/>
+          <a:ext cx="0" cy="0"/>
+          <a:chOff x="0" y="0"/>
+          <a:chExt cx="0" cy="0"/>
+        </a:xfrm>
+      </p:grpSpPr>
+      <p:sp>
+        <p:nvSpPr>
+          <p:cNvPr id="6" name="Title 1"/>
+          <p:cNvSpPr>
+            <a:spLocks noGrp="1"/>
+          </p:cNvSpPr>
+          <p:nvPr>
+            <p:ph type="title"/>
+          </p:nvPr>
+        </p:nvSpPr>
+        <p:spPr>
+          <a:xfrm>
+            <a:off x="457200" y="205980"/>
+            <a:ext cx="8229600" cy="857251"/>
+          </a:xfrm>
+        </p:spPr>
+        <p:txBody>
+          <a:bodyPr>
+            <a:normAutofit/>
+          </a:bodyPr>
+          <a:lstStyle/>
+          <a:p>
+            <a:r>
+              <a:rPr lang="pt-BR" b="1" dirty="0">
+                <a:solidFill>
+                  <a:srgbClr val="0070C0"/>
+                </a:solidFill>
+              </a:rPr>
+              <a:t>Dificuldades na Indústria 4.0</a:t>
+            </a:r>
+            <a:endParaRPr lang="en-US" b="1" dirty="0">
+              <a:solidFill>
+                <a:srgbClr val="0070C0"/>
+              </a:solidFill>
+            </a:endParaRPr>
+          </a:p>
+        </p:txBody>
+      </p:sp>
+      <p:sp>
+        <p:nvSpPr>
+          <p:cNvPr id="8" name="Text Placeholder 2"/>
+          <p:cNvSpPr>
+            <a:spLocks noGrp="1"/>
+          </p:cNvSpPr>
+          <p:nvPr>
+            <p:ph type="body" sz="half" idx="1"/>
+          </p:nvPr>
+        </p:nvSpPr>
+        <p:spPr>
+          <a:xfrm>
+            <a:off x="142865" y="1200150"/>
+            <a:ext cx="8865056" cy="3737370"/>
+          </a:xfrm>
+        </p:spPr>
+        <p:txBody>
+          <a:bodyPr>
+            <a:noAutofit/>
+          </a:bodyPr>
+          <a:lstStyle/>
+          <a:p>
+            <a:pPr marL="0" indent="0" algn="just">
+              <a:buNone/>
+            </a:pPr>
+            <a:r>
+              <a:rPr lang="pt-BR" sz="2000" b="1" dirty="0">
+                <a:solidFill>
+                  <a:schemeClr val="tx1"/>
+                </a:solidFill>
+                <a:latin typeface="Times New Roman" panose="02020603050405020304" pitchFamily="18" charset="0"/>
+                <a:cs typeface="Times New Roman" panose="02020603050405020304" pitchFamily="18" charset="0"/>
+              </a:rPr>
+              <a:t>Custo das iniciativas</a:t>
+            </a:r>
+            <a:r>
+              <a:rPr lang="pt-BR" sz="2000" dirty="0">
+                <a:solidFill>
+                  <a:schemeClr val="tx1"/>
+                </a:solidFill>
+                <a:latin typeface="Times New Roman" panose="02020603050405020304" pitchFamily="18" charset="0"/>
+                <a:cs typeface="Times New Roman" panose="02020603050405020304" pitchFamily="18" charset="0"/>
+              </a:rPr>
+              <a:t> </a:t>
+            </a:r>
+          </a:p>
+          <a:p>
+            <a:pPr marL="0" indent="0" algn="just">
+              <a:buNone/>
+            </a:pPr>
+            <a:endParaRPr lang="pt-BR" sz="2000" dirty="0">
+              <a:solidFill>
+                <a:schemeClr val="tx1"/>
+              </a:solidFill>
+              <a:latin typeface="Times New Roman" panose="02020603050405020304" pitchFamily="18" charset="0"/>
+              <a:cs typeface="Times New Roman" panose="02020603050405020304" pitchFamily="18" charset="0"/>
+            </a:endParaRPr>
+          </a:p>
+          <a:p>
+            <a:pPr marL="0" indent="0" algn="just">
+              <a:buNone/>
+            </a:pPr>
+            <a:r>
+              <a:rPr lang="pt-BR" sz="2000" dirty="0">
+                <a:solidFill>
+                  <a:schemeClr val="tx1"/>
+                </a:solidFill>
+                <a:latin typeface="Times New Roman" panose="02020603050405020304" pitchFamily="18" charset="0"/>
+                <a:cs typeface="Times New Roman" panose="02020603050405020304" pitchFamily="18" charset="0"/>
+              </a:rPr>
+              <a:t>Exige investimentos em novas tecnologias, o que torna suas iniciativas, mesmo locais, caras, assim como escalá-las.  </a:t>
+            </a:r>
+            <a:r>
+              <a:rPr lang="pt-BR" sz="2000" b="1" dirty="0">
+                <a:solidFill>
+                  <a:schemeClr val="tx1"/>
+                </a:solidFill>
+                <a:latin typeface="Times New Roman" panose="02020603050405020304" pitchFamily="18" charset="0"/>
+                <a:cs typeface="Times New Roman" panose="02020603050405020304" pitchFamily="18" charset="0"/>
+              </a:rPr>
+              <a:t>MVP</a:t>
+            </a:r>
+            <a:r>
+              <a:rPr lang="pt-BR" sz="2000" dirty="0">
+                <a:solidFill>
+                  <a:schemeClr val="tx1"/>
+                </a:solidFill>
+                <a:latin typeface="Times New Roman" panose="02020603050405020304" pitchFamily="18" charset="0"/>
+                <a:cs typeface="Times New Roman" panose="02020603050405020304" pitchFamily="18" charset="0"/>
+              </a:rPr>
+              <a:t> (construir-medir-aprender), </a:t>
+            </a:r>
+            <a:r>
+              <a:rPr lang="pt-BR" sz="2000" b="1" dirty="0">
+                <a:solidFill>
+                  <a:schemeClr val="tx1"/>
+                </a:solidFill>
+                <a:latin typeface="Times New Roman" panose="02020603050405020304" pitchFamily="18" charset="0"/>
+                <a:cs typeface="Times New Roman" panose="02020603050405020304" pitchFamily="18" charset="0"/>
+              </a:rPr>
+              <a:t>ROI</a:t>
+            </a:r>
+            <a:r>
+              <a:rPr lang="pt-BR" sz="2000" dirty="0">
+                <a:solidFill>
+                  <a:schemeClr val="tx1"/>
+                </a:solidFill>
+                <a:latin typeface="Times New Roman" panose="02020603050405020304" pitchFamily="18" charset="0"/>
+                <a:cs typeface="Times New Roman" panose="02020603050405020304" pitchFamily="18" charset="0"/>
+              </a:rPr>
+              <a:t>.</a:t>
+            </a:r>
+          </a:p>
+          <a:p>
+            <a:pPr marL="0" indent="0" algn="just">
+              <a:buNone/>
+            </a:pPr>
+            <a:endParaRPr lang="pt-BR" sz="2000" dirty="0">
+              <a:solidFill>
+                <a:schemeClr val="tx1"/>
+              </a:solidFill>
+              <a:latin typeface="Times New Roman" panose="02020603050405020304" pitchFamily="18" charset="0"/>
+              <a:cs typeface="Times New Roman" panose="02020603050405020304" pitchFamily="18" charset="0"/>
+            </a:endParaRPr>
+          </a:p>
+          <a:p>
+            <a:pPr marL="0" indent="0" algn="just">
+              <a:buNone/>
+            </a:pPr>
+            <a:r>
+              <a:rPr lang="pt-BR" sz="2000" b="1" dirty="0">
+                <a:solidFill>
+                  <a:schemeClr val="tx1"/>
+                </a:solidFill>
+                <a:latin typeface="Times New Roman" panose="02020603050405020304" pitchFamily="18" charset="0"/>
+                <a:cs typeface="Times New Roman" panose="02020603050405020304" pitchFamily="18" charset="0"/>
+              </a:rPr>
+              <a:t>Abordagem holística </a:t>
+            </a:r>
+          </a:p>
+          <a:p>
+            <a:pPr marL="0" indent="0" algn="just">
+              <a:buNone/>
+            </a:pPr>
+            <a:endParaRPr lang="pt-BR" sz="2000" dirty="0">
+              <a:solidFill>
+                <a:schemeClr val="tx1"/>
+              </a:solidFill>
+              <a:latin typeface="Times New Roman" panose="02020603050405020304" pitchFamily="18" charset="0"/>
+              <a:cs typeface="Times New Roman" panose="02020603050405020304" pitchFamily="18" charset="0"/>
+            </a:endParaRPr>
+          </a:p>
+          <a:p>
+            <a:pPr marL="0" indent="0" algn="just">
+              <a:buNone/>
+            </a:pPr>
+            <a:r>
+              <a:rPr lang="pt-BR" sz="2000" dirty="0">
+                <a:solidFill>
+                  <a:schemeClr val="tx1"/>
+                </a:solidFill>
+                <a:latin typeface="Times New Roman" panose="02020603050405020304" pitchFamily="18" charset="0"/>
+                <a:cs typeface="Times New Roman" panose="02020603050405020304" pitchFamily="18" charset="0"/>
+              </a:rPr>
+              <a:t>Visão de mundo e de homem integral, propondo-se a ter um olhar diferenciado sobre a realidade, e ampliando a visão que temos do mundo e nossa relação com ele, valorizando: </a:t>
+            </a:r>
+            <a:r>
+              <a:rPr lang="pt-BR" sz="2000" b="1" dirty="0">
+                <a:solidFill>
+                  <a:schemeClr val="tx1"/>
+                </a:solidFill>
+                <a:latin typeface="Times New Roman" panose="02020603050405020304" pitchFamily="18" charset="0"/>
+                <a:cs typeface="Times New Roman" panose="02020603050405020304" pitchFamily="18" charset="0"/>
+              </a:rPr>
+              <a:t>o lado emocional, racional, corporal, nossa imaginação</a:t>
+            </a:r>
+            <a:r>
+              <a:rPr lang="pt-BR" sz="2000" dirty="0">
+                <a:solidFill>
+                  <a:schemeClr val="tx1"/>
+                </a:solidFill>
+                <a:latin typeface="Times New Roman" panose="02020603050405020304" pitchFamily="18" charset="0"/>
+                <a:cs typeface="Times New Roman" panose="02020603050405020304" pitchFamily="18" charset="0"/>
+              </a:rPr>
+              <a:t>, </a:t>
+            </a:r>
+          </a:p>
+        </p:txBody>
+      </p:sp>
+    </p:spTree>
+    <p:extLst>
+      <p:ext uri="{BB962C8B-B14F-4D97-AF65-F5344CB8AC3E}">
+        <p14:creationId xmlns:p14="http://schemas.microsoft.com/office/powerpoint/2010/main" val="173995061"/>
+      </p:ext>
+    </p:extLst>
+  </p:cSld>
+  <p:clrMapOvr>
+    <a:masterClrMapping/>
+  </p:clrMapOvr>
+  <p:transition spd="med"/>
+</p:sld>
+</file>
+
+<file path=ppt/slides/slide16.xml><?xml version="1.0" encoding="utf-8"?>
+<p:sld xmlns:a="http://schemas.openxmlformats.org/drawingml/2006/main" xmlns:r="http://schemas.openxmlformats.org/officeDocument/2006/relationships" xmlns:p="http://schemas.openxmlformats.org/presentationml/2006/main">
+  <p:cSld>
+    <p:spTree>
+      <p:nvGrpSpPr>
+        <p:cNvPr id="1" name=""/>
+        <p:cNvGrpSpPr/>
+        <p:nvPr/>
+      </p:nvGrpSpPr>
+      <p:grpSpPr>
+        <a:xfrm>
+          <a:off x="0" y="0"/>
+          <a:ext cx="0" cy="0"/>
+          <a:chOff x="0" y="0"/>
+          <a:chExt cx="0" cy="0"/>
+        </a:xfrm>
+      </p:grpSpPr>
+      <p:sp>
+        <p:nvSpPr>
+          <p:cNvPr id="6" name="Title 1"/>
+          <p:cNvSpPr>
+            <a:spLocks noGrp="1"/>
+          </p:cNvSpPr>
+          <p:nvPr>
+            <p:ph type="title"/>
+          </p:nvPr>
+        </p:nvSpPr>
+        <p:spPr>
+          <a:xfrm>
+            <a:off x="457200" y="205980"/>
+            <a:ext cx="8229600" cy="857251"/>
+          </a:xfrm>
+        </p:spPr>
+        <p:txBody>
+          <a:bodyPr>
+            <a:normAutofit/>
+          </a:bodyPr>
+          <a:lstStyle/>
+          <a:p>
+            <a:r>
+              <a:rPr lang="pt-BR" b="1" dirty="0">
+                <a:solidFill>
+                  <a:srgbClr val="0070C0"/>
+                </a:solidFill>
+              </a:rPr>
+              <a:t>IA na Indústria 4.0</a:t>
+            </a:r>
+            <a:endParaRPr lang="en-US" b="1" dirty="0">
+              <a:solidFill>
+                <a:srgbClr val="0070C0"/>
+              </a:solidFill>
+            </a:endParaRPr>
+          </a:p>
+        </p:txBody>
+      </p:sp>
+      <p:sp>
+        <p:nvSpPr>
+          <p:cNvPr id="8" name="Text Placeholder 2"/>
+          <p:cNvSpPr>
+            <a:spLocks noGrp="1"/>
+          </p:cNvSpPr>
+          <p:nvPr>
+            <p:ph type="body" sz="half" idx="1"/>
+          </p:nvPr>
+        </p:nvSpPr>
+        <p:spPr>
+          <a:xfrm>
+            <a:off x="142865" y="1200150"/>
+            <a:ext cx="8865056" cy="3737370"/>
+          </a:xfrm>
+        </p:spPr>
+        <p:txBody>
+          <a:bodyPr>
+            <a:noAutofit/>
+          </a:bodyPr>
+          <a:lstStyle/>
+          <a:p>
+            <a:pPr marL="0" indent="0" algn="just">
+              <a:buNone/>
+            </a:pPr>
+            <a:r>
+              <a:rPr lang="pt-BR" sz="2000" dirty="0">
+                <a:solidFill>
+                  <a:schemeClr val="tx1"/>
+                </a:solidFill>
+                <a:latin typeface="Times New Roman" panose="02020603050405020304" pitchFamily="18" charset="0"/>
+                <a:cs typeface="Times New Roman" panose="02020603050405020304" pitchFamily="18" charset="0"/>
+              </a:rPr>
+              <a:t>As soluções de </a:t>
+            </a:r>
+            <a:r>
+              <a:rPr lang="pt-BR" sz="2000" b="1" dirty="0">
+                <a:solidFill>
+                  <a:schemeClr val="tx1"/>
+                </a:solidFill>
+                <a:latin typeface="Times New Roman" panose="02020603050405020304" pitchFamily="18" charset="0"/>
+                <a:cs typeface="Times New Roman" panose="02020603050405020304" pitchFamily="18" charset="0"/>
+              </a:rPr>
+              <a:t>software inteligentes</a:t>
+            </a:r>
+            <a:r>
+              <a:rPr lang="pt-BR" sz="2000" dirty="0">
+                <a:solidFill>
+                  <a:schemeClr val="tx1"/>
+                </a:solidFill>
+                <a:latin typeface="Times New Roman" panose="02020603050405020304" pitchFamily="18" charset="0"/>
+                <a:cs typeface="Times New Roman" panose="02020603050405020304" pitchFamily="18" charset="0"/>
+              </a:rPr>
+              <a:t> podem utilizar os </a:t>
+            </a:r>
+            <a:r>
+              <a:rPr lang="pt-BR" sz="2000" b="1" dirty="0">
+                <a:solidFill>
+                  <a:srgbClr val="FF0000"/>
+                </a:solidFill>
+                <a:latin typeface="Times New Roman" panose="02020603050405020304" pitchFamily="18" charset="0"/>
+                <a:cs typeface="Times New Roman" panose="02020603050405020304" pitchFamily="18" charset="0"/>
+              </a:rPr>
+              <a:t>altos volumes de dados gerados por uma fábrica para </a:t>
+            </a:r>
+            <a:r>
+              <a:rPr lang="pt-BR" sz="2000" b="1" dirty="0">
+                <a:solidFill>
+                  <a:schemeClr val="tx1"/>
+                </a:solidFill>
+                <a:latin typeface="Times New Roman" panose="02020603050405020304" pitchFamily="18" charset="0"/>
+                <a:cs typeface="Times New Roman" panose="02020603050405020304" pitchFamily="18" charset="0"/>
+              </a:rPr>
+              <a:t>identificar tendências e padrões</a:t>
+            </a:r>
+            <a:r>
+              <a:rPr lang="pt-BR" sz="2000" dirty="0">
+                <a:solidFill>
+                  <a:schemeClr val="tx1"/>
+                </a:solidFill>
+                <a:latin typeface="Times New Roman" panose="02020603050405020304" pitchFamily="18" charset="0"/>
+                <a:cs typeface="Times New Roman" panose="02020603050405020304" pitchFamily="18" charset="0"/>
+              </a:rPr>
+              <a:t> que podem ser usados para tornar os </a:t>
+            </a:r>
+            <a:r>
+              <a:rPr lang="pt-BR" sz="2000" b="1" dirty="0">
+                <a:solidFill>
+                  <a:schemeClr val="tx1"/>
+                </a:solidFill>
+                <a:latin typeface="Times New Roman" panose="02020603050405020304" pitchFamily="18" charset="0"/>
+                <a:cs typeface="Times New Roman" panose="02020603050405020304" pitchFamily="18" charset="0"/>
+              </a:rPr>
+              <a:t>processos de fabricação mais eficientes</a:t>
+            </a:r>
+            <a:r>
+              <a:rPr lang="pt-BR" sz="2000" dirty="0">
+                <a:solidFill>
+                  <a:schemeClr val="tx1"/>
+                </a:solidFill>
+                <a:latin typeface="Times New Roman" panose="02020603050405020304" pitchFamily="18" charset="0"/>
+                <a:cs typeface="Times New Roman" panose="02020603050405020304" pitchFamily="18" charset="0"/>
+              </a:rPr>
+              <a:t> e reduzir seu consumo de energia.</a:t>
+            </a:r>
+          </a:p>
+          <a:p>
+            <a:pPr marL="0" indent="0" algn="just">
+              <a:buNone/>
+            </a:pPr>
+            <a:endParaRPr lang="pt-BR" sz="2000" dirty="0">
+              <a:solidFill>
+                <a:schemeClr val="tx1"/>
+              </a:solidFill>
+              <a:latin typeface="Times New Roman" panose="02020603050405020304" pitchFamily="18" charset="0"/>
+              <a:cs typeface="Times New Roman" panose="02020603050405020304" pitchFamily="18" charset="0"/>
+            </a:endParaRPr>
+          </a:p>
+          <a:p>
+            <a:pPr marL="0" indent="0" algn="just">
+              <a:buNone/>
+            </a:pPr>
+            <a:r>
+              <a:rPr lang="pt-BR" sz="2000" b="1" dirty="0">
+                <a:solidFill>
+                  <a:schemeClr val="tx1"/>
+                </a:solidFill>
+                <a:latin typeface="Times New Roman" panose="02020603050405020304" pitchFamily="18" charset="0"/>
+                <a:cs typeface="Times New Roman" panose="02020603050405020304" pitchFamily="18" charset="0"/>
+              </a:rPr>
+              <a:t>Tipos de IA</a:t>
+            </a:r>
+            <a:r>
+              <a:rPr lang="pt-BR" sz="2000" dirty="0">
+                <a:solidFill>
+                  <a:schemeClr val="tx1"/>
+                </a:solidFill>
+                <a:latin typeface="Times New Roman" panose="02020603050405020304" pitchFamily="18" charset="0"/>
+                <a:cs typeface="Times New Roman" panose="02020603050405020304" pitchFamily="18" charset="0"/>
+              </a:rPr>
+              <a:t>, a seguir.</a:t>
+            </a:r>
+          </a:p>
+          <a:p>
+            <a:pPr algn="just">
+              <a:buFont typeface="Wingdings" panose="05000000000000000000" pitchFamily="2" charset="2"/>
+              <a:buChar char="§"/>
+            </a:pPr>
+            <a:r>
+              <a:rPr lang="pt-BR" sz="2000" dirty="0">
+                <a:solidFill>
+                  <a:schemeClr val="tx1"/>
+                </a:solidFill>
+                <a:latin typeface="Times New Roman" panose="02020603050405020304" pitchFamily="18" charset="0"/>
+                <a:cs typeface="Times New Roman" panose="02020603050405020304" pitchFamily="18" charset="0"/>
+              </a:rPr>
+              <a:t>Inteligência Artificial Limita (ANI) ...</a:t>
+            </a:r>
+          </a:p>
+          <a:p>
+            <a:pPr algn="just">
+              <a:buFont typeface="Wingdings" panose="05000000000000000000" pitchFamily="2" charset="2"/>
+              <a:buChar char="§"/>
+            </a:pPr>
+            <a:r>
+              <a:rPr lang="pt-BR" sz="2000" dirty="0">
+                <a:solidFill>
+                  <a:schemeClr val="tx1"/>
+                </a:solidFill>
+                <a:latin typeface="Times New Roman" panose="02020603050405020304" pitchFamily="18" charset="0"/>
+                <a:cs typeface="Times New Roman" panose="02020603050405020304" pitchFamily="18" charset="0"/>
+              </a:rPr>
+              <a:t>Inteligência artificial geral (AGI) ...</a:t>
+            </a:r>
+          </a:p>
+          <a:p>
+            <a:pPr algn="just">
+              <a:buFont typeface="Wingdings" panose="05000000000000000000" pitchFamily="2" charset="2"/>
+              <a:buChar char="§"/>
+            </a:pPr>
+            <a:r>
+              <a:rPr lang="pt-BR" sz="2000" dirty="0">
+                <a:solidFill>
+                  <a:schemeClr val="tx1"/>
+                </a:solidFill>
+                <a:latin typeface="Times New Roman" panose="02020603050405020304" pitchFamily="18" charset="0"/>
+                <a:cs typeface="Times New Roman" panose="02020603050405020304" pitchFamily="18" charset="0"/>
+              </a:rPr>
+              <a:t>Superinteligência (ASI)</a:t>
+            </a:r>
+          </a:p>
+        </p:txBody>
+      </p:sp>
+    </p:spTree>
+    <p:extLst>
+      <p:ext uri="{BB962C8B-B14F-4D97-AF65-F5344CB8AC3E}">
+        <p14:creationId xmlns:p14="http://schemas.microsoft.com/office/powerpoint/2010/main" val="4240048649"/>
+      </p:ext>
+    </p:extLst>
+  </p:cSld>
+  <p:clrMapOvr>
+    <a:masterClrMapping/>
+  </p:clrMapOvr>
+  <p:transition spd="med"/>
+</p:sld>
+</file>
+
+<file path=ppt/slides/slide17.xml><?xml version="1.0" encoding="utf-8"?>
+<p:sld xmlns:a="http://schemas.openxmlformats.org/drawingml/2006/main" xmlns:r="http://schemas.openxmlformats.org/officeDocument/2006/relationships" xmlns:p="http://schemas.openxmlformats.org/presentationml/2006/main">
+  <p:cSld>
+    <p:spTree>
+      <p:nvGrpSpPr>
+        <p:cNvPr id="1" name=""/>
+        <p:cNvGrpSpPr/>
+        <p:nvPr/>
+      </p:nvGrpSpPr>
+      <p:grpSpPr>
+        <a:xfrm>
+          <a:off x="0" y="0"/>
+          <a:ext cx="0" cy="0"/>
+          <a:chOff x="0" y="0"/>
+          <a:chExt cx="0" cy="0"/>
+        </a:xfrm>
+      </p:grpSpPr>
+      <p:sp>
+        <p:nvSpPr>
+          <p:cNvPr id="6" name="Title 1"/>
+          <p:cNvSpPr>
+            <a:spLocks noGrp="1"/>
+          </p:cNvSpPr>
+          <p:nvPr>
+            <p:ph type="title"/>
+          </p:nvPr>
+        </p:nvSpPr>
+        <p:spPr>
+          <a:xfrm>
+            <a:off x="457200" y="205980"/>
+            <a:ext cx="8229600" cy="857251"/>
+          </a:xfrm>
+        </p:spPr>
+        <p:txBody>
+          <a:bodyPr>
+            <a:normAutofit/>
+          </a:bodyPr>
+          <a:lstStyle/>
+          <a:p>
+            <a:r>
+              <a:rPr lang="pt-BR" b="1" dirty="0">
+                <a:solidFill>
+                  <a:srgbClr val="0070C0"/>
+                </a:solidFill>
+              </a:rPr>
+              <a:t>IA na Indústria 4.0</a:t>
+            </a:r>
+            <a:endParaRPr lang="en-US" b="1" dirty="0">
+              <a:solidFill>
+                <a:srgbClr val="0070C0"/>
+              </a:solidFill>
+            </a:endParaRPr>
+          </a:p>
+        </p:txBody>
+      </p:sp>
+      <p:sp>
+        <p:nvSpPr>
+          <p:cNvPr id="8" name="Text Placeholder 2"/>
+          <p:cNvSpPr>
+            <a:spLocks noGrp="1"/>
+          </p:cNvSpPr>
+          <p:nvPr>
+            <p:ph type="body" sz="half" idx="1"/>
+          </p:nvPr>
+        </p:nvSpPr>
+        <p:spPr>
+          <a:xfrm>
+            <a:off x="142865" y="1200150"/>
+            <a:ext cx="8865056" cy="3737370"/>
+          </a:xfrm>
+        </p:spPr>
+        <p:txBody>
+          <a:bodyPr>
+            <a:noAutofit/>
+          </a:bodyPr>
+          <a:lstStyle/>
+          <a:p>
+            <a:pPr marL="0" indent="0" algn="just">
+              <a:buNone/>
+            </a:pPr>
+            <a:r>
+              <a:rPr lang="pt-BR" sz="2000" b="1" dirty="0">
+                <a:solidFill>
+                  <a:schemeClr val="tx1"/>
+                </a:solidFill>
+                <a:latin typeface="Times New Roman" panose="02020603050405020304" pitchFamily="18" charset="0"/>
+                <a:cs typeface="Times New Roman" panose="02020603050405020304" pitchFamily="18" charset="0"/>
+              </a:rPr>
+              <a:t>Inteligência Artificial Limita (</a:t>
+            </a:r>
+            <a:r>
+              <a:rPr lang="pt-BR" sz="2000" b="1" dirty="0">
+                <a:solidFill>
+                  <a:srgbClr val="FF0000"/>
+                </a:solidFill>
+                <a:latin typeface="Times New Roman" panose="02020603050405020304" pitchFamily="18" charset="0"/>
+                <a:cs typeface="Times New Roman" panose="02020603050405020304" pitchFamily="18" charset="0"/>
+              </a:rPr>
+              <a:t>ANI</a:t>
+            </a:r>
+            <a:r>
+              <a:rPr lang="pt-BR" sz="2000" b="1" dirty="0">
+                <a:solidFill>
+                  <a:schemeClr val="tx1"/>
+                </a:solidFill>
+                <a:latin typeface="Times New Roman" panose="02020603050405020304" pitchFamily="18" charset="0"/>
+                <a:cs typeface="Times New Roman" panose="02020603050405020304" pitchFamily="18" charset="0"/>
+              </a:rPr>
+              <a:t>), IA fraca</a:t>
+            </a:r>
+            <a:r>
+              <a:rPr lang="pt-BR" sz="2000" dirty="0">
+                <a:solidFill>
+                  <a:schemeClr val="tx1"/>
+                </a:solidFill>
+                <a:latin typeface="Times New Roman" panose="02020603050405020304" pitchFamily="18" charset="0"/>
+                <a:cs typeface="Times New Roman" panose="02020603050405020304" pitchFamily="18" charset="0"/>
+              </a:rPr>
+              <a:t>.</a:t>
+            </a:r>
+          </a:p>
+          <a:p>
+            <a:pPr marL="0" indent="0" algn="just">
+              <a:buNone/>
+            </a:pPr>
+            <a:endParaRPr lang="pt-BR" sz="2000" dirty="0">
+              <a:solidFill>
+                <a:schemeClr val="tx1"/>
+              </a:solidFill>
+              <a:latin typeface="Times New Roman" panose="02020603050405020304" pitchFamily="18" charset="0"/>
+              <a:cs typeface="Times New Roman" panose="02020603050405020304" pitchFamily="18" charset="0"/>
+            </a:endParaRPr>
+          </a:p>
+          <a:p>
+            <a:pPr marL="0" indent="0" algn="just">
+              <a:buNone/>
+            </a:pPr>
+            <a:r>
+              <a:rPr lang="pt-BR" sz="2000" dirty="0">
+                <a:solidFill>
+                  <a:schemeClr val="tx1"/>
+                </a:solidFill>
+                <a:latin typeface="Times New Roman" panose="02020603050405020304" pitchFamily="18" charset="0"/>
+                <a:cs typeface="Times New Roman" panose="02020603050405020304" pitchFamily="18" charset="0"/>
+              </a:rPr>
+              <a:t>Armazenam uma grande quantidade de dados e realizam tarefas complexas, porém sempre focadas no objetivo para o qual foram programadas.</a:t>
+            </a:r>
+          </a:p>
+          <a:p>
+            <a:pPr marL="0" indent="0" algn="just">
+              <a:buNone/>
+            </a:pPr>
+            <a:endParaRPr lang="pt-BR" sz="2000" dirty="0">
+              <a:solidFill>
+                <a:schemeClr val="tx1"/>
+              </a:solidFill>
+              <a:latin typeface="Times New Roman" panose="02020603050405020304" pitchFamily="18" charset="0"/>
+              <a:cs typeface="Times New Roman" panose="02020603050405020304" pitchFamily="18" charset="0"/>
+            </a:endParaRPr>
+          </a:p>
+          <a:p>
+            <a:pPr marL="0" indent="0" algn="just">
+              <a:buNone/>
+            </a:pPr>
+            <a:r>
+              <a:rPr lang="pt-BR" sz="2000" b="1" dirty="0">
+                <a:solidFill>
+                  <a:schemeClr val="tx1"/>
+                </a:solidFill>
+                <a:latin typeface="Times New Roman" panose="02020603050405020304" pitchFamily="18" charset="0"/>
+                <a:cs typeface="Times New Roman" panose="02020603050405020304" pitchFamily="18" charset="0"/>
+              </a:rPr>
+              <a:t>Inteligência artificial geral (</a:t>
+            </a:r>
+            <a:r>
+              <a:rPr lang="pt-BR" sz="2000" b="1" dirty="0">
+                <a:solidFill>
+                  <a:srgbClr val="FF0000"/>
+                </a:solidFill>
+                <a:latin typeface="Times New Roman" panose="02020603050405020304" pitchFamily="18" charset="0"/>
+                <a:cs typeface="Times New Roman" panose="02020603050405020304" pitchFamily="18" charset="0"/>
+              </a:rPr>
+              <a:t>AGI</a:t>
+            </a:r>
+            <a:r>
+              <a:rPr lang="pt-BR" sz="2000" b="1" dirty="0">
+                <a:solidFill>
+                  <a:schemeClr val="tx1"/>
+                </a:solidFill>
+                <a:latin typeface="Times New Roman" panose="02020603050405020304" pitchFamily="18" charset="0"/>
+                <a:cs typeface="Times New Roman" panose="02020603050405020304" pitchFamily="18" charset="0"/>
+              </a:rPr>
+              <a:t>)</a:t>
+            </a:r>
+            <a:endParaRPr lang="pt-BR" sz="2000" dirty="0">
+              <a:solidFill>
+                <a:schemeClr val="tx1"/>
+              </a:solidFill>
+              <a:latin typeface="Times New Roman" panose="02020603050405020304" pitchFamily="18" charset="0"/>
+              <a:cs typeface="Times New Roman" panose="02020603050405020304" pitchFamily="18" charset="0"/>
+            </a:endParaRPr>
+          </a:p>
+          <a:p>
+            <a:pPr marL="0" indent="0" algn="just">
+              <a:buNone/>
+            </a:pPr>
+            <a:endParaRPr lang="pt-BR" sz="2000" dirty="0">
+              <a:solidFill>
+                <a:schemeClr val="tx1"/>
+              </a:solidFill>
+              <a:latin typeface="Times New Roman" panose="02020603050405020304" pitchFamily="18" charset="0"/>
+              <a:cs typeface="Times New Roman" panose="02020603050405020304" pitchFamily="18" charset="0"/>
+            </a:endParaRPr>
+          </a:p>
+          <a:p>
+            <a:pPr marL="0" indent="0" algn="just">
+              <a:buNone/>
+            </a:pPr>
+            <a:r>
+              <a:rPr lang="pt-BR" sz="2000" dirty="0">
+                <a:solidFill>
+                  <a:schemeClr val="tx1"/>
+                </a:solidFill>
+                <a:latin typeface="Times New Roman" panose="02020603050405020304" pitchFamily="18" charset="0"/>
+                <a:cs typeface="Times New Roman" panose="02020603050405020304" pitchFamily="18" charset="0"/>
+              </a:rPr>
+              <a:t>Baseia-se na combinação de </a:t>
+            </a:r>
+            <a:r>
+              <a:rPr lang="pt-BR" sz="2000" b="1" dirty="0">
+                <a:solidFill>
+                  <a:schemeClr val="tx1"/>
+                </a:solidFill>
+                <a:latin typeface="Times New Roman" panose="02020603050405020304" pitchFamily="18" charset="0"/>
+                <a:cs typeface="Times New Roman" panose="02020603050405020304" pitchFamily="18" charset="0"/>
+              </a:rPr>
+              <a:t>grandes volumes de dados digitais</a:t>
+            </a:r>
+            <a:r>
+              <a:rPr lang="pt-BR" sz="2000" dirty="0">
+                <a:solidFill>
+                  <a:schemeClr val="tx1"/>
+                </a:solidFill>
+                <a:latin typeface="Times New Roman" panose="02020603050405020304" pitchFamily="18" charset="0"/>
+                <a:cs typeface="Times New Roman" panose="02020603050405020304" pitchFamily="18" charset="0"/>
+              </a:rPr>
+              <a:t> e algoritmos inteligentes. Permitem ao </a:t>
+            </a:r>
+            <a:r>
+              <a:rPr lang="pt-BR" sz="2000" b="1" dirty="0">
+                <a:solidFill>
+                  <a:schemeClr val="tx1"/>
+                </a:solidFill>
+                <a:latin typeface="Times New Roman" panose="02020603050405020304" pitchFamily="18" charset="0"/>
+                <a:cs typeface="Times New Roman" panose="02020603050405020304" pitchFamily="18" charset="0"/>
+              </a:rPr>
+              <a:t>sistema ler e interpretar padrões e informações</a:t>
+            </a:r>
+            <a:r>
+              <a:rPr lang="pt-BR" sz="2000" dirty="0">
+                <a:solidFill>
+                  <a:schemeClr val="tx1"/>
+                </a:solidFill>
+                <a:latin typeface="Times New Roman" panose="02020603050405020304" pitchFamily="18" charset="0"/>
+                <a:cs typeface="Times New Roman" panose="02020603050405020304" pitchFamily="18" charset="0"/>
+              </a:rPr>
+              <a:t> para </a:t>
+            </a:r>
+            <a:r>
+              <a:rPr lang="pt-BR" sz="2000" b="1" dirty="0">
+                <a:solidFill>
+                  <a:srgbClr val="FF0000"/>
+                </a:solidFill>
+                <a:latin typeface="Times New Roman" panose="02020603050405020304" pitchFamily="18" charset="0"/>
+                <a:cs typeface="Times New Roman" panose="02020603050405020304" pitchFamily="18" charset="0"/>
+              </a:rPr>
+              <a:t>aprender automaticamente</a:t>
+            </a:r>
+            <a:r>
+              <a:rPr lang="pt-BR" sz="2000" dirty="0">
+                <a:solidFill>
+                  <a:schemeClr val="tx1"/>
+                </a:solidFill>
+                <a:latin typeface="Times New Roman" panose="02020603050405020304" pitchFamily="18" charset="0"/>
+                <a:cs typeface="Times New Roman" panose="02020603050405020304" pitchFamily="18" charset="0"/>
+              </a:rPr>
+              <a:t>.</a:t>
+            </a:r>
+          </a:p>
+        </p:txBody>
+      </p:sp>
+    </p:spTree>
+    <p:extLst>
+      <p:ext uri="{BB962C8B-B14F-4D97-AF65-F5344CB8AC3E}">
+        <p14:creationId xmlns:p14="http://schemas.microsoft.com/office/powerpoint/2010/main" val="357360960"/>
+      </p:ext>
+    </p:extLst>
+  </p:cSld>
+  <p:clrMapOvr>
+    <a:masterClrMapping/>
+  </p:clrMapOvr>
+  <p:transition spd="med"/>
+</p:sld>
+</file>
+
+<file path=ppt/slides/slide18.xml><?xml version="1.0" encoding="utf-8"?>
+<p:sld xmlns:a="http://schemas.openxmlformats.org/drawingml/2006/main" xmlns:r="http://schemas.openxmlformats.org/officeDocument/2006/relationships" xmlns:p="http://schemas.openxmlformats.org/presentationml/2006/main">
+  <p:cSld>
+    <p:spTree>
+      <p:nvGrpSpPr>
+        <p:cNvPr id="1" name=""/>
+        <p:cNvGrpSpPr/>
+        <p:nvPr/>
+      </p:nvGrpSpPr>
+      <p:grpSpPr>
+        <a:xfrm>
+          <a:off x="0" y="0"/>
+          <a:ext cx="0" cy="0"/>
+          <a:chOff x="0" y="0"/>
+          <a:chExt cx="0" cy="0"/>
+        </a:xfrm>
+      </p:grpSpPr>
+      <p:sp>
+        <p:nvSpPr>
+          <p:cNvPr id="6" name="Title 1"/>
+          <p:cNvSpPr>
+            <a:spLocks noGrp="1"/>
+          </p:cNvSpPr>
+          <p:nvPr>
+            <p:ph type="title"/>
+          </p:nvPr>
+        </p:nvSpPr>
+        <p:spPr>
+          <a:xfrm>
+            <a:off x="457200" y="205980"/>
+            <a:ext cx="8229600" cy="857251"/>
+          </a:xfrm>
+        </p:spPr>
+        <p:txBody>
+          <a:bodyPr>
+            <a:normAutofit/>
+          </a:bodyPr>
+          <a:lstStyle/>
+          <a:p>
+            <a:r>
+              <a:rPr lang="pt-BR" b="1" dirty="0">
+                <a:solidFill>
+                  <a:srgbClr val="0070C0"/>
+                </a:solidFill>
+              </a:rPr>
+              <a:t>IA na Indústria 4.0</a:t>
+            </a:r>
+            <a:endParaRPr lang="en-US" b="1" dirty="0">
+              <a:solidFill>
+                <a:srgbClr val="0070C0"/>
+              </a:solidFill>
+            </a:endParaRPr>
+          </a:p>
+        </p:txBody>
+      </p:sp>
+      <p:sp>
+        <p:nvSpPr>
+          <p:cNvPr id="8" name="Text Placeholder 2"/>
+          <p:cNvSpPr>
+            <a:spLocks noGrp="1"/>
+          </p:cNvSpPr>
+          <p:nvPr>
+            <p:ph type="body" sz="half" idx="1"/>
+          </p:nvPr>
+        </p:nvSpPr>
+        <p:spPr>
+          <a:xfrm>
+            <a:off x="142865" y="1029462"/>
+            <a:ext cx="8865056" cy="3908058"/>
+          </a:xfrm>
+        </p:spPr>
+        <p:txBody>
+          <a:bodyPr>
+            <a:noAutofit/>
+          </a:bodyPr>
+          <a:lstStyle/>
+          <a:p>
+            <a:pPr marL="0" indent="0" algn="just">
+              <a:buNone/>
+            </a:pPr>
+            <a:r>
+              <a:rPr lang="pt-BR" sz="2000" b="1" dirty="0">
+                <a:solidFill>
+                  <a:schemeClr val="tx1"/>
+                </a:solidFill>
+                <a:latin typeface="Times New Roman" panose="02020603050405020304" pitchFamily="18" charset="0"/>
+                <a:cs typeface="Times New Roman" panose="02020603050405020304" pitchFamily="18" charset="0"/>
+              </a:rPr>
+              <a:t>Superinteligência (</a:t>
+            </a:r>
+            <a:r>
+              <a:rPr lang="pt-BR" sz="2000" b="1" dirty="0">
+                <a:solidFill>
+                  <a:srgbClr val="FF0000"/>
+                </a:solidFill>
+                <a:latin typeface="Times New Roman" panose="02020603050405020304" pitchFamily="18" charset="0"/>
+                <a:cs typeface="Times New Roman" panose="02020603050405020304" pitchFamily="18" charset="0"/>
+              </a:rPr>
+              <a:t>ASI</a:t>
+            </a:r>
+            <a:r>
+              <a:rPr lang="pt-BR" sz="2000" b="1" dirty="0">
+                <a:solidFill>
+                  <a:schemeClr val="tx1"/>
+                </a:solidFill>
+                <a:latin typeface="Times New Roman" panose="02020603050405020304" pitchFamily="18" charset="0"/>
+                <a:cs typeface="Times New Roman" panose="02020603050405020304" pitchFamily="18" charset="0"/>
+              </a:rPr>
+              <a:t>)</a:t>
+            </a:r>
+          </a:p>
+          <a:p>
+            <a:pPr marL="0" indent="0" algn="just">
+              <a:buNone/>
+            </a:pPr>
+            <a:endParaRPr lang="pt-BR" sz="2000" dirty="0">
+              <a:solidFill>
+                <a:schemeClr val="tx1"/>
+              </a:solidFill>
+              <a:latin typeface="Times New Roman" panose="02020603050405020304" pitchFamily="18" charset="0"/>
+              <a:cs typeface="Times New Roman" panose="02020603050405020304" pitchFamily="18" charset="0"/>
+            </a:endParaRPr>
+          </a:p>
+          <a:p>
+            <a:pPr marL="0" indent="0" algn="just">
+              <a:buNone/>
+            </a:pPr>
+            <a:r>
+              <a:rPr lang="pt-BR" sz="2000" dirty="0">
+                <a:solidFill>
+                  <a:schemeClr val="tx1"/>
+                </a:solidFill>
+                <a:latin typeface="Times New Roman" panose="02020603050405020304" pitchFamily="18" charset="0"/>
+                <a:cs typeface="Times New Roman" panose="02020603050405020304" pitchFamily="18" charset="0"/>
+              </a:rPr>
+              <a:t>É a denominação dada a um intelecto muito superior aos melhores cérebros humanos atuais em praticamente todas as áreas, incluindo criatividade científica, sabedoria geral e habilidade social.</a:t>
+            </a:r>
+          </a:p>
+          <a:p>
+            <a:pPr marL="0" indent="0" algn="just">
+              <a:buNone/>
+            </a:pPr>
+            <a:endParaRPr lang="pt-BR" sz="2000" dirty="0">
+              <a:solidFill>
+                <a:schemeClr val="tx1"/>
+              </a:solidFill>
+              <a:latin typeface="Times New Roman" panose="02020603050405020304" pitchFamily="18" charset="0"/>
+              <a:cs typeface="Times New Roman" panose="02020603050405020304" pitchFamily="18" charset="0"/>
+            </a:endParaRPr>
+          </a:p>
+          <a:p>
+            <a:pPr marL="0" indent="0" algn="just">
+              <a:buNone/>
+            </a:pPr>
+            <a:r>
+              <a:rPr lang="pt-BR" sz="2000" dirty="0">
+                <a:solidFill>
+                  <a:schemeClr val="tx1"/>
+                </a:solidFill>
+                <a:latin typeface="Times New Roman" panose="02020603050405020304" pitchFamily="18" charset="0"/>
+                <a:cs typeface="Times New Roman" panose="02020603050405020304" pitchFamily="18" charset="0"/>
+              </a:rPr>
+              <a:t>Superinteligência artificial pode levar ao fim da humanidade? Apocalipse ocasionado pela IA.</a:t>
+            </a:r>
+          </a:p>
+          <a:p>
+            <a:pPr marL="0" indent="0" algn="just">
+              <a:buNone/>
+            </a:pPr>
+            <a:endParaRPr lang="pt-BR" sz="2000" dirty="0">
+              <a:solidFill>
+                <a:schemeClr val="tx1"/>
+              </a:solidFill>
+              <a:latin typeface="Times New Roman" panose="02020603050405020304" pitchFamily="18" charset="0"/>
+              <a:cs typeface="Times New Roman" panose="02020603050405020304" pitchFamily="18" charset="0"/>
+            </a:endParaRPr>
+          </a:p>
+          <a:p>
+            <a:pPr marL="0" indent="0" algn="just">
+              <a:buNone/>
+            </a:pPr>
+            <a:r>
+              <a:rPr lang="pt-BR" sz="2000" dirty="0">
+                <a:solidFill>
+                  <a:schemeClr val="tx1"/>
+                </a:solidFill>
+                <a:latin typeface="Times New Roman" panose="02020603050405020304" pitchFamily="18" charset="0"/>
+                <a:cs typeface="Times New Roman" panose="02020603050405020304" pitchFamily="18" charset="0"/>
+              </a:rPr>
+              <a:t>	 </a:t>
+            </a:r>
+            <a:r>
+              <a:rPr lang="pt-BR" sz="2000" dirty="0">
+                <a:solidFill>
+                  <a:schemeClr val="tx1"/>
+                </a:solidFill>
+                <a:latin typeface="Times New Roman" panose="02020603050405020304" pitchFamily="18" charset="0"/>
+                <a:cs typeface="Times New Roman" panose="02020603050405020304" pitchFamily="18" charset="0"/>
+                <a:hlinkClick r:id="rId3"/>
+              </a:rPr>
+              <a:t>https://temas.folha.uol.com.br/inteligencia-artificial/os-limites-da-ia/superinteligencia-artificial-pode-levar-ao-fim-da-humanidade-entenda-riscos.shtml</a:t>
+            </a:r>
+            <a:endParaRPr lang="pt-BR" sz="2000" dirty="0">
+              <a:solidFill>
+                <a:schemeClr val="tx1"/>
+              </a:solidFill>
+              <a:latin typeface="Times New Roman" panose="02020603050405020304" pitchFamily="18" charset="0"/>
+              <a:cs typeface="Times New Roman" panose="02020603050405020304" pitchFamily="18" charset="0"/>
+            </a:endParaRPr>
+          </a:p>
+        </p:txBody>
+      </p:sp>
+    </p:spTree>
+    <p:extLst>
+      <p:ext uri="{BB962C8B-B14F-4D97-AF65-F5344CB8AC3E}">
+        <p14:creationId xmlns:p14="http://schemas.microsoft.com/office/powerpoint/2010/main" val="2909529383"/>
+      </p:ext>
+    </p:extLst>
+  </p:cSld>
+  <p:clrMapOvr>
+    <a:masterClrMapping/>
+  </p:clrMapOvr>
+  <p:transition spd="med"/>
+</p:sld>
+</file>
+
+<file path=ppt/slides/slide19.xml><?xml version="1.0" encoding="utf-8"?>
+<p:sld xmlns:a="http://schemas.openxmlformats.org/drawingml/2006/main" xmlns:r="http://schemas.openxmlformats.org/officeDocument/2006/relationships" xmlns:p="http://schemas.openxmlformats.org/presentationml/2006/main">
+  <p:cSld>
+    <p:spTree>
+      <p:nvGrpSpPr>
+        <p:cNvPr id="1" name=""/>
+        <p:cNvGrpSpPr/>
+        <p:nvPr/>
+      </p:nvGrpSpPr>
+      <p:grpSpPr>
+        <a:xfrm>
+          <a:off x="0" y="0"/>
+          <a:ext cx="0" cy="0"/>
+          <a:chOff x="0" y="0"/>
+          <a:chExt cx="0" cy="0"/>
+        </a:xfrm>
+      </p:grpSpPr>
+      <p:sp>
+        <p:nvSpPr>
+          <p:cNvPr id="6" name="Title 1"/>
+          <p:cNvSpPr>
+            <a:spLocks noGrp="1"/>
+          </p:cNvSpPr>
+          <p:nvPr>
+            <p:ph type="title"/>
+          </p:nvPr>
+        </p:nvSpPr>
+        <p:spPr>
+          <a:xfrm>
+            <a:off x="457200" y="205980"/>
+            <a:ext cx="8229600" cy="857251"/>
+          </a:xfrm>
+        </p:spPr>
+        <p:txBody>
+          <a:bodyPr>
+            <a:normAutofit/>
+          </a:bodyPr>
+          <a:lstStyle/>
+          <a:p>
+            <a:r>
+              <a:rPr lang="pt-BR" b="1" dirty="0">
+                <a:solidFill>
+                  <a:srgbClr val="0070C0"/>
+                </a:solidFill>
+              </a:rPr>
+              <a:t>Tools Simulação na Indústria 4.0</a:t>
+            </a:r>
+            <a:endParaRPr lang="en-US" b="1" dirty="0">
+              <a:solidFill>
+                <a:srgbClr val="0070C0"/>
+              </a:solidFill>
+            </a:endParaRPr>
+          </a:p>
+        </p:txBody>
+      </p:sp>
+      <p:sp>
+        <p:nvSpPr>
+          <p:cNvPr id="8" name="Text Placeholder 2"/>
+          <p:cNvSpPr>
+            <a:spLocks noGrp="1"/>
+          </p:cNvSpPr>
+          <p:nvPr>
+            <p:ph type="body" sz="half" idx="1"/>
+          </p:nvPr>
+        </p:nvSpPr>
+        <p:spPr>
+          <a:xfrm>
+            <a:off x="142865" y="1200150"/>
+            <a:ext cx="8865056" cy="3737370"/>
+          </a:xfrm>
+        </p:spPr>
+        <p:txBody>
+          <a:bodyPr>
+            <a:noAutofit/>
+          </a:bodyPr>
+          <a:lstStyle/>
+          <a:p>
+            <a:pPr marL="0" indent="0" algn="just">
+              <a:buNone/>
+            </a:pPr>
+            <a:r>
+              <a:rPr lang="pt-BR" sz="2000" dirty="0">
+                <a:latin typeface="Times New Roman" panose="02020603050405020304" pitchFamily="18" charset="0"/>
+                <a:cs typeface="Times New Roman" panose="02020603050405020304" pitchFamily="18" charset="0"/>
+              </a:rPr>
+              <a:t>É uma solução que reproduz com exatidão as condições reais da operação industrial, garantindo previsibilidade e fornecendo dados de forma segura e assertiva. </a:t>
+            </a:r>
+          </a:p>
+          <a:p>
+            <a:pPr marL="0" indent="0" algn="just">
+              <a:buNone/>
+            </a:pPr>
+            <a:endParaRPr lang="pt-BR" sz="2000" dirty="0">
+              <a:latin typeface="Times New Roman" panose="02020603050405020304" pitchFamily="18" charset="0"/>
+              <a:cs typeface="Times New Roman" panose="02020603050405020304" pitchFamily="18" charset="0"/>
+            </a:endParaRPr>
+          </a:p>
+          <a:p>
+            <a:pPr marL="0" indent="0" algn="just">
+              <a:buNone/>
+            </a:pPr>
+            <a:r>
+              <a:rPr lang="pt-BR" sz="2000" dirty="0">
+                <a:latin typeface="Times New Roman" panose="02020603050405020304" pitchFamily="18" charset="0"/>
+                <a:cs typeface="Times New Roman" panose="02020603050405020304" pitchFamily="18" charset="0"/>
+              </a:rPr>
+              <a:t>Os dados podem ser utilizados estrategicamente em todas as etapas da cadeia produtiva, incluindo </a:t>
+            </a:r>
+            <a:r>
+              <a:rPr lang="pt-BR" sz="2000" dirty="0" err="1">
+                <a:latin typeface="Times New Roman" panose="02020603050405020304" pitchFamily="18" charset="0"/>
+                <a:cs typeface="Times New Roman" panose="02020603050405020304" pitchFamily="18" charset="0"/>
+              </a:rPr>
+              <a:t>pré</a:t>
+            </a:r>
+            <a:r>
+              <a:rPr lang="pt-BR" sz="2000" dirty="0">
+                <a:latin typeface="Times New Roman" panose="02020603050405020304" pitchFamily="18" charset="0"/>
+                <a:cs typeface="Times New Roman" panose="02020603050405020304" pitchFamily="18" charset="0"/>
+              </a:rPr>
+              <a:t> e pós-produção.</a:t>
+            </a:r>
+          </a:p>
+          <a:p>
+            <a:pPr marL="0" indent="0" algn="just">
+              <a:buNone/>
+            </a:pPr>
+            <a:endParaRPr lang="pt-BR" sz="2000" dirty="0">
+              <a:latin typeface="Times New Roman" panose="02020603050405020304" pitchFamily="18" charset="0"/>
+              <a:cs typeface="Times New Roman" panose="02020603050405020304" pitchFamily="18" charset="0"/>
+            </a:endParaRPr>
+          </a:p>
+          <a:p>
+            <a:pPr marL="0" indent="0" algn="just">
+              <a:buNone/>
+            </a:pPr>
+            <a:endParaRPr lang="pt-BR" sz="2000" dirty="0">
+              <a:latin typeface="Times New Roman" panose="02020603050405020304" pitchFamily="18" charset="0"/>
+              <a:cs typeface="Times New Roman" panose="02020603050405020304" pitchFamily="18" charset="0"/>
+            </a:endParaRPr>
+          </a:p>
+          <a:p>
+            <a:pPr marL="0" indent="0" algn="just">
+              <a:buNone/>
+            </a:pPr>
+            <a:r>
+              <a:rPr lang="pt-BR" sz="2000" dirty="0">
+                <a:solidFill>
+                  <a:schemeClr val="tx1"/>
+                </a:solidFill>
+                <a:latin typeface="Times New Roman" panose="02020603050405020304" pitchFamily="18" charset="0"/>
+                <a:cs typeface="Times New Roman" panose="02020603050405020304" pitchFamily="18" charset="0"/>
+              </a:rPr>
+              <a:t>		</a:t>
+            </a:r>
+            <a:r>
+              <a:rPr lang="pt-BR" sz="2000" dirty="0">
+                <a:solidFill>
+                  <a:schemeClr val="tx1"/>
+                </a:solidFill>
+                <a:latin typeface="Times New Roman" panose="02020603050405020304" pitchFamily="18" charset="0"/>
+                <a:cs typeface="Times New Roman" panose="02020603050405020304" pitchFamily="18" charset="0"/>
+                <a:hlinkClick r:id="rId3"/>
+              </a:rPr>
+              <a:t>https://www.industria40.ind.br/artigo/18130-simulacao-na-industria-40</a:t>
+            </a:r>
+            <a:r>
+              <a:rPr lang="pt-BR" sz="2000" dirty="0">
+                <a:solidFill>
+                  <a:schemeClr val="tx1"/>
+                </a:solidFill>
+                <a:latin typeface="Times New Roman" panose="02020603050405020304" pitchFamily="18" charset="0"/>
+                <a:cs typeface="Times New Roman" panose="02020603050405020304" pitchFamily="18" charset="0"/>
+              </a:rPr>
+              <a:t> </a:t>
+            </a:r>
+          </a:p>
+          <a:p>
+            <a:pPr marL="0" indent="0" algn="just">
+              <a:buNone/>
+            </a:pPr>
+            <a:endParaRPr lang="pt-BR" sz="2000" dirty="0">
+              <a:solidFill>
+                <a:schemeClr val="tx1"/>
+              </a:solidFill>
+              <a:latin typeface="Times New Roman" panose="02020603050405020304" pitchFamily="18" charset="0"/>
+              <a:cs typeface="Times New Roman" panose="02020603050405020304" pitchFamily="18" charset="0"/>
+            </a:endParaRPr>
+          </a:p>
+        </p:txBody>
+      </p:sp>
+    </p:spTree>
+    <p:extLst>
+      <p:ext uri="{BB962C8B-B14F-4D97-AF65-F5344CB8AC3E}">
+        <p14:creationId xmlns:p14="http://schemas.microsoft.com/office/powerpoint/2010/main" val="935787038"/>
+      </p:ext>
+    </p:extLst>
+  </p:cSld>
+  <p:clrMapOvr>
+    <a:masterClrMapping/>
+  </p:clrMapOvr>
+  <p:transition spd="med"/>
+</p:sld>
+</file>
+
 <file path=ppt/slides/slide2.xml><?xml version="1.0" encoding="utf-8"?>
 <p:sld xmlns:a="http://schemas.openxmlformats.org/drawingml/2006/main" xmlns:r="http://schemas.openxmlformats.org/officeDocument/2006/relationships" xmlns:p="http://schemas.openxmlformats.org/presentationml/2006/main">
   <p:cSld>
@@ -3963,7 +7694,7 @@
                   <a:schemeClr val="bg1"/>
                 </a:solidFill>
               </a:rPr>
-              <a:t>Tecnologias Emergentes em Python</a:t>
+              <a:t>Tecnologias Emergentes na Manipulação de Dados em Python</a:t>
             </a:r>
           </a:p>
         </p:txBody>
@@ -4315,7 +8046,7 @@
 </p:sld>
 </file>
 
-<file path=ppt/slides/slide3.xml><?xml version="1.0" encoding="utf-8"?>
+<file path=ppt/slides/slide20.xml><?xml version="1.0" encoding="utf-8"?>
 <p:sld xmlns:a="http://schemas.openxmlformats.org/drawingml/2006/main" xmlns:r="http://schemas.openxmlformats.org/officeDocument/2006/relationships" xmlns:p="http://schemas.openxmlformats.org/presentationml/2006/main">
   <p:cSld>
     <p:spTree>
@@ -4355,12 +8086,12 @@
           <a:lstStyle/>
           <a:p>
             <a:r>
-              <a:rPr lang="pt-BR" b="1">
+              <a:rPr lang="pt-BR" b="1" dirty="0">
                 <a:solidFill>
                   <a:srgbClr val="0070C0"/>
                 </a:solidFill>
               </a:rPr>
-              <a:t>Tecnologias Emergentes</a:t>
+              <a:t>Tools Simulação na Indústria 4.0</a:t>
             </a:r>
             <a:endParaRPr lang="en-US" b="1" dirty="0">
               <a:solidFill>
@@ -4396,23 +8127,142 @@
               <a:buNone/>
             </a:pPr>
             <a:r>
-              <a:rPr lang="pt-BR" sz="1400" dirty="0"/>
-              <a:t>ETAPAS</a:t>
+              <a:rPr lang="pt-BR" sz="2000" dirty="0">
+                <a:latin typeface="Times New Roman" panose="02020603050405020304" pitchFamily="18" charset="0"/>
+                <a:cs typeface="Times New Roman" panose="02020603050405020304" pitchFamily="18" charset="0"/>
+              </a:rPr>
+              <a:t>É a reprodução virtual de processos e ambientes de desenvolvimento e manufatura fabril. Virtualizar o funcionamento das plantas e procedimentos industrias, exemplo:</a:t>
+            </a:r>
+          </a:p>
+          <a:p>
+            <a:pPr algn="just">
+              <a:buFont typeface="Wingdings" panose="05000000000000000000" pitchFamily="2" charset="2"/>
+              <a:buChar char="§"/>
+            </a:pPr>
+            <a:r>
+              <a:rPr lang="en-US" sz="2000" dirty="0">
+                <a:latin typeface="Times New Roman" panose="02020603050405020304" pitchFamily="18" charset="0"/>
+                <a:cs typeface="Times New Roman" panose="02020603050405020304" pitchFamily="18" charset="0"/>
+              </a:rPr>
+              <a:t>Farming Simulator 17</a:t>
+            </a:r>
+          </a:p>
+          <a:p>
+            <a:pPr algn="just">
+              <a:buFont typeface="Wingdings" panose="05000000000000000000" pitchFamily="2" charset="2"/>
+              <a:buChar char="§"/>
+            </a:pPr>
+            <a:r>
+              <a:rPr lang="en-US" sz="2000" dirty="0">
+                <a:latin typeface="Times New Roman" panose="02020603050405020304" pitchFamily="18" charset="0"/>
+                <a:cs typeface="Times New Roman" panose="02020603050405020304" pitchFamily="18" charset="0"/>
+              </a:rPr>
+              <a:t>Project Cars 2</a:t>
+            </a:r>
+          </a:p>
+          <a:p>
+            <a:pPr algn="just">
+              <a:buFont typeface="Wingdings" panose="05000000000000000000" pitchFamily="2" charset="2"/>
+              <a:buChar char="§"/>
+            </a:pPr>
+            <a:r>
+              <a:rPr lang="en-US" sz="2000" dirty="0">
+                <a:latin typeface="Times New Roman" panose="02020603050405020304" pitchFamily="18" charset="0"/>
+                <a:cs typeface="Times New Roman" panose="02020603050405020304" pitchFamily="18" charset="0"/>
+              </a:rPr>
+              <a:t>Railway Empire</a:t>
+            </a:r>
+          </a:p>
+          <a:p>
+            <a:pPr algn="just">
+              <a:buFont typeface="Wingdings" panose="05000000000000000000" pitchFamily="2" charset="2"/>
+              <a:buChar char="§"/>
+            </a:pPr>
+            <a:r>
+              <a:rPr lang="en-US" sz="2000" dirty="0">
+                <a:latin typeface="Times New Roman" panose="02020603050405020304" pitchFamily="18" charset="0"/>
+                <a:cs typeface="Times New Roman" panose="02020603050405020304" pitchFamily="18" charset="0"/>
+              </a:rPr>
+              <a:t>Cities: Skylines</a:t>
+            </a:r>
+          </a:p>
+          <a:p>
+            <a:pPr algn="just">
+              <a:buFont typeface="Wingdings" panose="05000000000000000000" pitchFamily="2" charset="2"/>
+              <a:buChar char="§"/>
+            </a:pPr>
+            <a:r>
+              <a:rPr lang="en-US" sz="2000" dirty="0">
+                <a:latin typeface="Times New Roman" panose="02020603050405020304" pitchFamily="18" charset="0"/>
+                <a:cs typeface="Times New Roman" panose="02020603050405020304" pitchFamily="18" charset="0"/>
+              </a:rPr>
+              <a:t>PC Building Simulator</a:t>
+            </a:r>
+          </a:p>
+          <a:p>
+            <a:pPr algn="just">
+              <a:buFont typeface="Wingdings" panose="05000000000000000000" pitchFamily="2" charset="2"/>
+              <a:buChar char="§"/>
+            </a:pPr>
+            <a:r>
+              <a:rPr lang="en-US" sz="2000" dirty="0">
+                <a:latin typeface="Times New Roman" panose="02020603050405020304" pitchFamily="18" charset="0"/>
+                <a:cs typeface="Times New Roman" panose="02020603050405020304" pitchFamily="18" charset="0"/>
+              </a:rPr>
+              <a:t>X-Plane 11</a:t>
+            </a:r>
+          </a:p>
+          <a:p>
+            <a:pPr algn="just">
+              <a:buFont typeface="Wingdings" panose="05000000000000000000" pitchFamily="2" charset="2"/>
+              <a:buChar char="§"/>
+            </a:pPr>
+            <a:r>
+              <a:rPr lang="en-US" sz="2000" dirty="0">
+                <a:latin typeface="Times New Roman" panose="02020603050405020304" pitchFamily="18" charset="0"/>
+                <a:cs typeface="Times New Roman" panose="02020603050405020304" pitchFamily="18" charset="0"/>
+              </a:rPr>
+              <a:t>Stardew Valley</a:t>
+            </a:r>
+          </a:p>
+          <a:p>
+            <a:pPr algn="just">
+              <a:buFont typeface="Wingdings" panose="05000000000000000000" pitchFamily="2" charset="2"/>
+              <a:buChar char="§"/>
+            </a:pPr>
+            <a:r>
+              <a:rPr lang="en-US" sz="2000" dirty="0">
+                <a:latin typeface="Times New Roman" panose="02020603050405020304" pitchFamily="18" charset="0"/>
+                <a:cs typeface="Times New Roman" panose="02020603050405020304" pitchFamily="18" charset="0"/>
+              </a:rPr>
+              <a:t>Euro Truck Simulator 2</a:t>
             </a:r>
             <a:endParaRPr lang="pt-BR" sz="2000" dirty="0">
-              <a:solidFill>
-                <a:schemeClr val="tx1"/>
-              </a:solidFill>
               <a:latin typeface="Times New Roman" panose="02020603050405020304" pitchFamily="18" charset="0"/>
               <a:cs typeface="Times New Roman" panose="02020603050405020304" pitchFamily="18" charset="0"/>
             </a:endParaRPr>
+          </a:p>
+          <a:p>
+            <a:pPr marL="0" indent="0" algn="just">
+              <a:buNone/>
+            </a:pPr>
+            <a:r>
+              <a:rPr lang="pt-BR" sz="2000" dirty="0">
+                <a:solidFill>
+                  <a:schemeClr val="tx1"/>
+                </a:solidFill>
+                <a:latin typeface="Times New Roman" panose="02020603050405020304" pitchFamily="18" charset="0"/>
+                <a:cs typeface="Times New Roman" panose="02020603050405020304" pitchFamily="18" charset="0"/>
+              </a:rPr>
+              <a:t>	</a:t>
+            </a:r>
           </a:p>
         </p:txBody>
       </p:sp>
     </p:spTree>
     <p:extLst>
       <p:ext uri="{BB962C8B-B14F-4D97-AF65-F5344CB8AC3E}">
-        <p14:creationId xmlns:p14="http://schemas.microsoft.com/office/powerpoint/2010/main" val="1754424786"/>
+        <p14:creationId xmlns:p14="http://schemas.microsoft.com/office/powerpoint/2010/main" val="2457226110"/>
       </p:ext>
     </p:extLst>
   </p:cSld>
@@ -4423,7 +8273,7 @@
 </p:sld>
 </file>
 
-<file path=ppt/slides/slide4.xml><?xml version="1.0" encoding="utf-8"?>
+<file path=ppt/slides/slide21.xml><?xml version="1.0" encoding="utf-8"?>
 <p:sld xmlns:a="http://schemas.openxmlformats.org/drawingml/2006/main" xmlns:r="http://schemas.openxmlformats.org/officeDocument/2006/relationships" xmlns:p="http://schemas.openxmlformats.org/presentationml/2006/main">
   <p:cSld>
     <p:spTree>
@@ -4463,28 +8313,12 @@
           <a:lstStyle/>
           <a:p>
             <a:r>
-              <a:rPr lang="en-US" b="1" dirty="0" err="1">
+              <a:rPr lang="pt-BR" b="1">
                 <a:solidFill>
                   <a:srgbClr val="0070C0"/>
                 </a:solidFill>
               </a:rPr>
-              <a:t>Leitura</a:t>
-            </a:r>
-            <a:r>
-              <a:rPr lang="en-US" b="1" dirty="0">
-                <a:solidFill>
-                  <a:srgbClr val="0070C0"/>
-                </a:solidFill>
-              </a:rPr>
-              <a:t> </a:t>
-            </a:r>
-            <a:r>
-              <a:rPr lang="en-US" b="1" dirty="0" err="1">
-                <a:solidFill>
-                  <a:srgbClr val="0070C0"/>
-                </a:solidFill>
-              </a:rPr>
-              <a:t>Específica</a:t>
+              <a:t>Tecnologias Emergentes</a:t>
             </a:r>
             <a:endParaRPr lang="en-US" b="1" dirty="0">
               <a:solidFill>
@@ -4506,8 +8340,8 @@
         </p:nvSpPr>
         <p:spPr>
           <a:xfrm>
-            <a:off x="142865" y="1200151"/>
-            <a:ext cx="8865056" cy="3394472"/>
+            <a:off x="142865" y="1005078"/>
+            <a:ext cx="8865056" cy="3932442"/>
           </a:xfrm>
         </p:spPr>
         <p:txBody>
@@ -4520,50 +8354,18 @@
               <a:buNone/>
             </a:pPr>
             <a:r>
-              <a:rPr lang="pt-BR" sz="2400" dirty="0">
-                <a:latin typeface="Times New Roman" panose="02020603050405020304" pitchFamily="18" charset="0"/>
-                <a:cs typeface="Times New Roman" panose="02020603050405020304" pitchFamily="18" charset="0"/>
-              </a:rPr>
-              <a:t>[1] </a:t>
-            </a:r>
-            <a:r>
-              <a:rPr lang="pt-BR" sz="2400" dirty="0" err="1">
-                <a:latin typeface="Times New Roman" panose="02020603050405020304" pitchFamily="18" charset="0"/>
-                <a:cs typeface="Times New Roman" panose="02020603050405020304" pitchFamily="18" charset="0"/>
-              </a:rPr>
-              <a:t>Desenv</a:t>
-            </a:r>
-            <a:r>
-              <a:rPr lang="pt-BR" sz="2400" dirty="0">
-                <a:latin typeface="Times New Roman" panose="02020603050405020304" pitchFamily="18" charset="0"/>
-                <a:cs typeface="Times New Roman" panose="02020603050405020304" pitchFamily="18" charset="0"/>
-              </a:rPr>
-              <a:t>. App Plataformas de Middleware Para IOT em Python.</a:t>
+              <a:rPr lang="pt-BR" sz="2000" dirty="0">
+                <a:latin typeface="Times New Roman" panose="02020603050405020304" pitchFamily="18" charset="0"/>
+                <a:cs typeface="Times New Roman" panose="02020603050405020304" pitchFamily="18" charset="0"/>
+              </a:rPr>
+              <a:t>Uma tecnologia emergente é aquela que não impacta apenas o mundo dos negócios, mas também toda a sociedade. </a:t>
             </a:r>
           </a:p>
           <a:p>
             <a:pPr marL="0" indent="0" algn="just">
               <a:buNone/>
             </a:pPr>
-            <a:r>
-              <a:rPr lang="pt-BR" sz="2400" b="1" dirty="0">
-                <a:solidFill>
-                  <a:srgbClr val="FF0000"/>
-                </a:solidFill>
-                <a:latin typeface="Times New Roman" panose="02020603050405020304" pitchFamily="18" charset="0"/>
-                <a:cs typeface="Times New Roman" panose="02020603050405020304" pitchFamily="18" charset="0"/>
-              </a:rPr>
-              <a:t>Disponível em: </a:t>
-            </a:r>
-            <a:r>
-              <a:rPr lang="pt-BR" sz="2400" dirty="0">
-                <a:latin typeface="Times New Roman" panose="02020603050405020304" pitchFamily="18" charset="0"/>
-                <a:cs typeface="Times New Roman" panose="02020603050405020304" pitchFamily="18" charset="0"/>
-                <a:hlinkClick r:id="rId3"/>
-              </a:rPr>
-              <a:t>https://</a:t>
-            </a:r>
-            <a:endParaRPr lang="pt-BR" sz="2400" dirty="0">
+            <a:endParaRPr lang="pt-BR" sz="2000" dirty="0">
               <a:latin typeface="Times New Roman" panose="02020603050405020304" pitchFamily="18" charset="0"/>
               <a:cs typeface="Times New Roman" panose="02020603050405020304" pitchFamily="18" charset="0"/>
             </a:endParaRPr>
@@ -4572,7 +8374,19 @@
             <a:pPr marL="0" indent="0" algn="just">
               <a:buNone/>
             </a:pPr>
-            <a:endParaRPr lang="pt-BR" sz="2400" dirty="0">
+            <a:r>
+              <a:rPr lang="pt-BR" sz="2000" dirty="0">
+                <a:latin typeface="Times New Roman" panose="02020603050405020304" pitchFamily="18" charset="0"/>
+                <a:cs typeface="Times New Roman" panose="02020603050405020304" pitchFamily="18" charset="0"/>
+              </a:rPr>
+              <a:t>São inovações que têm enorme potencial de modificar como interagimos com o mundo. </a:t>
+            </a:r>
+          </a:p>
+          <a:p>
+            <a:pPr marL="0" indent="0" algn="just">
+              <a:buNone/>
+            </a:pPr>
+            <a:endParaRPr lang="pt-BR" sz="2000" dirty="0">
               <a:latin typeface="Times New Roman" panose="02020603050405020304" pitchFamily="18" charset="0"/>
               <a:cs typeface="Times New Roman" panose="02020603050405020304" pitchFamily="18" charset="0"/>
             </a:endParaRPr>
@@ -4582,98 +8396,19 @@
               <a:buNone/>
             </a:pPr>
             <a:r>
-              <a:rPr lang="pt-BR" sz="2400" dirty="0">
-                <a:latin typeface="Times New Roman" panose="02020603050405020304" pitchFamily="18" charset="0"/>
-                <a:cs typeface="Times New Roman" panose="02020603050405020304" pitchFamily="18" charset="0"/>
-              </a:rPr>
-              <a:t>[2] </a:t>
-            </a:r>
-            <a:r>
-              <a:rPr lang="pt-BR" sz="2400" dirty="0" err="1">
-                <a:latin typeface="Times New Roman" panose="02020603050405020304" pitchFamily="18" charset="0"/>
-                <a:cs typeface="Times New Roman" panose="02020603050405020304" pitchFamily="18" charset="0"/>
-              </a:rPr>
-              <a:t>Desenv</a:t>
-            </a:r>
-            <a:r>
-              <a:rPr lang="pt-BR" sz="2400" dirty="0">
-                <a:latin typeface="Times New Roman" panose="02020603050405020304" pitchFamily="18" charset="0"/>
-                <a:cs typeface="Times New Roman" panose="02020603050405020304" pitchFamily="18" charset="0"/>
-              </a:rPr>
-              <a:t>. App Plataformas de Middleware Para IOT em Python. </a:t>
-            </a:r>
-          </a:p>
-          <a:p>
-            <a:pPr marL="0" indent="0" algn="just">
-              <a:buNone/>
-            </a:pPr>
-            <a:r>
-              <a:rPr lang="pt-BR" sz="2400" b="1" dirty="0">
-                <a:solidFill>
-                  <a:srgbClr val="FF0000"/>
-                </a:solidFill>
-                <a:latin typeface="Times New Roman" panose="02020603050405020304" pitchFamily="18" charset="0"/>
-                <a:cs typeface="Times New Roman" panose="02020603050405020304" pitchFamily="18" charset="0"/>
-              </a:rPr>
-              <a:t>Disponível em: </a:t>
-            </a:r>
-            <a:r>
-              <a:rPr lang="pt-BR" sz="2400" dirty="0">
-                <a:latin typeface="Times New Roman" panose="02020603050405020304" pitchFamily="18" charset="0"/>
-                <a:cs typeface="Times New Roman" panose="02020603050405020304" pitchFamily="18" charset="0"/>
-                <a:hlinkClick r:id="rId4"/>
-              </a:rPr>
-              <a:t>https:</a:t>
-            </a:r>
-            <a:r>
-              <a:rPr lang="pt-BR" sz="2400" dirty="0">
-                <a:latin typeface="Times New Roman" panose="02020603050405020304" pitchFamily="18" charset="0"/>
-                <a:cs typeface="Times New Roman" panose="02020603050405020304" pitchFamily="18" charset="0"/>
-              </a:rPr>
-              <a:t>//</a:t>
-            </a:r>
-          </a:p>
-          <a:p>
-            <a:pPr marL="0" indent="0" algn="just">
-              <a:buNone/>
-            </a:pPr>
-            <a:endParaRPr lang="pt-BR" sz="2400" dirty="0">
-              <a:latin typeface="Times New Roman" panose="02020603050405020304" pitchFamily="18" charset="0"/>
-              <a:cs typeface="Times New Roman" panose="02020603050405020304" pitchFamily="18" charset="0"/>
-            </a:endParaRPr>
-          </a:p>
-          <a:p>
-            <a:pPr marL="0" indent="0" algn="just">
-              <a:buNone/>
-            </a:pPr>
-            <a:endParaRPr lang="pt-BR" sz="2400" dirty="0">
-              <a:latin typeface="Times New Roman" panose="02020603050405020304" pitchFamily="18" charset="0"/>
-              <a:cs typeface="Times New Roman" panose="02020603050405020304" pitchFamily="18" charset="0"/>
-            </a:endParaRPr>
-          </a:p>
-          <a:p>
-            <a:pPr marL="0" indent="0" algn="just">
-              <a:buNone/>
-            </a:pPr>
-            <a:endParaRPr lang="pt-BR" sz="2400" dirty="0">
-              <a:latin typeface="Times New Roman" panose="02020603050405020304" pitchFamily="18" charset="0"/>
-              <a:cs typeface="Times New Roman" panose="02020603050405020304" pitchFamily="18" charset="0"/>
-            </a:endParaRPr>
-          </a:p>
-          <a:p>
-            <a:pPr marL="0" indent="0" algn="just">
-              <a:buNone/>
-            </a:pPr>
-            <a:endParaRPr lang="pt-BR" sz="2400" dirty="0">
-              <a:latin typeface="Calibri" panose="020F0502020204030204" pitchFamily="34" charset="0"/>
-            </a:endParaRPr>
+              <a:rPr lang="pt-BR" sz="2000" dirty="0">
+                <a:latin typeface="Times New Roman" panose="02020603050405020304" pitchFamily="18" charset="0"/>
+                <a:cs typeface="Times New Roman" panose="02020603050405020304" pitchFamily="18" charset="0"/>
+              </a:rPr>
+              <a:t>Cabe às empresas encontrar maneiras estratégicas de empregá-las para transformar a experiência do usuário, simplificar o dia a dia ou repensar processos onerosos e prejudiciais ao meio ambiente.</a:t>
+            </a:r>
           </a:p>
         </p:txBody>
       </p:sp>
     </p:spTree>
     <p:extLst>
       <p:ext uri="{BB962C8B-B14F-4D97-AF65-F5344CB8AC3E}">
-        <p14:creationId xmlns:p14="http://schemas.microsoft.com/office/powerpoint/2010/main" val="3680270425"/>
+        <p14:creationId xmlns:p14="http://schemas.microsoft.com/office/powerpoint/2010/main" val="413079777"/>
       </p:ext>
     </p:extLst>
   </p:cSld>
@@ -4684,7 +8419,7 @@
 </p:sld>
 </file>
 
-<file path=ppt/slides/slide5.xml><?xml version="1.0" encoding="utf-8"?>
+<file path=ppt/slides/slide22.xml><?xml version="1.0" encoding="utf-8"?>
 <p:sld xmlns:a="http://schemas.openxmlformats.org/drawingml/2006/main" xmlns:r="http://schemas.openxmlformats.org/officeDocument/2006/relationships" xmlns:p="http://schemas.openxmlformats.org/presentationml/2006/main">
   <p:cSld>
     <p:spTree>
@@ -4724,21 +8459,18 @@
           <a:lstStyle/>
           <a:p>
             <a:r>
-              <a:rPr lang="en-US" b="1" dirty="0" err="1">
+              <a:rPr lang="pt-BR" b="1">
                 <a:solidFill>
                   <a:srgbClr val="0070C0"/>
                 </a:solidFill>
               </a:rPr>
-              <a:t>Aprenda</a:t>
-            </a:r>
-            <a:r>
-              <a:rPr lang="en-US" b="1" dirty="0">
-                <a:solidFill>
-                  <a:srgbClr val="0070C0"/>
-                </a:solidFill>
-              </a:rPr>
-              <a:t>+</a:t>
-            </a:r>
+              <a:t>Tecnologias Emergentes</a:t>
+            </a:r>
+            <a:endParaRPr lang="en-US" b="1" dirty="0">
+              <a:solidFill>
+                <a:srgbClr val="0070C0"/>
+              </a:solidFill>
+            </a:endParaRPr>
           </a:p>
         </p:txBody>
       </p:sp>
@@ -4754,8 +8486,8 @@
         </p:nvSpPr>
         <p:spPr>
           <a:xfrm>
-            <a:off x="142865" y="1200150"/>
-            <a:ext cx="8865056" cy="3737370"/>
+            <a:off x="142865" y="1005078"/>
+            <a:ext cx="8865056" cy="3932442"/>
           </a:xfrm>
         </p:spPr>
         <p:txBody>
@@ -4764,135 +8496,197 @@
           </a:bodyPr>
           <a:lstStyle/>
           <a:p>
-            <a:pPr marL="0" indent="0" algn="just">
-              <a:buNone/>
-            </a:pPr>
-            <a:r>
-              <a:rPr lang="pt-BR" sz="2400" dirty="0">
-                <a:latin typeface="Times New Roman" panose="02020603050405020304" pitchFamily="18" charset="0"/>
-                <a:cs typeface="Times New Roman" panose="02020603050405020304" pitchFamily="18" charset="0"/>
-              </a:rPr>
-              <a:t>[1] </a:t>
-            </a:r>
-            <a:r>
-              <a:rPr lang="pt-BR" sz="2400" dirty="0" err="1">
-                <a:latin typeface="Times New Roman" panose="02020603050405020304" pitchFamily="18" charset="0"/>
-                <a:cs typeface="Times New Roman" panose="02020603050405020304" pitchFamily="18" charset="0"/>
-              </a:rPr>
-              <a:t>Desenv</a:t>
-            </a:r>
-            <a:r>
-              <a:rPr lang="pt-BR" sz="2400" dirty="0">
-                <a:latin typeface="Times New Roman" panose="02020603050405020304" pitchFamily="18" charset="0"/>
-                <a:cs typeface="Times New Roman" panose="02020603050405020304" pitchFamily="18" charset="0"/>
-              </a:rPr>
-              <a:t>. App Plataformas de Middleware Para IOT em Python.</a:t>
-            </a:r>
-          </a:p>
-          <a:p>
-            <a:pPr marL="0" indent="0" algn="just">
-              <a:buNone/>
-            </a:pPr>
-            <a:r>
-              <a:rPr lang="pt-BR" sz="2400" b="1" dirty="0">
-                <a:solidFill>
-                  <a:srgbClr val="FF0000"/>
-                </a:solidFill>
-                <a:latin typeface="Times New Roman" panose="02020603050405020304" pitchFamily="18" charset="0"/>
-                <a:cs typeface="Times New Roman" panose="02020603050405020304" pitchFamily="18" charset="0"/>
-              </a:rPr>
-              <a:t>Disponível em: </a:t>
-            </a:r>
-            <a:r>
-              <a:rPr lang="pt-BR" sz="2400" dirty="0">
-                <a:latin typeface="Times New Roman" panose="02020603050405020304" pitchFamily="18" charset="0"/>
-                <a:cs typeface="Times New Roman" panose="02020603050405020304" pitchFamily="18" charset="0"/>
-                <a:hlinkClick r:id="rId3"/>
-              </a:rPr>
-              <a:t>https://</a:t>
-            </a:r>
-            <a:endParaRPr lang="pt-BR" sz="2400" dirty="0">
+            <a:pPr algn="just">
+              <a:buFont typeface="Wingdings" panose="05000000000000000000" pitchFamily="2" charset="2"/>
+              <a:buChar char="§"/>
+            </a:pPr>
+            <a:r>
+              <a:rPr lang="pt-BR" sz="2000" dirty="0">
+                <a:latin typeface="Times New Roman" panose="02020603050405020304" pitchFamily="18" charset="0"/>
+                <a:cs typeface="Times New Roman" panose="02020603050405020304" pitchFamily="18" charset="0"/>
+              </a:rPr>
+              <a:t>Big Data e </a:t>
+            </a:r>
+            <a:r>
+              <a:rPr lang="pt-BR" sz="2000" dirty="0" err="1">
+                <a:latin typeface="Times New Roman" panose="02020603050405020304" pitchFamily="18" charset="0"/>
+                <a:cs typeface="Times New Roman" panose="02020603050405020304" pitchFamily="18" charset="0"/>
+              </a:rPr>
+              <a:t>Analytics</a:t>
+            </a:r>
+            <a:endParaRPr lang="pt-BR" sz="2000" dirty="0">
               <a:latin typeface="Times New Roman" panose="02020603050405020304" pitchFamily="18" charset="0"/>
               <a:cs typeface="Times New Roman" panose="02020603050405020304" pitchFamily="18" charset="0"/>
             </a:endParaRPr>
           </a:p>
           <a:p>
-            <a:pPr marL="0" indent="0" algn="just">
-              <a:buNone/>
-            </a:pPr>
-            <a:endParaRPr lang="pt-BR" sz="2400" dirty="0">
+            <a:pPr algn="just">
+              <a:buFont typeface="Wingdings" panose="05000000000000000000" pitchFamily="2" charset="2"/>
+              <a:buChar char="§"/>
+            </a:pPr>
+            <a:r>
+              <a:rPr lang="pt-BR" sz="2000" dirty="0" err="1">
+                <a:latin typeface="Times New Roman" panose="02020603050405020304" pitchFamily="18" charset="0"/>
+                <a:cs typeface="Times New Roman" panose="02020603050405020304" pitchFamily="18" charset="0"/>
+              </a:rPr>
+              <a:t>Machine</a:t>
+            </a:r>
+            <a:r>
+              <a:rPr lang="pt-BR" sz="2000" dirty="0">
+                <a:latin typeface="Times New Roman" panose="02020603050405020304" pitchFamily="18" charset="0"/>
+                <a:cs typeface="Times New Roman" panose="02020603050405020304" pitchFamily="18" charset="0"/>
+              </a:rPr>
+              <a:t> </a:t>
+            </a:r>
+            <a:r>
+              <a:rPr lang="pt-BR" sz="2000" dirty="0" err="1">
+                <a:latin typeface="Times New Roman" panose="02020603050405020304" pitchFamily="18" charset="0"/>
+                <a:cs typeface="Times New Roman" panose="02020603050405020304" pitchFamily="18" charset="0"/>
+              </a:rPr>
+              <a:t>Learnig</a:t>
+            </a:r>
+            <a:endParaRPr lang="pt-BR" sz="2000" dirty="0">
               <a:latin typeface="Times New Roman" panose="02020603050405020304" pitchFamily="18" charset="0"/>
               <a:cs typeface="Times New Roman" panose="02020603050405020304" pitchFamily="18" charset="0"/>
             </a:endParaRPr>
           </a:p>
           <a:p>
-            <a:pPr marL="0" indent="0" algn="just">
-              <a:buNone/>
-            </a:pPr>
-            <a:r>
-              <a:rPr lang="pt-BR" sz="2400" dirty="0">
-                <a:latin typeface="Times New Roman" panose="02020603050405020304" pitchFamily="18" charset="0"/>
-                <a:cs typeface="Times New Roman" panose="02020603050405020304" pitchFamily="18" charset="0"/>
-              </a:rPr>
-              <a:t>[2] </a:t>
-            </a:r>
-            <a:r>
-              <a:rPr lang="pt-BR" sz="2400" dirty="0" err="1">
-                <a:latin typeface="Times New Roman" panose="02020603050405020304" pitchFamily="18" charset="0"/>
-                <a:cs typeface="Times New Roman" panose="02020603050405020304" pitchFamily="18" charset="0"/>
-              </a:rPr>
-              <a:t>Desenv</a:t>
-            </a:r>
-            <a:r>
-              <a:rPr lang="pt-BR" sz="2400" dirty="0">
-                <a:latin typeface="Times New Roman" panose="02020603050405020304" pitchFamily="18" charset="0"/>
-                <a:cs typeface="Times New Roman" panose="02020603050405020304" pitchFamily="18" charset="0"/>
-              </a:rPr>
-              <a:t>. App Plataformas de Middleware Para IOT em Python. </a:t>
-            </a:r>
-          </a:p>
-          <a:p>
-            <a:pPr marL="0" indent="0" algn="just">
-              <a:buNone/>
-            </a:pPr>
-            <a:r>
-              <a:rPr lang="pt-BR" sz="2400" b="1" dirty="0">
-                <a:solidFill>
-                  <a:srgbClr val="FF0000"/>
-                </a:solidFill>
-                <a:latin typeface="Times New Roman" panose="02020603050405020304" pitchFamily="18" charset="0"/>
-                <a:cs typeface="Times New Roman" panose="02020603050405020304" pitchFamily="18" charset="0"/>
-              </a:rPr>
-              <a:t>Disponível em: </a:t>
-            </a:r>
-            <a:r>
-              <a:rPr lang="pt-BR" sz="2400" dirty="0">
-                <a:latin typeface="Times New Roman" panose="02020603050405020304" pitchFamily="18" charset="0"/>
-                <a:cs typeface="Times New Roman" panose="02020603050405020304" pitchFamily="18" charset="0"/>
-                <a:hlinkClick r:id="rId4"/>
-              </a:rPr>
-              <a:t>https://</a:t>
-            </a:r>
-            <a:endParaRPr lang="pt-BR" sz="2400" dirty="0">
+            <a:pPr algn="just">
+              <a:buFont typeface="Wingdings" panose="05000000000000000000" pitchFamily="2" charset="2"/>
+              <a:buChar char="§"/>
+            </a:pPr>
+            <a:r>
+              <a:rPr lang="pt-BR" sz="2000" dirty="0" err="1">
+                <a:latin typeface="Times New Roman" panose="02020603050405020304" pitchFamily="18" charset="0"/>
+                <a:cs typeface="Times New Roman" panose="02020603050405020304" pitchFamily="18" charset="0"/>
+              </a:rPr>
+              <a:t>Haddop</a:t>
+            </a:r>
+            <a:endParaRPr lang="pt-BR" sz="2000" dirty="0">
               <a:latin typeface="Times New Roman" panose="02020603050405020304" pitchFamily="18" charset="0"/>
               <a:cs typeface="Times New Roman" panose="02020603050405020304" pitchFamily="18" charset="0"/>
             </a:endParaRPr>
           </a:p>
           <a:p>
-            <a:pPr marL="0" indent="0" algn="just">
-              <a:buNone/>
-            </a:pPr>
-            <a:endParaRPr lang="pt-BR" sz="2400" dirty="0">
+            <a:pPr algn="just">
+              <a:buFont typeface="Wingdings" panose="05000000000000000000" pitchFamily="2" charset="2"/>
+              <a:buChar char="§"/>
+            </a:pPr>
+            <a:r>
+              <a:rPr lang="pt-BR" sz="2000" dirty="0">
+                <a:latin typeface="Times New Roman" panose="02020603050405020304" pitchFamily="18" charset="0"/>
+                <a:cs typeface="Times New Roman" panose="02020603050405020304" pitchFamily="18" charset="0"/>
+              </a:rPr>
+              <a:t>Map </a:t>
+            </a:r>
+            <a:r>
+              <a:rPr lang="pt-BR" sz="2000" dirty="0" err="1">
+                <a:latin typeface="Times New Roman" panose="02020603050405020304" pitchFamily="18" charset="0"/>
+                <a:cs typeface="Times New Roman" panose="02020603050405020304" pitchFamily="18" charset="0"/>
+              </a:rPr>
+              <a:t>Reduce</a:t>
+            </a:r>
+            <a:endParaRPr lang="pt-BR" sz="2000" dirty="0">
               <a:latin typeface="Times New Roman" panose="02020603050405020304" pitchFamily="18" charset="0"/>
               <a:cs typeface="Times New Roman" panose="02020603050405020304" pitchFamily="18" charset="0"/>
             </a:endParaRPr>
+          </a:p>
+          <a:p>
+            <a:pPr algn="just">
+              <a:buFont typeface="Wingdings" panose="05000000000000000000" pitchFamily="2" charset="2"/>
+              <a:buChar char="§"/>
+            </a:pPr>
+            <a:r>
+              <a:rPr lang="pt-BR" sz="2000" dirty="0">
+                <a:latin typeface="Times New Roman" panose="02020603050405020304" pitchFamily="18" charset="0"/>
+                <a:cs typeface="Times New Roman" panose="02020603050405020304" pitchFamily="18" charset="0"/>
+              </a:rPr>
+              <a:t>Big </a:t>
+            </a:r>
+            <a:r>
+              <a:rPr lang="pt-BR" sz="2000" dirty="0" err="1">
+                <a:latin typeface="Times New Roman" panose="02020603050405020304" pitchFamily="18" charset="0"/>
+                <a:cs typeface="Times New Roman" panose="02020603050405020304" pitchFamily="18" charset="0"/>
+              </a:rPr>
+              <a:t>Table</a:t>
+            </a:r>
+            <a:endParaRPr lang="pt-BR" sz="2000" dirty="0">
+              <a:latin typeface="Times New Roman" panose="02020603050405020304" pitchFamily="18" charset="0"/>
+              <a:cs typeface="Times New Roman" panose="02020603050405020304" pitchFamily="18" charset="0"/>
+            </a:endParaRPr>
+          </a:p>
+          <a:p>
+            <a:pPr algn="just">
+              <a:buFont typeface="Wingdings" panose="05000000000000000000" pitchFamily="2" charset="2"/>
+              <a:buChar char="§"/>
+            </a:pPr>
+            <a:r>
+              <a:rPr lang="pt-BR" sz="2000" dirty="0">
+                <a:latin typeface="Times New Roman" panose="02020603050405020304" pitchFamily="18" charset="0"/>
+                <a:cs typeface="Times New Roman" panose="02020603050405020304" pitchFamily="18" charset="0"/>
+              </a:rPr>
+              <a:t>AR – </a:t>
+            </a:r>
+            <a:r>
+              <a:rPr lang="pt-BR" sz="2000" dirty="0" err="1">
+                <a:latin typeface="Times New Roman" panose="02020603050405020304" pitchFamily="18" charset="0"/>
+                <a:cs typeface="Times New Roman" panose="02020603050405020304" pitchFamily="18" charset="0"/>
+              </a:rPr>
+              <a:t>Augmented</a:t>
+            </a:r>
+            <a:r>
+              <a:rPr lang="pt-BR" sz="2000" dirty="0">
+                <a:latin typeface="Times New Roman" panose="02020603050405020304" pitchFamily="18" charset="0"/>
+                <a:cs typeface="Times New Roman" panose="02020603050405020304" pitchFamily="18" charset="0"/>
+              </a:rPr>
+              <a:t> Reality</a:t>
+            </a:r>
+          </a:p>
+          <a:p>
+            <a:pPr algn="just">
+              <a:buFont typeface="Wingdings" panose="05000000000000000000" pitchFamily="2" charset="2"/>
+              <a:buChar char="§"/>
+            </a:pPr>
+            <a:r>
+              <a:rPr lang="pt-BR" sz="2000" dirty="0">
+                <a:latin typeface="Times New Roman" panose="02020603050405020304" pitchFamily="18" charset="0"/>
+                <a:cs typeface="Times New Roman" panose="02020603050405020304" pitchFamily="18" charset="0"/>
+              </a:rPr>
+              <a:t>VR - Virtual Reality</a:t>
+            </a:r>
+          </a:p>
+          <a:p>
+            <a:pPr algn="just">
+              <a:buFont typeface="Wingdings" panose="05000000000000000000" pitchFamily="2" charset="2"/>
+              <a:buChar char="§"/>
+            </a:pPr>
+            <a:r>
+              <a:rPr lang="pt-BR" sz="2000" dirty="0">
+                <a:latin typeface="Times New Roman" panose="02020603050405020304" pitchFamily="18" charset="0"/>
+                <a:cs typeface="Times New Roman" panose="02020603050405020304" pitchFamily="18" charset="0"/>
+              </a:rPr>
+              <a:t>MR – Realidade Mista</a:t>
+            </a:r>
+          </a:p>
+          <a:p>
+            <a:pPr algn="just">
+              <a:buFont typeface="Wingdings" panose="05000000000000000000" pitchFamily="2" charset="2"/>
+              <a:buChar char="§"/>
+            </a:pPr>
+            <a:r>
+              <a:rPr lang="pt-BR" sz="2000" dirty="0">
+                <a:latin typeface="Times New Roman" panose="02020603050405020304" pitchFamily="18" charset="0"/>
+                <a:cs typeface="Times New Roman" panose="02020603050405020304" pitchFamily="18" charset="0"/>
+              </a:rPr>
+              <a:t>XR – Todas as formas de realidade alterada</a:t>
+            </a:r>
           </a:p>
         </p:txBody>
       </p:sp>
     </p:spTree>
     <p:extLst>
       <p:ext uri="{BB962C8B-B14F-4D97-AF65-F5344CB8AC3E}">
-        <p14:creationId xmlns:p14="http://schemas.microsoft.com/office/powerpoint/2010/main" val="2747596967"/>
+        <p14:creationId xmlns:p14="http://schemas.microsoft.com/office/powerpoint/2010/main" val="2067174986"/>
       </p:ext>
     </p:extLst>
   </p:cSld>
@@ -4903,7 +8697,7 @@
 </p:sld>
 </file>
 
-<file path=ppt/slides/slide6.xml><?xml version="1.0" encoding="utf-8"?>
+<file path=ppt/slides/slide23.xml><?xml version="1.0" encoding="utf-8"?>
 <p:sld xmlns:a="http://schemas.openxmlformats.org/drawingml/2006/main" xmlns:r="http://schemas.openxmlformats.org/officeDocument/2006/relationships" xmlns:p="http://schemas.openxmlformats.org/presentationml/2006/main">
   <p:cSld>
     <p:spTree>
@@ -4943,28 +8737,12 @@
           <a:lstStyle/>
           <a:p>
             <a:r>
-              <a:rPr lang="en-US" b="1" dirty="0" err="1">
+              <a:rPr lang="pt-BR" b="1" dirty="0">
                 <a:solidFill>
                   <a:srgbClr val="0070C0"/>
                 </a:solidFill>
               </a:rPr>
-              <a:t>Dinâmica</a:t>
-            </a:r>
-            <a:r>
-              <a:rPr lang="en-US" b="1" dirty="0">
-                <a:solidFill>
-                  <a:srgbClr val="0070C0"/>
-                </a:solidFill>
-              </a:rPr>
-              <a:t>/</a:t>
-            </a:r>
-            <a:r>
-              <a:rPr lang="en-US" b="1" dirty="0" err="1">
-                <a:solidFill>
-                  <a:srgbClr val="0070C0"/>
-                </a:solidFill>
-              </a:rPr>
-              <a:t>Atividades</a:t>
+              <a:t>Tecnologias Emergentes</a:t>
             </a:r>
             <a:endParaRPr lang="en-US" b="1" dirty="0">
               <a:solidFill>
@@ -4986,8 +8764,8 @@
         </p:nvSpPr>
         <p:spPr>
           <a:xfrm>
-            <a:off x="139472" y="1063230"/>
-            <a:ext cx="8865056" cy="3606305"/>
+            <a:off x="142865" y="1005078"/>
+            <a:ext cx="8865056" cy="3932442"/>
           </a:xfrm>
         </p:spPr>
         <p:txBody>
@@ -4996,41 +8774,163 @@
           </a:bodyPr>
           <a:lstStyle/>
           <a:p>
-            <a:pPr marL="0" indent="0" algn="just">
-              <a:buNone/>
-            </a:pPr>
-            <a:r>
-              <a:rPr lang="pt-BR" sz="2400" dirty="0">
-                <a:latin typeface="Times New Roman" panose="02020603050405020304" pitchFamily="18" charset="0"/>
-                <a:cs typeface="Times New Roman" panose="02020603050405020304" pitchFamily="18" charset="0"/>
-              </a:rPr>
-              <a:t>Exercícios (Atividade Verificadora de Aprendizagem)</a:t>
-            </a:r>
-          </a:p>
-          <a:p>
-            <a:pPr marL="0" indent="0" algn="just">
-              <a:buNone/>
-            </a:pPr>
-            <a:endParaRPr lang="pt-BR" sz="2400">
+            <a:pPr algn="just">
+              <a:buFont typeface="Wingdings" panose="05000000000000000000" pitchFamily="2" charset="2"/>
+              <a:buChar char="§"/>
+            </a:pPr>
+            <a:r>
+              <a:rPr lang="pt-BR" sz="2000" dirty="0">
+                <a:latin typeface="Times New Roman" panose="02020603050405020304" pitchFamily="18" charset="0"/>
+                <a:cs typeface="Times New Roman" panose="02020603050405020304" pitchFamily="18" charset="0"/>
+              </a:rPr>
+              <a:t>IA</a:t>
+            </a:r>
+          </a:p>
+          <a:p>
+            <a:pPr algn="just">
+              <a:buFont typeface="Wingdings" panose="05000000000000000000" pitchFamily="2" charset="2"/>
+              <a:buChar char="§"/>
+            </a:pPr>
+            <a:r>
+              <a:rPr lang="pt-BR" sz="2000" dirty="0">
+                <a:latin typeface="Times New Roman" panose="02020603050405020304" pitchFamily="18" charset="0"/>
+                <a:cs typeface="Times New Roman" panose="02020603050405020304" pitchFamily="18" charset="0"/>
+              </a:rPr>
+              <a:t>Drones</a:t>
+            </a:r>
+          </a:p>
+          <a:p>
+            <a:pPr algn="just">
+              <a:buFont typeface="Wingdings" panose="05000000000000000000" pitchFamily="2" charset="2"/>
+              <a:buChar char="§"/>
+            </a:pPr>
+            <a:r>
+              <a:rPr lang="pt-BR" sz="2000" dirty="0" err="1">
+                <a:latin typeface="Times New Roman" panose="02020603050405020304" pitchFamily="18" charset="0"/>
+                <a:cs typeface="Times New Roman" panose="02020603050405020304" pitchFamily="18" charset="0"/>
+              </a:rPr>
+              <a:t>IoT</a:t>
+            </a:r>
+            <a:endParaRPr lang="pt-BR" sz="2000" dirty="0">
               <a:latin typeface="Times New Roman" panose="02020603050405020304" pitchFamily="18" charset="0"/>
               <a:cs typeface="Times New Roman" panose="02020603050405020304" pitchFamily="18" charset="0"/>
             </a:endParaRPr>
           </a:p>
           <a:p>
-            <a:pPr marL="0" indent="0" algn="just">
-              <a:buNone/>
-            </a:pPr>
-            <a:endParaRPr lang="pt-BR" sz="2400" dirty="0">
+            <a:pPr algn="just">
+              <a:buFont typeface="Wingdings" panose="05000000000000000000" pitchFamily="2" charset="2"/>
+              <a:buChar char="§"/>
+            </a:pPr>
+            <a:r>
+              <a:rPr lang="pt-BR" sz="2000" dirty="0" err="1">
+                <a:latin typeface="Times New Roman" panose="02020603050405020304" pitchFamily="18" charset="0"/>
+                <a:cs typeface="Times New Roman" panose="02020603050405020304" pitchFamily="18" charset="0"/>
+              </a:rPr>
+              <a:t>Cleantechs</a:t>
+            </a:r>
+            <a:endParaRPr lang="pt-BR" sz="2000" dirty="0">
               <a:latin typeface="Times New Roman" panose="02020603050405020304" pitchFamily="18" charset="0"/>
               <a:cs typeface="Times New Roman" panose="02020603050405020304" pitchFamily="18" charset="0"/>
             </a:endParaRPr>
+          </a:p>
+          <a:p>
+            <a:pPr algn="just">
+              <a:buFont typeface="Wingdings" panose="05000000000000000000" pitchFamily="2" charset="2"/>
+              <a:buChar char="§"/>
+            </a:pPr>
+            <a:r>
+              <a:rPr lang="pt-BR" sz="2000" dirty="0" err="1">
+                <a:latin typeface="Times New Roman" panose="02020603050405020304" pitchFamily="18" charset="0"/>
+                <a:cs typeface="Times New Roman" panose="02020603050405020304" pitchFamily="18" charset="0"/>
+              </a:rPr>
+              <a:t>SmartCities</a:t>
+            </a:r>
+            <a:endParaRPr lang="pt-BR" sz="2000" dirty="0">
+              <a:latin typeface="Times New Roman" panose="02020603050405020304" pitchFamily="18" charset="0"/>
+              <a:cs typeface="Times New Roman" panose="02020603050405020304" pitchFamily="18" charset="0"/>
+            </a:endParaRPr>
+          </a:p>
+          <a:p>
+            <a:pPr algn="just">
+              <a:buFont typeface="Wingdings" panose="05000000000000000000" pitchFamily="2" charset="2"/>
+              <a:buChar char="§"/>
+            </a:pPr>
+            <a:r>
+              <a:rPr lang="pt-BR" sz="2000" b="1" dirty="0">
+                <a:solidFill>
+                  <a:srgbClr val="FF0000"/>
+                </a:solidFill>
+                <a:latin typeface="Times New Roman" panose="02020603050405020304" pitchFamily="18" charset="0"/>
+                <a:cs typeface="Times New Roman" panose="02020603050405020304" pitchFamily="18" charset="0"/>
+              </a:rPr>
+              <a:t>5G</a:t>
+            </a:r>
+            <a:r>
+              <a:rPr lang="pt-BR" sz="2000" dirty="0">
+                <a:latin typeface="Times New Roman" panose="02020603050405020304" pitchFamily="18" charset="0"/>
+                <a:cs typeface="Times New Roman" panose="02020603050405020304" pitchFamily="18" charset="0"/>
+              </a:rPr>
+              <a:t> e Wi-Fi 6</a:t>
+            </a:r>
+          </a:p>
+          <a:p>
+            <a:pPr algn="just">
+              <a:buFont typeface="Wingdings" panose="05000000000000000000" pitchFamily="2" charset="2"/>
+              <a:buChar char="§"/>
+            </a:pPr>
+            <a:r>
+              <a:rPr lang="pt-BR" sz="2000" dirty="0">
+                <a:latin typeface="Times New Roman" panose="02020603050405020304" pitchFamily="18" charset="0"/>
+                <a:cs typeface="Times New Roman" panose="02020603050405020304" pitchFamily="18" charset="0"/>
+              </a:rPr>
+              <a:t>IPV6</a:t>
+            </a:r>
+          </a:p>
+          <a:p>
+            <a:pPr algn="just">
+              <a:buFont typeface="Wingdings" panose="05000000000000000000" pitchFamily="2" charset="2"/>
+              <a:buChar char="§"/>
+            </a:pPr>
+            <a:r>
+              <a:rPr lang="pt-BR" sz="2000" dirty="0">
+                <a:latin typeface="Times New Roman" panose="02020603050405020304" pitchFamily="18" charset="0"/>
+                <a:cs typeface="Times New Roman" panose="02020603050405020304" pitchFamily="18" charset="0"/>
+              </a:rPr>
+              <a:t>Computação Cognitiva</a:t>
+            </a:r>
+          </a:p>
+          <a:p>
+            <a:pPr algn="just">
+              <a:buFont typeface="Wingdings" panose="05000000000000000000" pitchFamily="2" charset="2"/>
+              <a:buChar char="§"/>
+            </a:pPr>
+            <a:r>
+              <a:rPr lang="pt-BR" sz="2000" dirty="0">
+                <a:latin typeface="Times New Roman" panose="02020603050405020304" pitchFamily="18" charset="0"/>
+                <a:cs typeface="Times New Roman" panose="02020603050405020304" pitchFamily="18" charset="0"/>
+              </a:rPr>
+              <a:t>Metaverso</a:t>
+            </a:r>
+          </a:p>
+          <a:p>
+            <a:pPr algn="just">
+              <a:buFont typeface="Wingdings" panose="05000000000000000000" pitchFamily="2" charset="2"/>
+              <a:buChar char="§"/>
+            </a:pPr>
+            <a:r>
+              <a:rPr lang="pt-BR" sz="2000" dirty="0">
+                <a:latin typeface="Times New Roman" panose="02020603050405020304" pitchFamily="18" charset="0"/>
+                <a:cs typeface="Times New Roman" panose="02020603050405020304" pitchFamily="18" charset="0"/>
+              </a:rPr>
+              <a:t>Simulação em 3D</a:t>
+            </a:r>
           </a:p>
         </p:txBody>
       </p:sp>
     </p:spTree>
     <p:extLst>
       <p:ext uri="{BB962C8B-B14F-4D97-AF65-F5344CB8AC3E}">
-        <p14:creationId xmlns:p14="http://schemas.microsoft.com/office/powerpoint/2010/main" val="1397642976"/>
+        <p14:creationId xmlns:p14="http://schemas.microsoft.com/office/powerpoint/2010/main" val="1914591231"/>
       </p:ext>
     </p:extLst>
   </p:cSld>
@@ -5041,7 +8941,7 @@
 </p:sld>
 </file>
 
-<file path=ppt/slides/slide7.xml><?xml version="1.0" encoding="utf-8"?>
+<file path=ppt/slides/slide24.xml><?xml version="1.0" encoding="utf-8"?>
 <p:sld xmlns:a="http://schemas.openxmlformats.org/drawingml/2006/main" xmlns:r="http://schemas.openxmlformats.org/officeDocument/2006/relationships" xmlns:p="http://schemas.openxmlformats.org/presentationml/2006/main">
   <p:cSld>
     <p:spTree>
@@ -5086,6 +8986,725 @@
                   <a:srgbClr val="0070C0"/>
                 </a:solidFill>
               </a:rPr>
+              <a:t>Leitura</a:t>
+            </a:r>
+            <a:r>
+              <a:rPr lang="en-US" b="1" dirty="0">
+                <a:solidFill>
+                  <a:srgbClr val="0070C0"/>
+                </a:solidFill>
+              </a:rPr>
+              <a:t> </a:t>
+            </a:r>
+            <a:r>
+              <a:rPr lang="en-US" b="1" dirty="0" err="1">
+                <a:solidFill>
+                  <a:srgbClr val="0070C0"/>
+                </a:solidFill>
+              </a:rPr>
+              <a:t>Específica</a:t>
+            </a:r>
+            <a:endParaRPr lang="en-US" b="1" dirty="0">
+              <a:solidFill>
+                <a:srgbClr val="0070C0"/>
+              </a:solidFill>
+            </a:endParaRPr>
+          </a:p>
+        </p:txBody>
+      </p:sp>
+      <p:sp>
+        <p:nvSpPr>
+          <p:cNvPr id="8" name="Text Placeholder 2"/>
+          <p:cNvSpPr>
+            <a:spLocks noGrp="1"/>
+          </p:cNvSpPr>
+          <p:nvPr>
+            <p:ph type="body" sz="half" idx="1"/>
+          </p:nvPr>
+        </p:nvSpPr>
+        <p:spPr>
+          <a:xfrm>
+            <a:off x="142865" y="1017270"/>
+            <a:ext cx="8865056" cy="3920249"/>
+          </a:xfrm>
+        </p:spPr>
+        <p:txBody>
+          <a:bodyPr>
+            <a:noAutofit/>
+          </a:bodyPr>
+          <a:lstStyle/>
+          <a:p>
+            <a:pPr marL="0" indent="0" algn="just">
+              <a:buNone/>
+            </a:pPr>
+            <a:r>
+              <a:rPr lang="pt-BR" sz="1800" dirty="0">
+                <a:latin typeface="Times New Roman" panose="02020603050405020304" pitchFamily="18" charset="0"/>
+                <a:cs typeface="Times New Roman" panose="02020603050405020304" pitchFamily="18" charset="0"/>
+              </a:rPr>
+              <a:t>[1] </a:t>
+            </a:r>
+            <a:r>
+              <a:rPr lang="pt-BR" sz="1800" b="1" dirty="0">
+                <a:latin typeface="Times New Roman" panose="02020603050405020304" pitchFamily="18" charset="0"/>
+                <a:cs typeface="Times New Roman" panose="02020603050405020304" pitchFamily="18" charset="0"/>
+              </a:rPr>
+              <a:t>Inovações Tecnológicas na Indústria 4.0</a:t>
+            </a:r>
+            <a:r>
+              <a:rPr lang="pt-BR" sz="1800" dirty="0">
+                <a:latin typeface="Times New Roman" panose="02020603050405020304" pitchFamily="18" charset="0"/>
+                <a:cs typeface="Times New Roman" panose="02020603050405020304" pitchFamily="18" charset="0"/>
+              </a:rPr>
+              <a:t>.</a:t>
+            </a:r>
+          </a:p>
+          <a:p>
+            <a:pPr marL="0" indent="0" algn="just">
+              <a:buNone/>
+            </a:pPr>
+            <a:r>
+              <a:rPr lang="pt-BR" sz="1800" b="1" dirty="0">
+                <a:solidFill>
+                  <a:srgbClr val="FF0000"/>
+                </a:solidFill>
+                <a:latin typeface="Times New Roman" panose="02020603050405020304" pitchFamily="18" charset="0"/>
+                <a:cs typeface="Times New Roman" panose="02020603050405020304" pitchFamily="18" charset="0"/>
+              </a:rPr>
+              <a:t>Disponível em:</a:t>
+            </a:r>
+          </a:p>
+          <a:p>
+            <a:pPr marL="0" indent="0" algn="just">
+              <a:buNone/>
+            </a:pPr>
+            <a:r>
+              <a:rPr lang="pt-BR" sz="1800" dirty="0">
+                <a:latin typeface="Times New Roman" panose="02020603050405020304" pitchFamily="18" charset="0"/>
+                <a:cs typeface="Times New Roman" panose="02020603050405020304" pitchFamily="18" charset="0"/>
+                <a:hlinkClick r:id="rId3"/>
+              </a:rPr>
+              <a:t>https://repositorio.ufc.br/bitstream/riufc/60805/1/2017_eve_mralbertin.pdf</a:t>
+            </a:r>
+            <a:endParaRPr lang="pt-BR" sz="1800" dirty="0">
+              <a:latin typeface="Times New Roman" panose="02020603050405020304" pitchFamily="18" charset="0"/>
+              <a:cs typeface="Times New Roman" panose="02020603050405020304" pitchFamily="18" charset="0"/>
+            </a:endParaRPr>
+          </a:p>
+          <a:p>
+            <a:pPr marL="0" indent="0" algn="just">
+              <a:buNone/>
+            </a:pPr>
+            <a:endParaRPr lang="pt-BR" sz="1800" dirty="0">
+              <a:latin typeface="Times New Roman" panose="02020603050405020304" pitchFamily="18" charset="0"/>
+              <a:cs typeface="Times New Roman" panose="02020603050405020304" pitchFamily="18" charset="0"/>
+            </a:endParaRPr>
+          </a:p>
+          <a:p>
+            <a:pPr marL="0" indent="0" algn="just">
+              <a:buNone/>
+            </a:pPr>
+            <a:r>
+              <a:rPr lang="pt-BR" sz="1800" dirty="0">
+                <a:latin typeface="Times New Roman" panose="02020603050405020304" pitchFamily="18" charset="0"/>
+                <a:cs typeface="Times New Roman" panose="02020603050405020304" pitchFamily="18" charset="0"/>
+              </a:rPr>
+              <a:t>[2] </a:t>
+            </a:r>
+            <a:r>
+              <a:rPr lang="pt-BR" sz="1800" b="1" dirty="0">
+                <a:latin typeface="Times New Roman" panose="02020603050405020304" pitchFamily="18" charset="0"/>
+                <a:cs typeface="Times New Roman" panose="02020603050405020304" pitchFamily="18" charset="0"/>
+              </a:rPr>
+              <a:t>Tecnologias Emergentes na Indústria 4.0</a:t>
+            </a:r>
+            <a:r>
+              <a:rPr lang="pt-BR" sz="1800" dirty="0">
+                <a:latin typeface="Times New Roman" panose="02020603050405020304" pitchFamily="18" charset="0"/>
+                <a:cs typeface="Times New Roman" panose="02020603050405020304" pitchFamily="18" charset="0"/>
+              </a:rPr>
+              <a:t>. </a:t>
+            </a:r>
+          </a:p>
+          <a:p>
+            <a:pPr marL="0" indent="0" algn="just">
+              <a:buNone/>
+            </a:pPr>
+            <a:r>
+              <a:rPr lang="pt-BR" sz="1800" b="1" dirty="0">
+                <a:solidFill>
+                  <a:srgbClr val="FF0000"/>
+                </a:solidFill>
+                <a:latin typeface="Times New Roman" panose="02020603050405020304" pitchFamily="18" charset="0"/>
+                <a:cs typeface="Times New Roman" panose="02020603050405020304" pitchFamily="18" charset="0"/>
+              </a:rPr>
+              <a:t>Disponível em: </a:t>
+            </a:r>
+          </a:p>
+          <a:p>
+            <a:pPr marL="0" indent="0" algn="just">
+              <a:buNone/>
+            </a:pPr>
+            <a:r>
+              <a:rPr lang="pt-BR" sz="1800" dirty="0">
+                <a:latin typeface="Times New Roman" panose="02020603050405020304" pitchFamily="18" charset="0"/>
+                <a:cs typeface="Times New Roman" panose="02020603050405020304" pitchFamily="18" charset="0"/>
+                <a:hlinkClick r:id="rId4"/>
+              </a:rPr>
+              <a:t>http://educa.fcc.org.br/scielo.php?pid=S2178-52012020000100124&amp;script=sci_arttext</a:t>
+            </a:r>
+            <a:endParaRPr lang="pt-BR" sz="1800" dirty="0">
+              <a:latin typeface="Times New Roman" panose="02020603050405020304" pitchFamily="18" charset="0"/>
+              <a:cs typeface="Times New Roman" panose="02020603050405020304" pitchFamily="18" charset="0"/>
+            </a:endParaRPr>
+          </a:p>
+          <a:p>
+            <a:pPr marL="0" indent="0" algn="just">
+              <a:buNone/>
+            </a:pPr>
+            <a:endParaRPr lang="pt-BR" sz="1800" dirty="0">
+              <a:latin typeface="Times New Roman" panose="02020603050405020304" pitchFamily="18" charset="0"/>
+              <a:cs typeface="Times New Roman" panose="02020603050405020304" pitchFamily="18" charset="0"/>
+              <a:hlinkClick r:id="rId5"/>
+            </a:endParaRPr>
+          </a:p>
+          <a:p>
+            <a:pPr marL="0" indent="0" algn="just">
+              <a:buNone/>
+            </a:pPr>
+            <a:r>
+              <a:rPr lang="pt-BR" sz="1800" dirty="0">
+                <a:latin typeface="Times New Roman" panose="02020603050405020304" pitchFamily="18" charset="0"/>
+                <a:cs typeface="Times New Roman" panose="02020603050405020304" pitchFamily="18" charset="0"/>
+                <a:hlinkClick r:id="rId5"/>
+              </a:rPr>
+              <a:t>https://www.ey.com/pt_br/consulting/how-emerging-technologies-can-usher-in-the-dawn-of-pervasive-intelligence</a:t>
+            </a:r>
+            <a:endParaRPr lang="pt-BR" sz="1800" dirty="0">
+              <a:latin typeface="Calibri" panose="020F0502020204030204" pitchFamily="34" charset="0"/>
+            </a:endParaRPr>
+          </a:p>
+        </p:txBody>
+      </p:sp>
+    </p:spTree>
+    <p:extLst>
+      <p:ext uri="{BB962C8B-B14F-4D97-AF65-F5344CB8AC3E}">
+        <p14:creationId xmlns:p14="http://schemas.microsoft.com/office/powerpoint/2010/main" val="3680270425"/>
+      </p:ext>
+    </p:extLst>
+  </p:cSld>
+  <p:clrMapOvr>
+    <a:masterClrMapping/>
+  </p:clrMapOvr>
+  <p:transition spd="med"/>
+</p:sld>
+</file>
+
+<file path=ppt/slides/slide25.xml><?xml version="1.0" encoding="utf-8"?>
+<p:sld xmlns:a="http://schemas.openxmlformats.org/drawingml/2006/main" xmlns:r="http://schemas.openxmlformats.org/officeDocument/2006/relationships" xmlns:p="http://schemas.openxmlformats.org/presentationml/2006/main">
+  <p:cSld>
+    <p:spTree>
+      <p:nvGrpSpPr>
+        <p:cNvPr id="1" name=""/>
+        <p:cNvGrpSpPr/>
+        <p:nvPr/>
+      </p:nvGrpSpPr>
+      <p:grpSpPr>
+        <a:xfrm>
+          <a:off x="0" y="0"/>
+          <a:ext cx="0" cy="0"/>
+          <a:chOff x="0" y="0"/>
+          <a:chExt cx="0" cy="0"/>
+        </a:xfrm>
+      </p:grpSpPr>
+      <p:sp>
+        <p:nvSpPr>
+          <p:cNvPr id="6" name="Title 1"/>
+          <p:cNvSpPr>
+            <a:spLocks noGrp="1"/>
+          </p:cNvSpPr>
+          <p:nvPr>
+            <p:ph type="title"/>
+          </p:nvPr>
+        </p:nvSpPr>
+        <p:spPr>
+          <a:xfrm>
+            <a:off x="457200" y="205980"/>
+            <a:ext cx="8229600" cy="857251"/>
+          </a:xfrm>
+        </p:spPr>
+        <p:txBody>
+          <a:bodyPr>
+            <a:normAutofit/>
+          </a:bodyPr>
+          <a:lstStyle/>
+          <a:p>
+            <a:r>
+              <a:rPr lang="en-US" b="1" dirty="0" err="1">
+                <a:solidFill>
+                  <a:srgbClr val="0070C0"/>
+                </a:solidFill>
+              </a:rPr>
+              <a:t>Aprenda</a:t>
+            </a:r>
+            <a:r>
+              <a:rPr lang="en-US" b="1" dirty="0">
+                <a:solidFill>
+                  <a:srgbClr val="0070C0"/>
+                </a:solidFill>
+              </a:rPr>
+              <a:t>+</a:t>
+            </a:r>
+          </a:p>
+        </p:txBody>
+      </p:sp>
+      <p:sp>
+        <p:nvSpPr>
+          <p:cNvPr id="8" name="Text Placeholder 2"/>
+          <p:cNvSpPr>
+            <a:spLocks noGrp="1"/>
+          </p:cNvSpPr>
+          <p:nvPr>
+            <p:ph type="body" sz="half" idx="1"/>
+          </p:nvPr>
+        </p:nvSpPr>
+        <p:spPr>
+          <a:xfrm>
+            <a:off x="142865" y="1200150"/>
+            <a:ext cx="8865056" cy="3737370"/>
+          </a:xfrm>
+        </p:spPr>
+        <p:txBody>
+          <a:bodyPr>
+            <a:noAutofit/>
+          </a:bodyPr>
+          <a:lstStyle/>
+          <a:p>
+            <a:pPr marL="0" indent="0" algn="just">
+              <a:buNone/>
+            </a:pPr>
+            <a:r>
+              <a:rPr lang="pt-BR" sz="2000" dirty="0">
+                <a:latin typeface="Times New Roman" panose="02020603050405020304" pitchFamily="18" charset="0"/>
+                <a:cs typeface="Times New Roman" panose="02020603050405020304" pitchFamily="18" charset="0"/>
+              </a:rPr>
+              <a:t>[1] </a:t>
+            </a:r>
+            <a:r>
+              <a:rPr lang="pt-BR" sz="2000" b="1" dirty="0">
+                <a:latin typeface="Times New Roman" panose="02020603050405020304" pitchFamily="18" charset="0"/>
+                <a:cs typeface="Times New Roman" panose="02020603050405020304" pitchFamily="18" charset="0"/>
+              </a:rPr>
+              <a:t>Indústria 4.0</a:t>
+            </a:r>
+            <a:r>
+              <a:rPr lang="pt-BR" sz="2000" dirty="0">
+                <a:latin typeface="Times New Roman" panose="02020603050405020304" pitchFamily="18" charset="0"/>
+                <a:cs typeface="Times New Roman" panose="02020603050405020304" pitchFamily="18" charset="0"/>
+              </a:rPr>
+              <a:t>.</a:t>
+            </a:r>
+          </a:p>
+          <a:p>
+            <a:pPr marL="0" indent="0" algn="just">
+              <a:buNone/>
+            </a:pPr>
+            <a:r>
+              <a:rPr lang="pt-BR" sz="2000" b="1" dirty="0">
+                <a:solidFill>
+                  <a:srgbClr val="FF0000"/>
+                </a:solidFill>
+                <a:latin typeface="Times New Roman" panose="02020603050405020304" pitchFamily="18" charset="0"/>
+                <a:cs typeface="Times New Roman" panose="02020603050405020304" pitchFamily="18" charset="0"/>
+              </a:rPr>
+              <a:t>Disponível em:</a:t>
+            </a:r>
+          </a:p>
+          <a:p>
+            <a:pPr marL="0" indent="0" algn="just">
+              <a:buNone/>
+            </a:pPr>
+            <a:r>
+              <a:rPr lang="pt-BR" sz="2000" dirty="0">
+                <a:latin typeface="Times New Roman" panose="02020603050405020304" pitchFamily="18" charset="0"/>
+                <a:cs typeface="Times New Roman" panose="02020603050405020304" pitchFamily="18" charset="0"/>
+                <a:hlinkClick r:id="rId3"/>
+              </a:rPr>
+              <a:t>https://www.portaldaindustria.com.br/industria-de-a-z/industria-4-0/</a:t>
+            </a:r>
+            <a:endParaRPr lang="pt-BR" sz="2000" dirty="0">
+              <a:latin typeface="Times New Roman" panose="02020603050405020304" pitchFamily="18" charset="0"/>
+              <a:cs typeface="Times New Roman" panose="02020603050405020304" pitchFamily="18" charset="0"/>
+            </a:endParaRPr>
+          </a:p>
+          <a:p>
+            <a:pPr marL="0" indent="0" algn="just">
+              <a:buNone/>
+            </a:pPr>
+            <a:endParaRPr lang="pt-BR" sz="2000" dirty="0">
+              <a:latin typeface="Times New Roman" panose="02020603050405020304" pitchFamily="18" charset="0"/>
+              <a:cs typeface="Times New Roman" panose="02020603050405020304" pitchFamily="18" charset="0"/>
+            </a:endParaRPr>
+          </a:p>
+          <a:p>
+            <a:pPr marL="0" indent="0" algn="just">
+              <a:buNone/>
+            </a:pPr>
+            <a:r>
+              <a:rPr lang="pt-BR" sz="2000" dirty="0">
+                <a:latin typeface="Times New Roman" panose="02020603050405020304" pitchFamily="18" charset="0"/>
+                <a:cs typeface="Times New Roman" panose="02020603050405020304" pitchFamily="18" charset="0"/>
+              </a:rPr>
+              <a:t>[2] </a:t>
+            </a:r>
+            <a:r>
+              <a:rPr lang="pt-BR" sz="2000" b="1" dirty="0">
+                <a:latin typeface="Times New Roman" panose="02020603050405020304" pitchFamily="18" charset="0"/>
+                <a:cs typeface="Times New Roman" panose="02020603050405020304" pitchFamily="18" charset="0"/>
+              </a:rPr>
+              <a:t>Inovações Tecnológicas na Indústria 4.0</a:t>
+            </a:r>
+            <a:r>
+              <a:rPr lang="pt-BR" sz="2000" dirty="0">
+                <a:latin typeface="Times New Roman" panose="02020603050405020304" pitchFamily="18" charset="0"/>
+                <a:cs typeface="Times New Roman" panose="02020603050405020304" pitchFamily="18" charset="0"/>
+              </a:rPr>
+              <a:t>. </a:t>
+            </a:r>
+          </a:p>
+          <a:p>
+            <a:pPr marL="0" indent="0" algn="just">
+              <a:buNone/>
+            </a:pPr>
+            <a:r>
+              <a:rPr lang="pt-BR" sz="2000" b="1" dirty="0">
+                <a:solidFill>
+                  <a:srgbClr val="FF0000"/>
+                </a:solidFill>
+                <a:latin typeface="Times New Roman" panose="02020603050405020304" pitchFamily="18" charset="0"/>
+                <a:cs typeface="Times New Roman" panose="02020603050405020304" pitchFamily="18" charset="0"/>
+              </a:rPr>
+              <a:t>Disponível em: </a:t>
+            </a:r>
+            <a:r>
+              <a:rPr lang="pt-BR" sz="2000" dirty="0">
+                <a:solidFill>
+                  <a:srgbClr val="FF0000"/>
+                </a:solidFill>
+                <a:latin typeface="Times New Roman" panose="02020603050405020304" pitchFamily="18" charset="0"/>
+                <a:cs typeface="Times New Roman" panose="02020603050405020304" pitchFamily="18" charset="0"/>
+                <a:hlinkClick r:id="rId4"/>
+              </a:rPr>
+              <a:t>https://youtu.be/g_JJ9fRGioI</a:t>
+            </a:r>
+            <a:endParaRPr lang="pt-BR" sz="2000" dirty="0">
+              <a:solidFill>
+                <a:srgbClr val="FF0000"/>
+              </a:solidFill>
+              <a:latin typeface="Times New Roman" panose="02020603050405020304" pitchFamily="18" charset="0"/>
+              <a:cs typeface="Times New Roman" panose="02020603050405020304" pitchFamily="18" charset="0"/>
+            </a:endParaRPr>
+          </a:p>
+          <a:p>
+            <a:pPr marL="0" indent="0" algn="just">
+              <a:buNone/>
+            </a:pPr>
+            <a:endParaRPr lang="pt-BR" sz="2000" dirty="0">
+              <a:latin typeface="Times New Roman" panose="02020603050405020304" pitchFamily="18" charset="0"/>
+              <a:cs typeface="Times New Roman" panose="02020603050405020304" pitchFamily="18" charset="0"/>
+            </a:endParaRPr>
+          </a:p>
+        </p:txBody>
+      </p:sp>
+    </p:spTree>
+    <p:extLst>
+      <p:ext uri="{BB962C8B-B14F-4D97-AF65-F5344CB8AC3E}">
+        <p14:creationId xmlns:p14="http://schemas.microsoft.com/office/powerpoint/2010/main" val="2747596967"/>
+      </p:ext>
+    </p:extLst>
+  </p:cSld>
+  <p:clrMapOvr>
+    <a:masterClrMapping/>
+  </p:clrMapOvr>
+  <p:transition spd="med"/>
+</p:sld>
+</file>
+
+<file path=ppt/slides/slide26.xml><?xml version="1.0" encoding="utf-8"?>
+<p:sld xmlns:a="http://schemas.openxmlformats.org/drawingml/2006/main" xmlns:r="http://schemas.openxmlformats.org/officeDocument/2006/relationships" xmlns:p="http://schemas.openxmlformats.org/presentationml/2006/main">
+  <p:cSld>
+    <p:spTree>
+      <p:nvGrpSpPr>
+        <p:cNvPr id="1" name=""/>
+        <p:cNvGrpSpPr/>
+        <p:nvPr/>
+      </p:nvGrpSpPr>
+      <p:grpSpPr>
+        <a:xfrm>
+          <a:off x="0" y="0"/>
+          <a:ext cx="0" cy="0"/>
+          <a:chOff x="0" y="0"/>
+          <a:chExt cx="0" cy="0"/>
+        </a:xfrm>
+      </p:grpSpPr>
+      <p:sp>
+        <p:nvSpPr>
+          <p:cNvPr id="6" name="Title 1"/>
+          <p:cNvSpPr>
+            <a:spLocks noGrp="1"/>
+          </p:cNvSpPr>
+          <p:nvPr>
+            <p:ph type="title"/>
+          </p:nvPr>
+        </p:nvSpPr>
+        <p:spPr>
+          <a:xfrm>
+            <a:off x="457200" y="205980"/>
+            <a:ext cx="8229600" cy="857251"/>
+          </a:xfrm>
+        </p:spPr>
+        <p:txBody>
+          <a:bodyPr>
+            <a:normAutofit/>
+          </a:bodyPr>
+          <a:lstStyle/>
+          <a:p>
+            <a:r>
+              <a:rPr lang="en-US" b="1" dirty="0" err="1">
+                <a:solidFill>
+                  <a:srgbClr val="0070C0"/>
+                </a:solidFill>
+              </a:rPr>
+              <a:t>Dinâmica</a:t>
+            </a:r>
+            <a:r>
+              <a:rPr lang="en-US" b="1" dirty="0">
+                <a:solidFill>
+                  <a:srgbClr val="0070C0"/>
+                </a:solidFill>
+              </a:rPr>
+              <a:t>/</a:t>
+            </a:r>
+            <a:r>
+              <a:rPr lang="en-US" b="1" dirty="0" err="1">
+                <a:solidFill>
+                  <a:srgbClr val="0070C0"/>
+                </a:solidFill>
+              </a:rPr>
+              <a:t>Atividades</a:t>
+            </a:r>
+            <a:endParaRPr lang="en-US" b="1" dirty="0">
+              <a:solidFill>
+                <a:srgbClr val="0070C0"/>
+              </a:solidFill>
+            </a:endParaRPr>
+          </a:p>
+        </p:txBody>
+      </p:sp>
+      <p:sp>
+        <p:nvSpPr>
+          <p:cNvPr id="8" name="Text Placeholder 2"/>
+          <p:cNvSpPr>
+            <a:spLocks noGrp="1"/>
+          </p:cNvSpPr>
+          <p:nvPr>
+            <p:ph type="body" sz="half" idx="1"/>
+          </p:nvPr>
+        </p:nvSpPr>
+        <p:spPr>
+          <a:xfrm>
+            <a:off x="139472" y="1063230"/>
+            <a:ext cx="8865056" cy="3606305"/>
+          </a:xfrm>
+        </p:spPr>
+        <p:txBody>
+          <a:bodyPr>
+            <a:noAutofit/>
+          </a:bodyPr>
+          <a:lstStyle/>
+          <a:p>
+            <a:pPr marL="0" indent="0" algn="just">
+              <a:buNone/>
+            </a:pPr>
+            <a:r>
+              <a:rPr lang="pt-BR" sz="2400" dirty="0">
+                <a:latin typeface="Times New Roman" panose="02020603050405020304" pitchFamily="18" charset="0"/>
+                <a:cs typeface="Times New Roman" panose="02020603050405020304" pitchFamily="18" charset="0"/>
+              </a:rPr>
+              <a:t>Praticar - Reproduzir Soluções Python de </a:t>
+            </a:r>
+            <a:r>
+              <a:rPr lang="pt-BR" sz="2400" dirty="0" err="1">
+                <a:latin typeface="Times New Roman" panose="02020603050405020304" pitchFamily="18" charset="0"/>
+                <a:cs typeface="Times New Roman" panose="02020603050405020304" pitchFamily="18" charset="0"/>
+              </a:rPr>
+              <a:t>Tomi</a:t>
+            </a:r>
+            <a:r>
+              <a:rPr lang="pt-BR" sz="2400" dirty="0">
+                <a:latin typeface="Times New Roman" panose="02020603050405020304" pitchFamily="18" charset="0"/>
+                <a:cs typeface="Times New Roman" panose="02020603050405020304" pitchFamily="18" charset="0"/>
+              </a:rPr>
+              <a:t> </a:t>
+            </a:r>
+            <a:r>
+              <a:rPr lang="pt-BR" sz="2400" dirty="0" err="1">
+                <a:latin typeface="Times New Roman" panose="02020603050405020304" pitchFamily="18" charset="0"/>
+                <a:cs typeface="Times New Roman" panose="02020603050405020304" pitchFamily="18" charset="0"/>
+              </a:rPr>
+              <a:t>Tokko</a:t>
+            </a:r>
+            <a:endParaRPr lang="pt-BR" sz="2400" dirty="0">
+              <a:latin typeface="Times New Roman" panose="02020603050405020304" pitchFamily="18" charset="0"/>
+              <a:cs typeface="Times New Roman" panose="02020603050405020304" pitchFamily="18" charset="0"/>
+            </a:endParaRPr>
+          </a:p>
+          <a:p>
+            <a:pPr marL="0" indent="0" algn="just">
+              <a:buNone/>
+            </a:pPr>
+            <a:endParaRPr lang="pt-BR" sz="2400" dirty="0">
+              <a:latin typeface="Times New Roman" panose="02020603050405020304" pitchFamily="18" charset="0"/>
+              <a:cs typeface="Times New Roman" panose="02020603050405020304" pitchFamily="18" charset="0"/>
+            </a:endParaRPr>
+          </a:p>
+          <a:p>
+            <a:pPr marL="0" indent="0" algn="just">
+              <a:buNone/>
+            </a:pPr>
+            <a:r>
+              <a:rPr lang="pt-BR" sz="2400" dirty="0">
+                <a:latin typeface="Times New Roman" panose="02020603050405020304" pitchFamily="18" charset="0"/>
+                <a:cs typeface="Times New Roman" panose="02020603050405020304" pitchFamily="18" charset="0"/>
+              </a:rPr>
+              <a:t>Em especial a rotina de QR </a:t>
+            </a:r>
+            <a:r>
+              <a:rPr lang="pt-BR" sz="2400" dirty="0" err="1">
+                <a:latin typeface="Times New Roman" panose="02020603050405020304" pitchFamily="18" charset="0"/>
+                <a:cs typeface="Times New Roman" panose="02020603050405020304" pitchFamily="18" charset="0"/>
+              </a:rPr>
+              <a:t>Code</a:t>
+            </a:r>
+            <a:r>
+              <a:rPr lang="pt-BR" sz="2400" dirty="0">
+                <a:latin typeface="Times New Roman" panose="02020603050405020304" pitchFamily="18" charset="0"/>
+                <a:cs typeface="Times New Roman" panose="02020603050405020304" pitchFamily="18" charset="0"/>
+              </a:rPr>
+              <a:t> (Quick Response </a:t>
+            </a:r>
+            <a:r>
+              <a:rPr lang="pt-BR" sz="2400" dirty="0" err="1">
+                <a:latin typeface="Times New Roman" panose="02020603050405020304" pitchFamily="18" charset="0"/>
+                <a:cs typeface="Times New Roman" panose="02020603050405020304" pitchFamily="18" charset="0"/>
+              </a:rPr>
+              <a:t>Code</a:t>
+            </a:r>
+            <a:r>
+              <a:rPr lang="pt-BR" sz="2400" dirty="0">
+                <a:latin typeface="Times New Roman" panose="02020603050405020304" pitchFamily="18" charset="0"/>
+                <a:cs typeface="Times New Roman" panose="02020603050405020304" pitchFamily="18" charset="0"/>
+              </a:rPr>
+              <a:t>) .</a:t>
+            </a:r>
+          </a:p>
+          <a:p>
+            <a:pPr marL="0" indent="0" algn="just">
+              <a:buNone/>
+            </a:pPr>
+            <a:endParaRPr lang="pt-BR" sz="2400" dirty="0">
+              <a:latin typeface="Times New Roman" panose="02020603050405020304" pitchFamily="18" charset="0"/>
+              <a:cs typeface="Times New Roman" panose="02020603050405020304" pitchFamily="18" charset="0"/>
+            </a:endParaRPr>
+          </a:p>
+          <a:p>
+            <a:pPr marL="0" indent="0" algn="just">
+              <a:buNone/>
+            </a:pPr>
+            <a:r>
+              <a:rPr lang="pt-BR" sz="2400" dirty="0">
+                <a:latin typeface="Times New Roman" panose="02020603050405020304" pitchFamily="18" charset="0"/>
+                <a:cs typeface="Times New Roman" panose="02020603050405020304" pitchFamily="18" charset="0"/>
+              </a:rPr>
+              <a:t>			</a:t>
+            </a:r>
+            <a:r>
+              <a:rPr lang="pt-BR" sz="2400" dirty="0">
+                <a:latin typeface="Times New Roman" panose="02020603050405020304" pitchFamily="18" charset="0"/>
+                <a:cs typeface="Times New Roman" panose="02020603050405020304" pitchFamily="18" charset="0"/>
+                <a:hlinkClick r:id="rId3"/>
+              </a:rPr>
+              <a:t>https://www.freecodecamp.org/</a:t>
+            </a:r>
+            <a:r>
+              <a:rPr lang="pt-BR" sz="2400" dirty="0">
+                <a:latin typeface="Times New Roman" panose="02020603050405020304" pitchFamily="18" charset="0"/>
+                <a:cs typeface="Times New Roman" panose="02020603050405020304" pitchFamily="18" charset="0"/>
+              </a:rPr>
+              <a:t> </a:t>
+            </a:r>
+          </a:p>
+        </p:txBody>
+      </p:sp>
+    </p:spTree>
+    <p:extLst>
+      <p:ext uri="{BB962C8B-B14F-4D97-AF65-F5344CB8AC3E}">
+        <p14:creationId xmlns:p14="http://schemas.microsoft.com/office/powerpoint/2010/main" val="1397642976"/>
+      </p:ext>
+    </p:extLst>
+  </p:cSld>
+  <p:clrMapOvr>
+    <a:masterClrMapping/>
+  </p:clrMapOvr>
+  <p:transition spd="med"/>
+</p:sld>
+</file>
+
+<file path=ppt/slides/slide27.xml><?xml version="1.0" encoding="utf-8"?>
+<p:sld xmlns:a="http://schemas.openxmlformats.org/drawingml/2006/main" xmlns:r="http://schemas.openxmlformats.org/officeDocument/2006/relationships" xmlns:p="http://schemas.openxmlformats.org/presentationml/2006/main">
+  <p:cSld>
+    <p:spTree>
+      <p:nvGrpSpPr>
+        <p:cNvPr id="1" name=""/>
+        <p:cNvGrpSpPr/>
+        <p:nvPr/>
+      </p:nvGrpSpPr>
+      <p:grpSpPr>
+        <a:xfrm>
+          <a:off x="0" y="0"/>
+          <a:ext cx="0" cy="0"/>
+          <a:chOff x="0" y="0"/>
+          <a:chExt cx="0" cy="0"/>
+        </a:xfrm>
+      </p:grpSpPr>
+      <p:sp>
+        <p:nvSpPr>
+          <p:cNvPr id="6" name="Title 1"/>
+          <p:cNvSpPr>
+            <a:spLocks noGrp="1"/>
+          </p:cNvSpPr>
+          <p:nvPr>
+            <p:ph type="title"/>
+          </p:nvPr>
+        </p:nvSpPr>
+        <p:spPr>
+          <a:xfrm>
+            <a:off x="457200" y="205980"/>
+            <a:ext cx="8229600" cy="857251"/>
+          </a:xfrm>
+        </p:spPr>
+        <p:txBody>
+          <a:bodyPr>
+            <a:normAutofit/>
+          </a:bodyPr>
+          <a:lstStyle/>
+          <a:p>
+            <a:r>
+              <a:rPr lang="en-US" b="1" dirty="0" err="1">
+                <a:solidFill>
+                  <a:srgbClr val="0070C0"/>
+                </a:solidFill>
+              </a:rPr>
               <a:t>Referências</a:t>
             </a:r>
             <a:r>
@@ -5142,7 +9761,24 @@
                 <a:latin typeface="Times New Roman" panose="02020603050405020304" pitchFamily="18" charset="0"/>
                 <a:cs typeface="Times New Roman" panose="02020603050405020304" pitchFamily="18" charset="0"/>
               </a:rPr>
-              <a:t>[1] .</a:t>
+              <a:t>[1] </a:t>
+            </a:r>
+            <a:r>
+              <a:rPr lang="pt-BR" sz="2000" b="1" dirty="0">
+                <a:solidFill>
+                  <a:srgbClr val="FF0000"/>
+                </a:solidFill>
+                <a:latin typeface="Times New Roman" panose="02020603050405020304" pitchFamily="18" charset="0"/>
+                <a:cs typeface="Times New Roman" panose="02020603050405020304" pitchFamily="18" charset="0"/>
+              </a:rPr>
+              <a:t>FRANÇA, Gabriel Augusto et al</a:t>
+            </a:r>
+            <a:r>
+              <a:rPr lang="pt-BR" sz="2000" dirty="0">
+                <a:latin typeface="Times New Roman" panose="02020603050405020304" pitchFamily="18" charset="0"/>
+                <a:cs typeface="Times New Roman" panose="02020603050405020304" pitchFamily="18" charset="0"/>
+              </a:rPr>
+              <a:t>. As tecnologias emergentes nos processos de inspeção da produção no conceito de indústria 4.0. REGRASP-Revista para Graduandos/IFSP-Câmpus São Paulo, v. 4, n. 3, p. 50-66, 2019.</a:t>
             </a:r>
           </a:p>
           <a:p>
@@ -5166,16 +9802,36 @@
               <a:t>[2] </a:t>
             </a:r>
             <a:r>
+              <a:rPr lang="pt-BR" sz="2000" b="1" dirty="0">
+                <a:solidFill>
+                  <a:srgbClr val="FF0000"/>
+                </a:solidFill>
+                <a:latin typeface="Times New Roman" panose="02020603050405020304" pitchFamily="18" charset="0"/>
+                <a:cs typeface="Times New Roman" panose="02020603050405020304" pitchFamily="18" charset="0"/>
+              </a:rPr>
+              <a:t>SACOMANO, José Benedito et al</a:t>
+            </a:r>
+            <a:r>
               <a:rPr lang="pt-BR" sz="2000" dirty="0">
-                <a:latin typeface="Calibri" panose="020F0502020204030204" pitchFamily="34" charset="0"/>
-              </a:rPr>
-              <a:t>.</a:t>
-            </a:r>
-          </a:p>
-          <a:p>
-            <a:pPr marL="0" indent="0" algn="just">
-              <a:buNone/>
-            </a:pPr>
+                <a:latin typeface="Times New Roman" panose="02020603050405020304" pitchFamily="18" charset="0"/>
+                <a:cs typeface="Times New Roman" panose="02020603050405020304" pitchFamily="18" charset="0"/>
+              </a:rPr>
+              <a:t>. Indústria 4.0. Editora </a:t>
+            </a:r>
+            <a:r>
+              <a:rPr lang="pt-BR" sz="2000" dirty="0" err="1">
+                <a:latin typeface="Times New Roman" panose="02020603050405020304" pitchFamily="18" charset="0"/>
+                <a:cs typeface="Times New Roman" panose="02020603050405020304" pitchFamily="18" charset="0"/>
+              </a:rPr>
+              <a:t>Blucher</a:t>
+            </a:r>
+            <a:r>
+              <a:rPr lang="pt-BR" sz="2000" dirty="0">
+                <a:latin typeface="Times New Roman" panose="02020603050405020304" pitchFamily="18" charset="0"/>
+                <a:cs typeface="Times New Roman" panose="02020603050405020304" pitchFamily="18" charset="0"/>
+              </a:rPr>
+              <a:t>, 2018.</a:t>
+            </a:r>
             <a:endParaRPr lang="pt-BR" sz="2000" dirty="0">
               <a:latin typeface="Calibri" panose="020F0502020204030204" pitchFamily="34" charset="0"/>
             </a:endParaRPr>
@@ -5184,11 +9840,34 @@
             <a:pPr marL="0" indent="0" algn="just">
               <a:buNone/>
             </a:pPr>
+            <a:endParaRPr lang="pt-BR" sz="2000" dirty="0">
+              <a:latin typeface="Calibri" panose="020F0502020204030204" pitchFamily="34" charset="0"/>
+            </a:endParaRPr>
+          </a:p>
+          <a:p>
+            <a:pPr marL="0" indent="0" algn="just">
+              <a:buNone/>
+            </a:pPr>
             <a:r>
               <a:rPr lang="pt-BR" sz="2000" dirty="0">
                 <a:latin typeface="Calibri" panose="020F0502020204030204" pitchFamily="34" charset="0"/>
               </a:rPr>
-              <a:t>[3] .</a:t>
+              <a:t>[3] </a:t>
+            </a:r>
+            <a:r>
+              <a:rPr lang="pt-BR" sz="2000" b="1" dirty="0">
+                <a:solidFill>
+                  <a:srgbClr val="FF0000"/>
+                </a:solidFill>
+                <a:latin typeface="Calibri" panose="020F0502020204030204" pitchFamily="34" charset="0"/>
+              </a:rPr>
+              <a:t>ABREU, Cleyde Evangelista Maia et al</a:t>
+            </a:r>
+            <a:r>
+              <a:rPr lang="pt-BR" sz="2000" dirty="0">
+                <a:latin typeface="Calibri" panose="020F0502020204030204" pitchFamily="34" charset="0"/>
+              </a:rPr>
+              <a:t>. Indústria 4.0: Como as empresas estão utilizando a simulação para se preparar para o futuro. Revista de Ciências Exatas e Tecnologia, v. 12, n. 12, p. 49-53, 2017.</a:t>
             </a:r>
           </a:p>
         </p:txBody>
@@ -5207,7 +9886,7 @@
 </p:sld>
 </file>
 
-<file path=ppt/slides/slide8.xml><?xml version="1.0" encoding="utf-8"?>
+<file path=ppt/slides/slide28.xml><?xml version="1.0" encoding="utf-8"?>
 <p:sld xmlns:a="http://schemas.openxmlformats.org/drawingml/2006/main" xmlns:r="http://schemas.openxmlformats.org/officeDocument/2006/relationships" xmlns:p="http://schemas.openxmlformats.org/presentationml/2006/main">
   <p:cSld>
     <p:spTree>
@@ -5654,6 +10333,1664 @@
         </p:spPr>
       </p:pic>
     </p:spTree>
+  </p:cSld>
+  <p:clrMapOvr>
+    <a:masterClrMapping/>
+  </p:clrMapOvr>
+  <p:transition spd="med"/>
+</p:sld>
+</file>
+
+<file path=ppt/slides/slide3.xml><?xml version="1.0" encoding="utf-8"?>
+<p:sld xmlns:a="http://schemas.openxmlformats.org/drawingml/2006/main" xmlns:r="http://schemas.openxmlformats.org/officeDocument/2006/relationships" xmlns:p="http://schemas.openxmlformats.org/presentationml/2006/main">
+  <p:cSld>
+    <p:spTree>
+      <p:nvGrpSpPr>
+        <p:cNvPr id="1" name=""/>
+        <p:cNvGrpSpPr/>
+        <p:nvPr/>
+      </p:nvGrpSpPr>
+      <p:grpSpPr>
+        <a:xfrm>
+          <a:off x="0" y="0"/>
+          <a:ext cx="0" cy="0"/>
+          <a:chOff x="0" y="0"/>
+          <a:chExt cx="0" cy="0"/>
+        </a:xfrm>
+      </p:grpSpPr>
+      <p:sp>
+        <p:nvSpPr>
+          <p:cNvPr id="6" name="Title 1"/>
+          <p:cNvSpPr>
+            <a:spLocks noGrp="1"/>
+          </p:cNvSpPr>
+          <p:nvPr>
+            <p:ph type="title"/>
+          </p:nvPr>
+        </p:nvSpPr>
+        <p:spPr>
+          <a:xfrm>
+            <a:off x="457200" y="205980"/>
+            <a:ext cx="8229600" cy="857251"/>
+          </a:xfrm>
+        </p:spPr>
+        <p:txBody>
+          <a:bodyPr>
+            <a:normAutofit/>
+          </a:bodyPr>
+          <a:lstStyle/>
+          <a:p>
+            <a:r>
+              <a:rPr lang="pt-BR" b="1" dirty="0">
+                <a:solidFill>
+                  <a:srgbClr val="0070C0"/>
+                </a:solidFill>
+              </a:rPr>
+              <a:t>Indústria 4.0</a:t>
+            </a:r>
+            <a:endParaRPr lang="en-US" b="1" dirty="0">
+              <a:solidFill>
+                <a:srgbClr val="0070C0"/>
+              </a:solidFill>
+            </a:endParaRPr>
+          </a:p>
+        </p:txBody>
+      </p:sp>
+      <p:sp>
+        <p:nvSpPr>
+          <p:cNvPr id="8" name="Text Placeholder 2"/>
+          <p:cNvSpPr>
+            <a:spLocks noGrp="1"/>
+          </p:cNvSpPr>
+          <p:nvPr>
+            <p:ph type="body" sz="half" idx="1"/>
+          </p:nvPr>
+        </p:nvSpPr>
+        <p:spPr>
+          <a:xfrm>
+            <a:off x="142865" y="1200150"/>
+            <a:ext cx="8865056" cy="3737370"/>
+          </a:xfrm>
+        </p:spPr>
+        <p:txBody>
+          <a:bodyPr>
+            <a:noAutofit/>
+          </a:bodyPr>
+          <a:lstStyle/>
+          <a:p>
+            <a:pPr marL="0" indent="0" algn="just">
+              <a:buNone/>
+            </a:pPr>
+            <a:r>
+              <a:rPr lang="pt-BR" sz="2400" dirty="0">
+                <a:solidFill>
+                  <a:srgbClr val="3B3934"/>
+                </a:solidFill>
+                <a:latin typeface="Times New Roman" panose="02020603050405020304" pitchFamily="18" charset="0"/>
+                <a:cs typeface="Times New Roman" panose="02020603050405020304" pitchFamily="18" charset="0"/>
+              </a:rPr>
+              <a:t>O </a:t>
+            </a:r>
+            <a:r>
+              <a:rPr lang="pt-BR" sz="2400" b="1" i="0" dirty="0">
+                <a:solidFill>
+                  <a:srgbClr val="3B3934"/>
+                </a:solidFill>
+                <a:effectLst/>
+                <a:latin typeface="Times New Roman" panose="02020603050405020304" pitchFamily="18" charset="0"/>
+                <a:cs typeface="Times New Roman" panose="02020603050405020304" pitchFamily="18" charset="0"/>
+              </a:rPr>
+              <a:t>principal objetivo</a:t>
+            </a:r>
+            <a:r>
+              <a:rPr lang="pt-BR" sz="2400" b="0" i="0" dirty="0">
+                <a:solidFill>
+                  <a:srgbClr val="3B3934"/>
+                </a:solidFill>
+                <a:effectLst/>
+                <a:latin typeface="Times New Roman" panose="02020603050405020304" pitchFamily="18" charset="0"/>
+                <a:cs typeface="Times New Roman" panose="02020603050405020304" pitchFamily="18" charset="0"/>
+              </a:rPr>
+              <a:t> é:</a:t>
+            </a:r>
+          </a:p>
+          <a:p>
+            <a:pPr marL="0" indent="0" algn="just">
+              <a:buNone/>
+            </a:pPr>
+            <a:endParaRPr lang="pt-BR" sz="2400" dirty="0">
+              <a:solidFill>
+                <a:srgbClr val="3B3934"/>
+              </a:solidFill>
+              <a:latin typeface="Times New Roman" panose="02020603050405020304" pitchFamily="18" charset="0"/>
+              <a:cs typeface="Times New Roman" panose="02020603050405020304" pitchFamily="18" charset="0"/>
+            </a:endParaRPr>
+          </a:p>
+          <a:p>
+            <a:pPr marL="0" indent="0" algn="just">
+              <a:buNone/>
+            </a:pPr>
+            <a:endParaRPr lang="pt-BR" sz="2400" b="0" i="0" dirty="0">
+              <a:solidFill>
+                <a:srgbClr val="3B3934"/>
+              </a:solidFill>
+              <a:effectLst/>
+              <a:latin typeface="Times New Roman" panose="02020603050405020304" pitchFamily="18" charset="0"/>
+              <a:cs typeface="Times New Roman" panose="02020603050405020304" pitchFamily="18" charset="0"/>
+            </a:endParaRPr>
+          </a:p>
+          <a:p>
+            <a:pPr marL="0" indent="0" algn="just">
+              <a:buNone/>
+            </a:pPr>
+            <a:r>
+              <a:rPr lang="pt-BR" sz="2400" b="0" i="0" dirty="0">
+                <a:solidFill>
+                  <a:srgbClr val="3B3934"/>
+                </a:solidFill>
+                <a:effectLst/>
+                <a:latin typeface="Times New Roman" panose="02020603050405020304" pitchFamily="18" charset="0"/>
+                <a:cs typeface="Times New Roman" panose="02020603050405020304" pitchFamily="18" charset="0"/>
+              </a:rPr>
+              <a:t>Tornar a </a:t>
+            </a:r>
+            <a:r>
+              <a:rPr lang="pt-BR" sz="2400" b="1" i="0" dirty="0">
+                <a:solidFill>
+                  <a:srgbClr val="3B3934"/>
+                </a:solidFill>
+                <a:effectLst/>
+                <a:latin typeface="Times New Roman" panose="02020603050405020304" pitchFamily="18" charset="0"/>
+                <a:cs typeface="Times New Roman" panose="02020603050405020304" pitchFamily="18" charset="0"/>
+              </a:rPr>
+              <a:t>manufatura</a:t>
+            </a:r>
+            <a:r>
+              <a:rPr lang="pt-BR" sz="2400" b="0" i="0" dirty="0">
+                <a:solidFill>
+                  <a:srgbClr val="3B3934"/>
+                </a:solidFill>
+                <a:effectLst/>
+                <a:latin typeface="Times New Roman" panose="02020603050405020304" pitchFamily="18" charset="0"/>
+                <a:cs typeface="Times New Roman" panose="02020603050405020304" pitchFamily="18" charset="0"/>
+              </a:rPr>
+              <a:t> mais </a:t>
+            </a:r>
+            <a:r>
+              <a:rPr lang="pt-BR" sz="2400" b="1" i="0" dirty="0">
+                <a:solidFill>
+                  <a:srgbClr val="FF0000"/>
+                </a:solidFill>
+                <a:effectLst/>
+                <a:latin typeface="Times New Roman" panose="02020603050405020304" pitchFamily="18" charset="0"/>
+                <a:cs typeface="Times New Roman" panose="02020603050405020304" pitchFamily="18" charset="0"/>
+              </a:rPr>
+              <a:t>rápida, eficiente e inteligente</a:t>
+            </a:r>
+            <a:r>
+              <a:rPr lang="pt-BR" sz="2400" b="0" i="0" dirty="0">
+                <a:solidFill>
+                  <a:srgbClr val="3B3934"/>
+                </a:solidFill>
+                <a:effectLst/>
+                <a:latin typeface="Times New Roman" panose="02020603050405020304" pitchFamily="18" charset="0"/>
+                <a:cs typeface="Times New Roman" panose="02020603050405020304" pitchFamily="18" charset="0"/>
+              </a:rPr>
+              <a:t>, por meio das </a:t>
+            </a:r>
+            <a:r>
+              <a:rPr lang="pt-BR" sz="2400" b="1" i="0" dirty="0">
+                <a:solidFill>
+                  <a:srgbClr val="3B3934"/>
+                </a:solidFill>
+                <a:effectLst/>
+                <a:latin typeface="Times New Roman" panose="02020603050405020304" pitchFamily="18" charset="0"/>
+                <a:cs typeface="Times New Roman" panose="02020603050405020304" pitchFamily="18" charset="0"/>
+              </a:rPr>
+              <a:t>tecnologias da informação</a:t>
+            </a:r>
+            <a:r>
+              <a:rPr lang="pt-BR" sz="2400" b="0" i="0" dirty="0">
+                <a:solidFill>
+                  <a:srgbClr val="3B3934"/>
+                </a:solidFill>
+                <a:effectLst/>
+                <a:latin typeface="Times New Roman" panose="02020603050405020304" pitchFamily="18" charset="0"/>
+                <a:cs typeface="Times New Roman" panose="02020603050405020304" pitchFamily="18" charset="0"/>
+              </a:rPr>
+              <a:t>.</a:t>
+            </a:r>
+            <a:endParaRPr lang="pt-BR" sz="2400" dirty="0">
+              <a:solidFill>
+                <a:schemeClr val="tx1"/>
+              </a:solidFill>
+              <a:latin typeface="Times New Roman" panose="02020603050405020304" pitchFamily="18" charset="0"/>
+              <a:cs typeface="Times New Roman" panose="02020603050405020304" pitchFamily="18" charset="0"/>
+            </a:endParaRPr>
+          </a:p>
+        </p:txBody>
+      </p:sp>
+    </p:spTree>
+    <p:extLst>
+      <p:ext uri="{BB962C8B-B14F-4D97-AF65-F5344CB8AC3E}">
+        <p14:creationId xmlns:p14="http://schemas.microsoft.com/office/powerpoint/2010/main" val="3244679594"/>
+      </p:ext>
+    </p:extLst>
+  </p:cSld>
+  <p:clrMapOvr>
+    <a:masterClrMapping/>
+  </p:clrMapOvr>
+  <p:transition spd="med"/>
+</p:sld>
+</file>
+
+<file path=ppt/slides/slide4.xml><?xml version="1.0" encoding="utf-8"?>
+<p:sld xmlns:a="http://schemas.openxmlformats.org/drawingml/2006/main" xmlns:r="http://schemas.openxmlformats.org/officeDocument/2006/relationships" xmlns:p="http://schemas.openxmlformats.org/presentationml/2006/main">
+  <p:cSld>
+    <p:spTree>
+      <p:nvGrpSpPr>
+        <p:cNvPr id="1" name=""/>
+        <p:cNvGrpSpPr/>
+        <p:nvPr/>
+      </p:nvGrpSpPr>
+      <p:grpSpPr>
+        <a:xfrm>
+          <a:off x="0" y="0"/>
+          <a:ext cx="0" cy="0"/>
+          <a:chOff x="0" y="0"/>
+          <a:chExt cx="0" cy="0"/>
+        </a:xfrm>
+      </p:grpSpPr>
+      <p:sp>
+        <p:nvSpPr>
+          <p:cNvPr id="6" name="Title 1"/>
+          <p:cNvSpPr>
+            <a:spLocks noGrp="1"/>
+          </p:cNvSpPr>
+          <p:nvPr>
+            <p:ph type="title"/>
+          </p:nvPr>
+        </p:nvSpPr>
+        <p:spPr>
+          <a:xfrm>
+            <a:off x="457200" y="205980"/>
+            <a:ext cx="8229600" cy="857251"/>
+          </a:xfrm>
+        </p:spPr>
+        <p:txBody>
+          <a:bodyPr>
+            <a:normAutofit/>
+          </a:bodyPr>
+          <a:lstStyle/>
+          <a:p>
+            <a:r>
+              <a:rPr lang="pt-BR" b="1" dirty="0">
+                <a:solidFill>
+                  <a:srgbClr val="0070C0"/>
+                </a:solidFill>
+              </a:rPr>
+              <a:t>Indústria 4.0</a:t>
+            </a:r>
+            <a:endParaRPr lang="en-US" b="1" dirty="0">
+              <a:solidFill>
+                <a:srgbClr val="0070C0"/>
+              </a:solidFill>
+            </a:endParaRPr>
+          </a:p>
+        </p:txBody>
+      </p:sp>
+      <p:sp>
+        <p:nvSpPr>
+          <p:cNvPr id="8" name="Text Placeholder 2"/>
+          <p:cNvSpPr>
+            <a:spLocks noGrp="1"/>
+          </p:cNvSpPr>
+          <p:nvPr>
+            <p:ph type="body" sz="half" idx="1"/>
+          </p:nvPr>
+        </p:nvSpPr>
+        <p:spPr>
+          <a:xfrm>
+            <a:off x="142865" y="1200150"/>
+            <a:ext cx="8865056" cy="3737370"/>
+          </a:xfrm>
+        </p:spPr>
+        <p:txBody>
+          <a:bodyPr>
+            <a:noAutofit/>
+          </a:bodyPr>
+          <a:lstStyle/>
+          <a:p>
+            <a:pPr marL="0" indent="0" algn="just">
+              <a:buNone/>
+            </a:pPr>
+            <a:r>
+              <a:rPr lang="pt-BR" sz="2400" b="1" dirty="0">
+                <a:latin typeface="Times New Roman" panose="02020603050405020304" pitchFamily="18" charset="0"/>
+                <a:cs typeface="Times New Roman" panose="02020603050405020304" pitchFamily="18" charset="0"/>
+              </a:rPr>
+              <a:t>Máquinas inteligentes</a:t>
+            </a:r>
+            <a:r>
+              <a:rPr lang="pt-BR" sz="2400" dirty="0">
+                <a:latin typeface="Times New Roman" panose="02020603050405020304" pitchFamily="18" charset="0"/>
+                <a:cs typeface="Times New Roman" panose="02020603050405020304" pitchFamily="18" charset="0"/>
+              </a:rPr>
+              <a:t>, sistemas de armazenamento e instalações capazes de autonomamente trocar informações, </a:t>
+            </a:r>
+            <a:r>
+              <a:rPr lang="pt-BR" sz="2400" b="1" dirty="0">
+                <a:solidFill>
+                  <a:srgbClr val="FF0000"/>
+                </a:solidFill>
+                <a:latin typeface="Times New Roman" panose="02020603050405020304" pitchFamily="18" charset="0"/>
+                <a:cs typeface="Times New Roman" panose="02020603050405020304" pitchFamily="18" charset="0"/>
+              </a:rPr>
+              <a:t>desencadeando ações e controlando umas às outras de maneira independente</a:t>
+            </a:r>
+            <a:r>
+              <a:rPr lang="pt-BR" sz="2400" dirty="0">
+                <a:latin typeface="Times New Roman" panose="02020603050405020304" pitchFamily="18" charset="0"/>
+                <a:cs typeface="Times New Roman" panose="02020603050405020304" pitchFamily="18" charset="0"/>
+              </a:rPr>
+              <a:t>. </a:t>
+            </a:r>
+          </a:p>
+          <a:p>
+            <a:pPr marL="0" indent="0" algn="just">
+              <a:buNone/>
+            </a:pPr>
+            <a:endParaRPr lang="pt-BR" sz="2400" dirty="0">
+              <a:solidFill>
+                <a:schemeClr val="tx1"/>
+              </a:solidFill>
+              <a:latin typeface="Times New Roman" panose="02020603050405020304" pitchFamily="18" charset="0"/>
+              <a:cs typeface="Times New Roman" panose="02020603050405020304" pitchFamily="18" charset="0"/>
+            </a:endParaRPr>
+          </a:p>
+          <a:p>
+            <a:pPr marL="0" indent="0" algn="just">
+              <a:buNone/>
+            </a:pPr>
+            <a:r>
+              <a:rPr lang="pt-BR" sz="2400" dirty="0">
+                <a:solidFill>
+                  <a:schemeClr val="tx1"/>
+                </a:solidFill>
+                <a:latin typeface="Times New Roman" panose="02020603050405020304" pitchFamily="18" charset="0"/>
+                <a:cs typeface="Times New Roman" panose="02020603050405020304" pitchFamily="18" charset="0"/>
+              </a:rPr>
+              <a:t>Alçar o </a:t>
+            </a:r>
+            <a:r>
+              <a:rPr lang="pt-BR" sz="2400" b="1" dirty="0">
+                <a:solidFill>
+                  <a:schemeClr val="tx1"/>
+                </a:solidFill>
+                <a:latin typeface="Times New Roman" panose="02020603050405020304" pitchFamily="18" charset="0"/>
+                <a:cs typeface="Times New Roman" panose="02020603050405020304" pitchFamily="18" charset="0"/>
+              </a:rPr>
+              <a:t>processo de automação da manufatura</a:t>
+            </a:r>
+            <a:r>
+              <a:rPr lang="pt-BR" sz="2400" dirty="0">
+                <a:solidFill>
+                  <a:schemeClr val="tx1"/>
+                </a:solidFill>
+                <a:latin typeface="Times New Roman" panose="02020603050405020304" pitchFamily="18" charset="0"/>
+                <a:cs typeface="Times New Roman" panose="02020603050405020304" pitchFamily="18" charset="0"/>
+              </a:rPr>
+              <a:t>, a um nível maior de cooperação </a:t>
+            </a:r>
+            <a:r>
+              <a:rPr lang="pt-BR" sz="2400" b="1" dirty="0">
+                <a:solidFill>
+                  <a:srgbClr val="FF0000"/>
+                </a:solidFill>
+                <a:latin typeface="Times New Roman" panose="02020603050405020304" pitchFamily="18" charset="0"/>
+                <a:cs typeface="Times New Roman" panose="02020603050405020304" pitchFamily="18" charset="0"/>
+              </a:rPr>
+              <a:t>entre máquinas e humanos</a:t>
+            </a:r>
+            <a:r>
+              <a:rPr lang="pt-BR" sz="2400" dirty="0">
+                <a:solidFill>
+                  <a:schemeClr val="tx1"/>
+                </a:solidFill>
+                <a:latin typeface="Times New Roman" panose="02020603050405020304" pitchFamily="18" charset="0"/>
+                <a:cs typeface="Times New Roman" panose="02020603050405020304" pitchFamily="18" charset="0"/>
+              </a:rPr>
+              <a:t>: que envolve </a:t>
+            </a:r>
+            <a:r>
+              <a:rPr lang="pt-BR" sz="2400" b="1" dirty="0">
+                <a:solidFill>
+                  <a:schemeClr val="tx1"/>
+                </a:solidFill>
+                <a:latin typeface="Times New Roman" panose="02020603050405020304" pitchFamily="18" charset="0"/>
+                <a:cs typeface="Times New Roman" panose="02020603050405020304" pitchFamily="18" charset="0"/>
+              </a:rPr>
+              <a:t>coleta e análise de dados, recomendações e </a:t>
+            </a:r>
+            <a:r>
+              <a:rPr lang="pt-BR" sz="2400" b="1" dirty="0">
+                <a:solidFill>
+                  <a:srgbClr val="FF0000"/>
+                </a:solidFill>
+                <a:latin typeface="Times New Roman" panose="02020603050405020304" pitchFamily="18" charset="0"/>
+                <a:cs typeface="Times New Roman" panose="02020603050405020304" pitchFamily="18" charset="0"/>
+              </a:rPr>
+              <a:t>tomada de decisão </a:t>
+            </a:r>
+            <a:r>
+              <a:rPr lang="pt-BR" sz="2400" b="1" dirty="0" err="1">
+                <a:solidFill>
+                  <a:srgbClr val="FF0000"/>
+                </a:solidFill>
+                <a:latin typeface="Times New Roman" panose="02020603050405020304" pitchFamily="18" charset="0"/>
+                <a:cs typeface="Times New Roman" panose="02020603050405020304" pitchFamily="18" charset="0"/>
+              </a:rPr>
+              <a:t>maquínica</a:t>
+            </a:r>
+            <a:r>
+              <a:rPr lang="pt-BR" sz="2400" dirty="0">
+                <a:solidFill>
+                  <a:schemeClr val="tx1"/>
+                </a:solidFill>
+                <a:latin typeface="Times New Roman" panose="02020603050405020304" pitchFamily="18" charset="0"/>
+                <a:cs typeface="Times New Roman" panose="02020603050405020304" pitchFamily="18" charset="0"/>
+              </a:rPr>
+              <a:t>.</a:t>
+            </a:r>
+          </a:p>
+        </p:txBody>
+      </p:sp>
+    </p:spTree>
+    <p:extLst>
+      <p:ext uri="{BB962C8B-B14F-4D97-AF65-F5344CB8AC3E}">
+        <p14:creationId xmlns:p14="http://schemas.microsoft.com/office/powerpoint/2010/main" val="197187126"/>
+      </p:ext>
+    </p:extLst>
+  </p:cSld>
+  <p:clrMapOvr>
+    <a:masterClrMapping/>
+  </p:clrMapOvr>
+  <p:transition spd="med"/>
+</p:sld>
+</file>
+
+<file path=ppt/slides/slide5.xml><?xml version="1.0" encoding="utf-8"?>
+<p:sld xmlns:a="http://schemas.openxmlformats.org/drawingml/2006/main" xmlns:r="http://schemas.openxmlformats.org/officeDocument/2006/relationships" xmlns:p="http://schemas.openxmlformats.org/presentationml/2006/main">
+  <p:cSld>
+    <p:spTree>
+      <p:nvGrpSpPr>
+        <p:cNvPr id="1" name=""/>
+        <p:cNvGrpSpPr/>
+        <p:nvPr/>
+      </p:nvGrpSpPr>
+      <p:grpSpPr>
+        <a:xfrm>
+          <a:off x="0" y="0"/>
+          <a:ext cx="0" cy="0"/>
+          <a:chOff x="0" y="0"/>
+          <a:chExt cx="0" cy="0"/>
+        </a:xfrm>
+      </p:grpSpPr>
+      <p:sp>
+        <p:nvSpPr>
+          <p:cNvPr id="6" name="Title 1"/>
+          <p:cNvSpPr>
+            <a:spLocks noGrp="1"/>
+          </p:cNvSpPr>
+          <p:nvPr>
+            <p:ph type="title"/>
+          </p:nvPr>
+        </p:nvSpPr>
+        <p:spPr>
+          <a:xfrm>
+            <a:off x="457200" y="205980"/>
+            <a:ext cx="8229600" cy="857251"/>
+          </a:xfrm>
+        </p:spPr>
+        <p:txBody>
+          <a:bodyPr>
+            <a:normAutofit/>
+          </a:bodyPr>
+          <a:lstStyle/>
+          <a:p>
+            <a:r>
+              <a:rPr lang="pt-BR" b="1" dirty="0">
+                <a:solidFill>
+                  <a:srgbClr val="0070C0"/>
+                </a:solidFill>
+              </a:rPr>
+              <a:t>Indústria 4.0</a:t>
+            </a:r>
+            <a:endParaRPr lang="en-US" b="1" dirty="0">
+              <a:solidFill>
+                <a:srgbClr val="0070C0"/>
+              </a:solidFill>
+            </a:endParaRPr>
+          </a:p>
+        </p:txBody>
+      </p:sp>
+      <p:sp>
+        <p:nvSpPr>
+          <p:cNvPr id="8" name="Text Placeholder 2"/>
+          <p:cNvSpPr>
+            <a:spLocks noGrp="1"/>
+          </p:cNvSpPr>
+          <p:nvPr>
+            <p:ph type="body" sz="half" idx="1"/>
+          </p:nvPr>
+        </p:nvSpPr>
+        <p:spPr>
+          <a:xfrm>
+            <a:off x="142865" y="1200150"/>
+            <a:ext cx="8865056" cy="3737370"/>
+          </a:xfrm>
+        </p:spPr>
+        <p:txBody>
+          <a:bodyPr>
+            <a:noAutofit/>
+          </a:bodyPr>
+          <a:lstStyle/>
+          <a:p>
+            <a:pPr marL="0" indent="0" algn="just">
+              <a:buNone/>
+            </a:pPr>
+            <a:r>
+              <a:rPr lang="pt-BR" sz="2000" dirty="0">
+                <a:latin typeface="Times New Roman" panose="02020603050405020304" pitchFamily="18" charset="0"/>
+                <a:cs typeface="Times New Roman" panose="02020603050405020304" pitchFamily="18" charset="0"/>
+              </a:rPr>
+              <a:t>A </a:t>
+            </a:r>
+            <a:r>
+              <a:rPr lang="pt-BR" sz="2000" b="1" dirty="0">
+                <a:solidFill>
+                  <a:srgbClr val="FF0000"/>
+                </a:solidFill>
+                <a:latin typeface="Times New Roman" panose="02020603050405020304" pitchFamily="18" charset="0"/>
+                <a:cs typeface="Times New Roman" panose="02020603050405020304" pitchFamily="18" charset="0"/>
+              </a:rPr>
+              <a:t>Indústria 4.0 (</a:t>
+            </a:r>
+            <a:r>
+              <a:rPr lang="pt-BR" sz="2000" b="1" dirty="0">
+                <a:solidFill>
+                  <a:schemeClr val="tx1"/>
+                </a:solidFill>
+                <a:latin typeface="Times New Roman" panose="02020603050405020304" pitchFamily="18" charset="0"/>
+                <a:cs typeface="Times New Roman" panose="02020603050405020304" pitchFamily="18" charset="0"/>
+              </a:rPr>
+              <a:t>Fábricas Inteligentes</a:t>
+            </a:r>
+            <a:r>
+              <a:rPr lang="pt-BR" sz="2000" b="1" dirty="0">
+                <a:solidFill>
+                  <a:srgbClr val="FF0000"/>
+                </a:solidFill>
+                <a:latin typeface="Times New Roman" panose="02020603050405020304" pitchFamily="18" charset="0"/>
+                <a:cs typeface="Times New Roman" panose="02020603050405020304" pitchFamily="18" charset="0"/>
+              </a:rPr>
+              <a:t>) </a:t>
+            </a:r>
+            <a:r>
+              <a:rPr lang="pt-BR" sz="2000" dirty="0">
+                <a:latin typeface="Times New Roman" panose="02020603050405020304" pitchFamily="18" charset="0"/>
+                <a:cs typeface="Times New Roman" panose="02020603050405020304" pitchFamily="18" charset="0"/>
+              </a:rPr>
+              <a:t>é um conceito que representa a automação industrial, integração de processos e a integração de diferentes tecnologias, com o objetivo de promover a digitalização das atividades industriais melhorando os processos e aumentando a produtividade, tais como:</a:t>
+            </a:r>
+          </a:p>
+          <a:p>
+            <a:pPr marL="0" indent="0" algn="just">
+              <a:buNone/>
+            </a:pPr>
+            <a:endParaRPr lang="pt-BR" sz="2000" dirty="0">
+              <a:latin typeface="Times New Roman" panose="02020603050405020304" pitchFamily="18" charset="0"/>
+              <a:cs typeface="Times New Roman" panose="02020603050405020304" pitchFamily="18" charset="0"/>
+            </a:endParaRPr>
+          </a:p>
+          <a:p>
+            <a:pPr algn="just">
+              <a:buFont typeface="Wingdings" panose="05000000000000000000" pitchFamily="2" charset="2"/>
+              <a:buChar char="§"/>
+            </a:pPr>
+            <a:r>
+              <a:rPr lang="pt-BR" sz="2000" dirty="0">
+                <a:latin typeface="Times New Roman" panose="02020603050405020304" pitchFamily="18" charset="0"/>
+                <a:cs typeface="Times New Roman" panose="02020603050405020304" pitchFamily="18" charset="0"/>
+              </a:rPr>
+              <a:t>IA</a:t>
+            </a:r>
+          </a:p>
+          <a:p>
+            <a:pPr algn="just">
+              <a:buFont typeface="Wingdings" panose="05000000000000000000" pitchFamily="2" charset="2"/>
+              <a:buChar char="§"/>
+            </a:pPr>
+            <a:r>
+              <a:rPr lang="pt-BR" sz="2000" dirty="0">
+                <a:latin typeface="Times New Roman" panose="02020603050405020304" pitchFamily="18" charset="0"/>
+                <a:cs typeface="Times New Roman" panose="02020603050405020304" pitchFamily="18" charset="0"/>
+              </a:rPr>
+              <a:t>Robótica</a:t>
+            </a:r>
+          </a:p>
+          <a:p>
+            <a:pPr algn="just">
+              <a:buFont typeface="Wingdings" panose="05000000000000000000" pitchFamily="2" charset="2"/>
+              <a:buChar char="§"/>
+            </a:pPr>
+            <a:r>
+              <a:rPr lang="pt-BR" sz="2000" dirty="0" err="1">
+                <a:latin typeface="Times New Roman" panose="02020603050405020304" pitchFamily="18" charset="0"/>
+                <a:cs typeface="Times New Roman" panose="02020603050405020304" pitchFamily="18" charset="0"/>
+              </a:rPr>
+              <a:t>IoT</a:t>
+            </a:r>
+            <a:endParaRPr lang="pt-BR" sz="2000" dirty="0">
+              <a:latin typeface="Times New Roman" panose="02020603050405020304" pitchFamily="18" charset="0"/>
+              <a:cs typeface="Times New Roman" panose="02020603050405020304" pitchFamily="18" charset="0"/>
+            </a:endParaRPr>
+          </a:p>
+          <a:p>
+            <a:pPr algn="just">
+              <a:buFont typeface="Wingdings" panose="05000000000000000000" pitchFamily="2" charset="2"/>
+              <a:buChar char="§"/>
+            </a:pPr>
+            <a:r>
+              <a:rPr lang="pt-BR" sz="2000" dirty="0">
+                <a:latin typeface="Times New Roman" panose="02020603050405020304" pitchFamily="18" charset="0"/>
+                <a:cs typeface="Times New Roman" panose="02020603050405020304" pitchFamily="18" charset="0"/>
+              </a:rPr>
+              <a:t>Cloud Computer</a:t>
+            </a:r>
+          </a:p>
+          <a:p>
+            <a:pPr algn="just">
+              <a:buFont typeface="Wingdings" panose="05000000000000000000" pitchFamily="2" charset="2"/>
+              <a:buChar char="§"/>
+            </a:pPr>
+            <a:r>
+              <a:rPr lang="pt-BR" sz="2000" dirty="0">
+                <a:solidFill>
+                  <a:schemeClr val="tx1"/>
+                </a:solidFill>
+                <a:latin typeface="Times New Roman" panose="02020603050405020304" pitchFamily="18" charset="0"/>
+                <a:cs typeface="Times New Roman" panose="02020603050405020304" pitchFamily="18" charset="0"/>
+              </a:rPr>
+              <a:t>Sistemas </a:t>
+            </a:r>
+            <a:r>
+              <a:rPr lang="pt-BR" sz="2000" dirty="0" err="1">
+                <a:solidFill>
+                  <a:schemeClr val="tx1"/>
+                </a:solidFill>
+                <a:latin typeface="Times New Roman" panose="02020603050405020304" pitchFamily="18" charset="0"/>
+                <a:cs typeface="Times New Roman" panose="02020603050405020304" pitchFamily="18" charset="0"/>
+              </a:rPr>
+              <a:t>Ciber</a:t>
+            </a:r>
+            <a:r>
+              <a:rPr lang="pt-BR" sz="2000" dirty="0">
+                <a:solidFill>
+                  <a:schemeClr val="tx1"/>
+                </a:solidFill>
+                <a:latin typeface="Times New Roman" panose="02020603050405020304" pitchFamily="18" charset="0"/>
+                <a:cs typeface="Times New Roman" panose="02020603050405020304" pitchFamily="18" charset="0"/>
+              </a:rPr>
+              <a:t>-físicos</a:t>
+            </a:r>
+          </a:p>
+        </p:txBody>
+      </p:sp>
+    </p:spTree>
+    <p:extLst>
+      <p:ext uri="{BB962C8B-B14F-4D97-AF65-F5344CB8AC3E}">
+        <p14:creationId xmlns:p14="http://schemas.microsoft.com/office/powerpoint/2010/main" val="2037530113"/>
+      </p:ext>
+    </p:extLst>
+  </p:cSld>
+  <p:clrMapOvr>
+    <a:masterClrMapping/>
+  </p:clrMapOvr>
+  <p:transition spd="med"/>
+</p:sld>
+</file>
+
+<file path=ppt/slides/slide6.xml><?xml version="1.0" encoding="utf-8"?>
+<p:sld xmlns:a="http://schemas.openxmlformats.org/drawingml/2006/main" xmlns:r="http://schemas.openxmlformats.org/officeDocument/2006/relationships" xmlns:p="http://schemas.openxmlformats.org/presentationml/2006/main">
+  <p:cSld>
+    <p:spTree>
+      <p:nvGrpSpPr>
+        <p:cNvPr id="1" name=""/>
+        <p:cNvGrpSpPr/>
+        <p:nvPr/>
+      </p:nvGrpSpPr>
+      <p:grpSpPr>
+        <a:xfrm>
+          <a:off x="0" y="0"/>
+          <a:ext cx="0" cy="0"/>
+          <a:chOff x="0" y="0"/>
+          <a:chExt cx="0" cy="0"/>
+        </a:xfrm>
+      </p:grpSpPr>
+      <p:sp>
+        <p:nvSpPr>
+          <p:cNvPr id="6" name="Title 1"/>
+          <p:cNvSpPr>
+            <a:spLocks noGrp="1"/>
+          </p:cNvSpPr>
+          <p:nvPr>
+            <p:ph type="title"/>
+          </p:nvPr>
+        </p:nvSpPr>
+        <p:spPr>
+          <a:xfrm>
+            <a:off x="457200" y="205980"/>
+            <a:ext cx="8229600" cy="857251"/>
+          </a:xfrm>
+        </p:spPr>
+        <p:txBody>
+          <a:bodyPr>
+            <a:normAutofit/>
+          </a:bodyPr>
+          <a:lstStyle/>
+          <a:p>
+            <a:r>
+              <a:rPr lang="pt-BR" b="1" dirty="0">
+                <a:solidFill>
+                  <a:srgbClr val="0070C0"/>
+                </a:solidFill>
+              </a:rPr>
+              <a:t>Indústria 4.0</a:t>
+            </a:r>
+            <a:endParaRPr lang="en-US" b="1" dirty="0">
+              <a:solidFill>
+                <a:srgbClr val="0070C0"/>
+              </a:solidFill>
+            </a:endParaRPr>
+          </a:p>
+        </p:txBody>
+      </p:sp>
+      <p:sp>
+        <p:nvSpPr>
+          <p:cNvPr id="8" name="Text Placeholder 2"/>
+          <p:cNvSpPr>
+            <a:spLocks noGrp="1"/>
+          </p:cNvSpPr>
+          <p:nvPr>
+            <p:ph type="body" sz="half" idx="1"/>
+          </p:nvPr>
+        </p:nvSpPr>
+        <p:spPr>
+          <a:xfrm>
+            <a:off x="142865" y="1200150"/>
+            <a:ext cx="8865056" cy="3737370"/>
+          </a:xfrm>
+        </p:spPr>
+        <p:txBody>
+          <a:bodyPr>
+            <a:noAutofit/>
+          </a:bodyPr>
+          <a:lstStyle/>
+          <a:p>
+            <a:pPr marL="0" indent="0" algn="just">
+              <a:buNone/>
+            </a:pPr>
+            <a:r>
+              <a:rPr lang="pt-BR" sz="2000" b="1" dirty="0">
+                <a:solidFill>
+                  <a:srgbClr val="FF0000"/>
+                </a:solidFill>
+                <a:latin typeface="Times New Roman" panose="02020603050405020304" pitchFamily="18" charset="0"/>
+                <a:cs typeface="Times New Roman" panose="02020603050405020304" pitchFamily="18" charset="0"/>
+              </a:rPr>
+              <a:t>Movimentos/Impacto (</a:t>
+            </a:r>
+            <a:r>
+              <a:rPr lang="pt-BR" sz="2000" b="1" dirty="0">
+                <a:solidFill>
+                  <a:schemeClr val="tx1"/>
+                </a:solidFill>
+                <a:latin typeface="Times New Roman" panose="02020603050405020304" pitchFamily="18" charset="0"/>
+                <a:cs typeface="Times New Roman" panose="02020603050405020304" pitchFamily="18" charset="0"/>
+              </a:rPr>
+              <a:t>Revolução Industrial – 2011 Alemanha - </a:t>
+            </a:r>
+            <a:r>
+              <a:rPr lang="pt-BR" sz="2000" b="1" dirty="0">
+                <a:solidFill>
+                  <a:srgbClr val="FF0000"/>
+                </a:solidFill>
+                <a:latin typeface="Times New Roman" panose="02020603050405020304" pitchFamily="18" charset="0"/>
+                <a:cs typeface="Times New Roman" panose="02020603050405020304" pitchFamily="18" charset="0"/>
+              </a:rPr>
+              <a:t>Competitividade)</a:t>
+            </a:r>
+          </a:p>
+          <a:p>
+            <a:pPr marL="0" indent="0" algn="just">
+              <a:buNone/>
+            </a:pPr>
+            <a:endParaRPr lang="pt-BR" sz="2000" dirty="0">
+              <a:solidFill>
+                <a:schemeClr val="tx1"/>
+              </a:solidFill>
+              <a:latin typeface="Times New Roman" panose="02020603050405020304" pitchFamily="18" charset="0"/>
+              <a:cs typeface="Times New Roman" panose="02020603050405020304" pitchFamily="18" charset="0"/>
+            </a:endParaRPr>
+          </a:p>
+          <a:p>
+            <a:pPr algn="just">
+              <a:buFont typeface="Wingdings" panose="05000000000000000000" pitchFamily="2" charset="2"/>
+              <a:buChar char="§"/>
+            </a:pPr>
+            <a:r>
+              <a:rPr lang="pt-BR" sz="2000" b="1" dirty="0">
+                <a:solidFill>
+                  <a:srgbClr val="0070C0"/>
+                </a:solidFill>
+                <a:latin typeface="Times New Roman" panose="02020603050405020304" pitchFamily="18" charset="0"/>
+                <a:cs typeface="Times New Roman" panose="02020603050405020304" pitchFamily="18" charset="0"/>
+              </a:rPr>
+              <a:t>Mecanização da Manufatura</a:t>
+            </a:r>
+            <a:r>
+              <a:rPr lang="pt-BR" sz="2000" dirty="0">
+                <a:solidFill>
+                  <a:schemeClr val="tx1"/>
+                </a:solidFill>
+                <a:latin typeface="Times New Roman" panose="02020603050405020304" pitchFamily="18" charset="0"/>
+                <a:cs typeface="Times New Roman" panose="02020603050405020304" pitchFamily="18" charset="0"/>
+              </a:rPr>
+              <a:t> (</a:t>
+            </a:r>
+            <a:r>
+              <a:rPr lang="pt-BR" sz="2000" b="1" dirty="0">
+                <a:solidFill>
+                  <a:schemeClr val="tx1"/>
+                </a:solidFill>
+                <a:latin typeface="Times New Roman" panose="02020603050405020304" pitchFamily="18" charset="0"/>
+                <a:cs typeface="Times New Roman" panose="02020603050405020304" pitchFamily="18" charset="0"/>
+              </a:rPr>
+              <a:t>1784</a:t>
+            </a:r>
+            <a:r>
+              <a:rPr lang="pt-BR" sz="2000" dirty="0">
+                <a:solidFill>
+                  <a:schemeClr val="tx1"/>
+                </a:solidFill>
+                <a:latin typeface="Times New Roman" panose="02020603050405020304" pitchFamily="18" charset="0"/>
+                <a:cs typeface="Times New Roman" panose="02020603050405020304" pitchFamily="18" charset="0"/>
+              </a:rPr>
+              <a:t>) - o homem passou a deixar de utilizar </a:t>
+            </a:r>
+            <a:r>
+              <a:rPr lang="pt-BR" sz="2000" b="1" dirty="0">
+                <a:solidFill>
+                  <a:schemeClr val="tx1"/>
+                </a:solidFill>
+                <a:latin typeface="Times New Roman" panose="02020603050405020304" pitchFamily="18" charset="0"/>
+                <a:cs typeface="Times New Roman" panose="02020603050405020304" pitchFamily="18" charset="0"/>
+              </a:rPr>
+              <a:t>métodos de produção artesanais</a:t>
+            </a:r>
+            <a:r>
+              <a:rPr lang="pt-BR" sz="2000" dirty="0">
+                <a:solidFill>
+                  <a:schemeClr val="tx1"/>
+                </a:solidFill>
+                <a:latin typeface="Times New Roman" panose="02020603050405020304" pitchFamily="18" charset="0"/>
+                <a:cs typeface="Times New Roman" panose="02020603050405020304" pitchFamily="18" charset="0"/>
+              </a:rPr>
+              <a:t> e começou a se importar com </a:t>
+            </a:r>
+            <a:r>
+              <a:rPr lang="pt-BR" sz="2000" b="1" dirty="0">
+                <a:solidFill>
+                  <a:srgbClr val="FF0000"/>
+                </a:solidFill>
+                <a:latin typeface="Times New Roman" panose="02020603050405020304" pitchFamily="18" charset="0"/>
+                <a:cs typeface="Times New Roman" panose="02020603050405020304" pitchFamily="18" charset="0"/>
+              </a:rPr>
+              <a:t>métodos de produção por máquinas</a:t>
+            </a:r>
+            <a:r>
+              <a:rPr lang="pt-BR" sz="2000" dirty="0">
+                <a:solidFill>
+                  <a:schemeClr val="tx1"/>
+                </a:solidFill>
+                <a:latin typeface="Times New Roman" panose="02020603050405020304" pitchFamily="18" charset="0"/>
+                <a:cs typeface="Times New Roman" panose="02020603050405020304" pitchFamily="18" charset="0"/>
+              </a:rPr>
+              <a:t>. </a:t>
+            </a:r>
+          </a:p>
+          <a:p>
+            <a:pPr algn="just">
+              <a:buFont typeface="Wingdings" panose="05000000000000000000" pitchFamily="2" charset="2"/>
+              <a:buChar char="§"/>
+            </a:pPr>
+            <a:r>
+              <a:rPr lang="pt-BR" sz="2000" b="1" dirty="0">
+                <a:solidFill>
+                  <a:srgbClr val="0070C0"/>
+                </a:solidFill>
+                <a:latin typeface="Times New Roman" panose="02020603050405020304" pitchFamily="18" charset="0"/>
+                <a:cs typeface="Times New Roman" panose="02020603050405020304" pitchFamily="18" charset="0"/>
+              </a:rPr>
+              <a:t>Produção em Massa</a:t>
+            </a:r>
+            <a:r>
+              <a:rPr lang="pt-BR" sz="2000" dirty="0">
+                <a:solidFill>
+                  <a:schemeClr val="tx1"/>
+                </a:solidFill>
+                <a:latin typeface="Times New Roman" panose="02020603050405020304" pitchFamily="18" charset="0"/>
+                <a:cs typeface="Times New Roman" panose="02020603050405020304" pitchFamily="18" charset="0"/>
+              </a:rPr>
+              <a:t> (</a:t>
+            </a:r>
+            <a:r>
+              <a:rPr lang="pt-BR" sz="2000" b="1" dirty="0">
+                <a:solidFill>
+                  <a:schemeClr val="tx1"/>
+                </a:solidFill>
+                <a:latin typeface="Times New Roman" panose="02020603050405020304" pitchFamily="18" charset="0"/>
+                <a:cs typeface="Times New Roman" panose="02020603050405020304" pitchFamily="18" charset="0"/>
+              </a:rPr>
+              <a:t>1870</a:t>
+            </a:r>
+            <a:r>
+              <a:rPr lang="pt-BR" sz="2000" dirty="0">
+                <a:solidFill>
+                  <a:schemeClr val="tx1"/>
+                </a:solidFill>
+                <a:latin typeface="Times New Roman" panose="02020603050405020304" pitchFamily="18" charset="0"/>
+                <a:cs typeface="Times New Roman" panose="02020603050405020304" pitchFamily="18" charset="0"/>
+              </a:rPr>
+              <a:t>) -  fabricação de grandes quantidades de itens a baixo custo, utilizando mão de obra pouco qualificada, mantendo um certo padrão de qualidade.</a:t>
+            </a:r>
+          </a:p>
+          <a:p>
+            <a:pPr algn="just">
+              <a:buFont typeface="Wingdings" panose="05000000000000000000" pitchFamily="2" charset="2"/>
+              <a:buChar char="§"/>
+            </a:pPr>
+            <a:r>
+              <a:rPr lang="pt-BR" sz="2000" b="1" dirty="0">
+                <a:solidFill>
+                  <a:srgbClr val="0070C0"/>
+                </a:solidFill>
+                <a:latin typeface="Times New Roman" panose="02020603050405020304" pitchFamily="18" charset="0"/>
+                <a:cs typeface="Times New Roman" panose="02020603050405020304" pitchFamily="18" charset="0"/>
+              </a:rPr>
+              <a:t>Automação</a:t>
+            </a:r>
+            <a:r>
+              <a:rPr lang="pt-BR" sz="2000" dirty="0">
+                <a:solidFill>
+                  <a:schemeClr val="tx1"/>
+                </a:solidFill>
+                <a:latin typeface="Times New Roman" panose="02020603050405020304" pitchFamily="18" charset="0"/>
+                <a:cs typeface="Times New Roman" panose="02020603050405020304" pitchFamily="18" charset="0"/>
+              </a:rPr>
+              <a:t> (</a:t>
+            </a:r>
+            <a:r>
+              <a:rPr lang="pt-BR" sz="2000" b="1" dirty="0">
+                <a:solidFill>
+                  <a:schemeClr val="tx1"/>
+                </a:solidFill>
+                <a:latin typeface="Times New Roman" panose="02020603050405020304" pitchFamily="18" charset="0"/>
+                <a:cs typeface="Times New Roman" panose="02020603050405020304" pitchFamily="18" charset="0"/>
+              </a:rPr>
+              <a:t>1970</a:t>
+            </a:r>
+            <a:r>
+              <a:rPr lang="pt-BR" sz="2000" dirty="0">
+                <a:solidFill>
+                  <a:schemeClr val="tx1"/>
+                </a:solidFill>
+                <a:latin typeface="Times New Roman" panose="02020603050405020304" pitchFamily="18" charset="0"/>
+                <a:cs typeface="Times New Roman" panose="02020603050405020304" pitchFamily="18" charset="0"/>
+              </a:rPr>
+              <a:t>) - uso da tecnologia para controlar e tornar autônoma a execução de tarefas, funções e mecanismos com objetivo de otimizar a cadeia produtiva.</a:t>
+            </a:r>
+          </a:p>
+        </p:txBody>
+      </p:sp>
+    </p:spTree>
+    <p:extLst>
+      <p:ext uri="{BB962C8B-B14F-4D97-AF65-F5344CB8AC3E}">
+        <p14:creationId xmlns:p14="http://schemas.microsoft.com/office/powerpoint/2010/main" val="1754424786"/>
+      </p:ext>
+    </p:extLst>
+  </p:cSld>
+  <p:clrMapOvr>
+    <a:masterClrMapping/>
+  </p:clrMapOvr>
+  <p:transition spd="med"/>
+</p:sld>
+</file>
+
+<file path=ppt/slides/slide7.xml><?xml version="1.0" encoding="utf-8"?>
+<p:sld xmlns:a="http://schemas.openxmlformats.org/drawingml/2006/main" xmlns:r="http://schemas.openxmlformats.org/officeDocument/2006/relationships" xmlns:p="http://schemas.openxmlformats.org/presentationml/2006/main">
+  <p:cSld>
+    <p:spTree>
+      <p:nvGrpSpPr>
+        <p:cNvPr id="1" name=""/>
+        <p:cNvGrpSpPr/>
+        <p:nvPr/>
+      </p:nvGrpSpPr>
+      <p:grpSpPr>
+        <a:xfrm>
+          <a:off x="0" y="0"/>
+          <a:ext cx="0" cy="0"/>
+          <a:chOff x="0" y="0"/>
+          <a:chExt cx="0" cy="0"/>
+        </a:xfrm>
+      </p:grpSpPr>
+      <p:sp>
+        <p:nvSpPr>
+          <p:cNvPr id="6" name="Title 1"/>
+          <p:cNvSpPr>
+            <a:spLocks noGrp="1"/>
+          </p:cNvSpPr>
+          <p:nvPr>
+            <p:ph type="title"/>
+          </p:nvPr>
+        </p:nvSpPr>
+        <p:spPr>
+          <a:xfrm>
+            <a:off x="457200" y="205980"/>
+            <a:ext cx="8229600" cy="857251"/>
+          </a:xfrm>
+        </p:spPr>
+        <p:txBody>
+          <a:bodyPr>
+            <a:normAutofit/>
+          </a:bodyPr>
+          <a:lstStyle/>
+          <a:p>
+            <a:r>
+              <a:rPr lang="pt-BR" b="1" dirty="0">
+                <a:solidFill>
+                  <a:srgbClr val="0070C0"/>
+                </a:solidFill>
+              </a:rPr>
+              <a:t>Indústria 4.0</a:t>
+            </a:r>
+            <a:endParaRPr lang="en-US" b="1" dirty="0">
+              <a:solidFill>
+                <a:srgbClr val="0070C0"/>
+              </a:solidFill>
+            </a:endParaRPr>
+          </a:p>
+        </p:txBody>
+      </p:sp>
+      <p:sp>
+        <p:nvSpPr>
+          <p:cNvPr id="8" name="Text Placeholder 2"/>
+          <p:cNvSpPr>
+            <a:spLocks noGrp="1"/>
+          </p:cNvSpPr>
+          <p:nvPr>
+            <p:ph type="body" sz="half" idx="1"/>
+          </p:nvPr>
+        </p:nvSpPr>
+        <p:spPr>
+          <a:xfrm>
+            <a:off x="142865" y="1200150"/>
+            <a:ext cx="8865056" cy="3737370"/>
+          </a:xfrm>
+        </p:spPr>
+        <p:txBody>
+          <a:bodyPr>
+            <a:noAutofit/>
+          </a:bodyPr>
+          <a:lstStyle/>
+          <a:p>
+            <a:pPr marL="0" indent="0" algn="just">
+              <a:buNone/>
+            </a:pPr>
+            <a:r>
+              <a:rPr lang="pt-BR" sz="2000" dirty="0">
+                <a:solidFill>
+                  <a:schemeClr val="tx1"/>
+                </a:solidFill>
+                <a:latin typeface="Times New Roman" panose="02020603050405020304" pitchFamily="18" charset="0"/>
+                <a:cs typeface="Times New Roman" panose="02020603050405020304" pitchFamily="18" charset="0"/>
+              </a:rPr>
+              <a:t>Portanto, na </a:t>
+            </a:r>
+            <a:r>
+              <a:rPr lang="pt-BR" sz="2000" b="1" dirty="0">
+                <a:solidFill>
+                  <a:schemeClr val="tx1"/>
+                </a:solidFill>
+                <a:latin typeface="Times New Roman" panose="02020603050405020304" pitchFamily="18" charset="0"/>
+                <a:cs typeface="Times New Roman" panose="02020603050405020304" pitchFamily="18" charset="0"/>
+              </a:rPr>
+              <a:t>indústria 4.0</a:t>
+            </a:r>
+            <a:r>
+              <a:rPr lang="pt-BR" sz="2000" dirty="0">
+                <a:solidFill>
+                  <a:schemeClr val="tx1"/>
+                </a:solidFill>
+                <a:latin typeface="Times New Roman" panose="02020603050405020304" pitchFamily="18" charset="0"/>
+                <a:cs typeface="Times New Roman" panose="02020603050405020304" pitchFamily="18" charset="0"/>
+              </a:rPr>
+              <a:t>, as </a:t>
+            </a:r>
+            <a:r>
+              <a:rPr lang="pt-BR" sz="2000" b="1" dirty="0">
+                <a:solidFill>
+                  <a:srgbClr val="FF0000"/>
+                </a:solidFill>
+                <a:latin typeface="Times New Roman" panose="02020603050405020304" pitchFamily="18" charset="0"/>
+                <a:cs typeface="Times New Roman" panose="02020603050405020304" pitchFamily="18" charset="0"/>
+              </a:rPr>
+              <a:t>TICs</a:t>
+            </a:r>
+            <a:r>
+              <a:rPr lang="pt-BR" sz="2000" dirty="0">
+                <a:solidFill>
+                  <a:schemeClr val="tx1"/>
+                </a:solidFill>
+                <a:latin typeface="Times New Roman" panose="02020603050405020304" pitchFamily="18" charset="0"/>
+                <a:cs typeface="Times New Roman" panose="02020603050405020304" pitchFamily="18" charset="0"/>
+              </a:rPr>
+              <a:t> – com todas as ferramentas que entram no seu escopo, é fundida com o domínio industrial para:</a:t>
+            </a:r>
+          </a:p>
+          <a:p>
+            <a:pPr marL="0" indent="0" algn="just">
+              <a:buNone/>
+            </a:pPr>
+            <a:endParaRPr lang="pt-BR" sz="2000" dirty="0">
+              <a:solidFill>
+                <a:schemeClr val="tx1"/>
+              </a:solidFill>
+              <a:latin typeface="Times New Roman" panose="02020603050405020304" pitchFamily="18" charset="0"/>
+              <a:cs typeface="Times New Roman" panose="02020603050405020304" pitchFamily="18" charset="0"/>
+            </a:endParaRPr>
+          </a:p>
+          <a:p>
+            <a:pPr algn="just">
+              <a:buFont typeface="Wingdings" panose="05000000000000000000" pitchFamily="2" charset="2"/>
+              <a:buChar char="§"/>
+            </a:pPr>
+            <a:r>
+              <a:rPr lang="pt-BR" sz="2000" dirty="0">
+                <a:solidFill>
+                  <a:schemeClr val="tx1"/>
+                </a:solidFill>
+                <a:latin typeface="Times New Roman" panose="02020603050405020304" pitchFamily="18" charset="0"/>
+                <a:cs typeface="Times New Roman" panose="02020603050405020304" pitchFamily="18" charset="0"/>
+              </a:rPr>
+              <a:t>Dar rapidez</a:t>
+            </a:r>
+          </a:p>
+          <a:p>
+            <a:pPr algn="just">
+              <a:buFont typeface="Wingdings" panose="05000000000000000000" pitchFamily="2" charset="2"/>
+              <a:buChar char="§"/>
+            </a:pPr>
+            <a:r>
+              <a:rPr lang="pt-BR" sz="2000" dirty="0">
+                <a:solidFill>
+                  <a:schemeClr val="tx1"/>
+                </a:solidFill>
+                <a:latin typeface="Times New Roman" panose="02020603050405020304" pitchFamily="18" charset="0"/>
+                <a:cs typeface="Times New Roman" panose="02020603050405020304" pitchFamily="18" charset="0"/>
+              </a:rPr>
+              <a:t>Precisão </a:t>
+            </a:r>
+          </a:p>
+          <a:p>
+            <a:pPr algn="just">
+              <a:buFont typeface="Wingdings" panose="05000000000000000000" pitchFamily="2" charset="2"/>
+              <a:buChar char="§"/>
+            </a:pPr>
+            <a:r>
+              <a:rPr lang="pt-BR" sz="2000" dirty="0">
+                <a:solidFill>
+                  <a:schemeClr val="tx1"/>
+                </a:solidFill>
+                <a:latin typeface="Times New Roman" panose="02020603050405020304" pitchFamily="18" charset="0"/>
+                <a:cs typeface="Times New Roman" panose="02020603050405020304" pitchFamily="18" charset="0"/>
+              </a:rPr>
+              <a:t>Inteligência as máquinas</a:t>
+            </a:r>
+          </a:p>
+          <a:p>
+            <a:pPr marL="0" indent="0" algn="just">
+              <a:buNone/>
+            </a:pPr>
+            <a:endParaRPr lang="pt-BR" sz="2000" dirty="0">
+              <a:solidFill>
+                <a:schemeClr val="tx1"/>
+              </a:solidFill>
+              <a:latin typeface="Times New Roman" panose="02020603050405020304" pitchFamily="18" charset="0"/>
+              <a:cs typeface="Times New Roman" panose="02020603050405020304" pitchFamily="18" charset="0"/>
+            </a:endParaRPr>
+          </a:p>
+          <a:p>
+            <a:pPr marL="0" indent="0" algn="just">
+              <a:buNone/>
+            </a:pPr>
+            <a:r>
+              <a:rPr lang="pt-BR" sz="2000" dirty="0">
+                <a:solidFill>
+                  <a:schemeClr val="tx1"/>
+                </a:solidFill>
+                <a:latin typeface="Times New Roman" panose="02020603050405020304" pitchFamily="18" charset="0"/>
+                <a:cs typeface="Times New Roman" panose="02020603050405020304" pitchFamily="18" charset="0"/>
+              </a:rPr>
+              <a:t>Tornando-as capazes de </a:t>
+            </a:r>
+            <a:r>
+              <a:rPr lang="pt-BR" sz="2000" b="1" dirty="0">
+                <a:solidFill>
+                  <a:schemeClr val="tx1"/>
+                </a:solidFill>
+                <a:latin typeface="Times New Roman" panose="02020603050405020304" pitchFamily="18" charset="0"/>
+                <a:cs typeface="Times New Roman" panose="02020603050405020304" pitchFamily="18" charset="0"/>
+              </a:rPr>
+              <a:t>tomar decisões sozinha</a:t>
+            </a:r>
+            <a:r>
+              <a:rPr lang="pt-BR" sz="2000" dirty="0">
+                <a:solidFill>
+                  <a:schemeClr val="tx1"/>
+                </a:solidFill>
+                <a:latin typeface="Times New Roman" panose="02020603050405020304" pitchFamily="18" charset="0"/>
+                <a:cs typeface="Times New Roman" panose="02020603050405020304" pitchFamily="18" charset="0"/>
+              </a:rPr>
+              <a:t>, sem interferência humana. </a:t>
+            </a:r>
+          </a:p>
+        </p:txBody>
+      </p:sp>
+    </p:spTree>
+    <p:extLst>
+      <p:ext uri="{BB962C8B-B14F-4D97-AF65-F5344CB8AC3E}">
+        <p14:creationId xmlns:p14="http://schemas.microsoft.com/office/powerpoint/2010/main" val="2605854083"/>
+      </p:ext>
+    </p:extLst>
+  </p:cSld>
+  <p:clrMapOvr>
+    <a:masterClrMapping/>
+  </p:clrMapOvr>
+  <p:transition spd="med"/>
+</p:sld>
+</file>
+
+<file path=ppt/slides/slide8.xml><?xml version="1.0" encoding="utf-8"?>
+<p:sld xmlns:a="http://schemas.openxmlformats.org/drawingml/2006/main" xmlns:r="http://schemas.openxmlformats.org/officeDocument/2006/relationships" xmlns:p="http://schemas.openxmlformats.org/presentationml/2006/main">
+  <p:cSld>
+    <p:spTree>
+      <p:nvGrpSpPr>
+        <p:cNvPr id="1" name=""/>
+        <p:cNvGrpSpPr/>
+        <p:nvPr/>
+      </p:nvGrpSpPr>
+      <p:grpSpPr>
+        <a:xfrm>
+          <a:off x="0" y="0"/>
+          <a:ext cx="0" cy="0"/>
+          <a:chOff x="0" y="0"/>
+          <a:chExt cx="0" cy="0"/>
+        </a:xfrm>
+      </p:grpSpPr>
+      <p:sp>
+        <p:nvSpPr>
+          <p:cNvPr id="6" name="Title 1"/>
+          <p:cNvSpPr>
+            <a:spLocks noGrp="1"/>
+          </p:cNvSpPr>
+          <p:nvPr>
+            <p:ph type="title"/>
+          </p:nvPr>
+        </p:nvSpPr>
+        <p:spPr>
+          <a:xfrm>
+            <a:off x="457200" y="205980"/>
+            <a:ext cx="8229600" cy="857251"/>
+          </a:xfrm>
+        </p:spPr>
+        <p:txBody>
+          <a:bodyPr>
+            <a:normAutofit/>
+          </a:bodyPr>
+          <a:lstStyle/>
+          <a:p>
+            <a:r>
+              <a:rPr lang="pt-BR" b="1" dirty="0">
+                <a:solidFill>
+                  <a:srgbClr val="0070C0"/>
+                </a:solidFill>
+              </a:rPr>
+              <a:t>Princípios na Indústria 4.0</a:t>
+            </a:r>
+            <a:endParaRPr lang="en-US" b="1" dirty="0">
+              <a:solidFill>
+                <a:srgbClr val="0070C0"/>
+              </a:solidFill>
+            </a:endParaRPr>
+          </a:p>
+        </p:txBody>
+      </p:sp>
+      <p:sp>
+        <p:nvSpPr>
+          <p:cNvPr id="8" name="Text Placeholder 2"/>
+          <p:cNvSpPr>
+            <a:spLocks noGrp="1"/>
+          </p:cNvSpPr>
+          <p:nvPr>
+            <p:ph type="body" sz="half" idx="1"/>
+          </p:nvPr>
+        </p:nvSpPr>
+        <p:spPr>
+          <a:xfrm>
+            <a:off x="142865" y="1017270"/>
+            <a:ext cx="8865056" cy="3920250"/>
+          </a:xfrm>
+        </p:spPr>
+        <p:txBody>
+          <a:bodyPr>
+            <a:noAutofit/>
+          </a:bodyPr>
+          <a:lstStyle/>
+          <a:p>
+            <a:pPr marL="0" indent="0" algn="just">
+              <a:buNone/>
+            </a:pPr>
+            <a:r>
+              <a:rPr lang="pt-BR" sz="2000" b="1" dirty="0">
+                <a:latin typeface="Times New Roman" panose="02020603050405020304" pitchFamily="18" charset="0"/>
+                <a:cs typeface="Times New Roman" panose="02020603050405020304" pitchFamily="18" charset="0"/>
+              </a:rPr>
+              <a:t>Interoperabilidade ou conectividade </a:t>
+            </a:r>
+          </a:p>
+          <a:p>
+            <a:pPr marL="0" indent="0" algn="just">
+              <a:buNone/>
+            </a:pPr>
+            <a:r>
+              <a:rPr lang="pt-BR" sz="2000" dirty="0">
+                <a:latin typeface="Times New Roman" panose="02020603050405020304" pitchFamily="18" charset="0"/>
+                <a:cs typeface="Times New Roman" panose="02020603050405020304" pitchFamily="18" charset="0"/>
+              </a:rPr>
+              <a:t>Trata-se da capacidade de garantir conexão, troca de informação e colaboração relevante tanto entre os sistemas </a:t>
+            </a:r>
+            <a:r>
+              <a:rPr lang="pt-BR" sz="2000" b="1" dirty="0" err="1">
+                <a:latin typeface="Times New Roman" panose="02020603050405020304" pitchFamily="18" charset="0"/>
+                <a:cs typeface="Times New Roman" panose="02020603050405020304" pitchFamily="18" charset="0"/>
+              </a:rPr>
+              <a:t>ciber</a:t>
+            </a:r>
+            <a:r>
+              <a:rPr lang="pt-BR" sz="2000" b="1" dirty="0">
+                <a:latin typeface="Times New Roman" panose="02020603050405020304" pitchFamily="18" charset="0"/>
+                <a:cs typeface="Times New Roman" panose="02020603050405020304" pitchFamily="18" charset="0"/>
+              </a:rPr>
+              <a:t>-físicos</a:t>
+            </a:r>
+            <a:r>
+              <a:rPr lang="pt-BR" sz="2000" dirty="0">
+                <a:latin typeface="Times New Roman" panose="02020603050405020304" pitchFamily="18" charset="0"/>
+                <a:cs typeface="Times New Roman" panose="02020603050405020304" pitchFamily="18" charset="0"/>
+              </a:rPr>
+              <a:t> entre si quanto entre eles e as pessoas. </a:t>
+            </a:r>
+          </a:p>
+          <a:p>
+            <a:pPr marL="0" indent="0" algn="just">
+              <a:buNone/>
+            </a:pPr>
+            <a:endParaRPr lang="pt-BR" sz="2000" dirty="0">
+              <a:latin typeface="Times New Roman" panose="02020603050405020304" pitchFamily="18" charset="0"/>
+              <a:cs typeface="Times New Roman" panose="02020603050405020304" pitchFamily="18" charset="0"/>
+            </a:endParaRPr>
+          </a:p>
+          <a:p>
+            <a:pPr marL="0" indent="0" algn="just">
+              <a:buNone/>
+            </a:pPr>
+            <a:r>
+              <a:rPr lang="pt-BR" sz="2000" b="1" dirty="0">
+                <a:latin typeface="Times New Roman" panose="02020603050405020304" pitchFamily="18" charset="0"/>
+                <a:cs typeface="Times New Roman" panose="02020603050405020304" pitchFamily="18" charset="0"/>
+              </a:rPr>
+              <a:t>Virtualização</a:t>
+            </a:r>
+            <a:endParaRPr lang="pt-BR" sz="2000" dirty="0">
+              <a:latin typeface="Times New Roman" panose="02020603050405020304" pitchFamily="18" charset="0"/>
+              <a:cs typeface="Times New Roman" panose="02020603050405020304" pitchFamily="18" charset="0"/>
+            </a:endParaRPr>
+          </a:p>
+          <a:p>
+            <a:pPr marL="0" indent="0" algn="just">
+              <a:buNone/>
+            </a:pPr>
+            <a:r>
+              <a:rPr lang="pt-BR" sz="2000" dirty="0">
+                <a:latin typeface="Times New Roman" panose="02020603050405020304" pitchFamily="18" charset="0"/>
+                <a:cs typeface="Times New Roman" panose="02020603050405020304" pitchFamily="18" charset="0"/>
+              </a:rPr>
+              <a:t>O sistema </a:t>
+            </a:r>
+            <a:r>
+              <a:rPr lang="pt-BR" sz="2000" dirty="0" err="1">
+                <a:latin typeface="Times New Roman" panose="02020603050405020304" pitchFamily="18" charset="0"/>
+                <a:cs typeface="Times New Roman" panose="02020603050405020304" pitchFamily="18" charset="0"/>
+              </a:rPr>
+              <a:t>ciber</a:t>
+            </a:r>
+            <a:r>
+              <a:rPr lang="pt-BR" sz="2000" dirty="0">
+                <a:latin typeface="Times New Roman" panose="02020603050405020304" pitchFamily="18" charset="0"/>
+                <a:cs typeface="Times New Roman" panose="02020603050405020304" pitchFamily="18" charset="0"/>
+              </a:rPr>
+              <a:t>-físico é capaz de monitorar processos físicos por meio da simulação e da criação de cópias de elementos reais alimentadas por dados obtidos por meio de sensores.  </a:t>
+            </a:r>
+          </a:p>
+          <a:p>
+            <a:pPr marL="0" indent="0" algn="just">
+              <a:buNone/>
+            </a:pPr>
+            <a:endParaRPr lang="pt-BR" sz="2000" dirty="0">
+              <a:latin typeface="Times New Roman" panose="02020603050405020304" pitchFamily="18" charset="0"/>
+              <a:cs typeface="Times New Roman" panose="02020603050405020304" pitchFamily="18" charset="0"/>
+            </a:endParaRPr>
+          </a:p>
+          <a:p>
+            <a:pPr marL="0" indent="0" algn="just">
+              <a:buNone/>
+            </a:pPr>
+            <a:r>
+              <a:rPr lang="pt-BR" sz="2000" dirty="0">
+                <a:latin typeface="Times New Roman" panose="02020603050405020304" pitchFamily="18" charset="0"/>
+                <a:cs typeface="Times New Roman" panose="02020603050405020304" pitchFamily="18" charset="0"/>
+              </a:rPr>
+              <a:t>Em virtude disso, a virtualização só é possível quando a interoperabilidade está garantida. </a:t>
+            </a:r>
+          </a:p>
+        </p:txBody>
+      </p:sp>
+    </p:spTree>
+    <p:extLst>
+      <p:ext uri="{BB962C8B-B14F-4D97-AF65-F5344CB8AC3E}">
+        <p14:creationId xmlns:p14="http://schemas.microsoft.com/office/powerpoint/2010/main" val="1193766251"/>
+      </p:ext>
+    </p:extLst>
+  </p:cSld>
+  <p:clrMapOvr>
+    <a:masterClrMapping/>
+  </p:clrMapOvr>
+  <p:transition spd="med"/>
+</p:sld>
+</file>
+
+<file path=ppt/slides/slide9.xml><?xml version="1.0" encoding="utf-8"?>
+<p:sld xmlns:a="http://schemas.openxmlformats.org/drawingml/2006/main" xmlns:r="http://schemas.openxmlformats.org/officeDocument/2006/relationships" xmlns:p="http://schemas.openxmlformats.org/presentationml/2006/main">
+  <p:cSld>
+    <p:spTree>
+      <p:nvGrpSpPr>
+        <p:cNvPr id="1" name=""/>
+        <p:cNvGrpSpPr/>
+        <p:nvPr/>
+      </p:nvGrpSpPr>
+      <p:grpSpPr>
+        <a:xfrm>
+          <a:off x="0" y="0"/>
+          <a:ext cx="0" cy="0"/>
+          <a:chOff x="0" y="0"/>
+          <a:chExt cx="0" cy="0"/>
+        </a:xfrm>
+      </p:grpSpPr>
+      <p:sp>
+        <p:nvSpPr>
+          <p:cNvPr id="6" name="Title 1"/>
+          <p:cNvSpPr>
+            <a:spLocks noGrp="1"/>
+          </p:cNvSpPr>
+          <p:nvPr>
+            <p:ph type="title"/>
+          </p:nvPr>
+        </p:nvSpPr>
+        <p:spPr>
+          <a:xfrm>
+            <a:off x="457200" y="205980"/>
+            <a:ext cx="8229600" cy="857251"/>
+          </a:xfrm>
+        </p:spPr>
+        <p:txBody>
+          <a:bodyPr>
+            <a:normAutofit/>
+          </a:bodyPr>
+          <a:lstStyle/>
+          <a:p>
+            <a:r>
+              <a:rPr lang="pt-BR" b="1" dirty="0">
+                <a:solidFill>
+                  <a:srgbClr val="0070C0"/>
+                </a:solidFill>
+              </a:rPr>
+              <a:t>Princípios na Indústria 4.0</a:t>
+            </a:r>
+            <a:endParaRPr lang="en-US" b="1" dirty="0">
+              <a:solidFill>
+                <a:srgbClr val="0070C0"/>
+              </a:solidFill>
+            </a:endParaRPr>
+          </a:p>
+        </p:txBody>
+      </p:sp>
+      <p:sp>
+        <p:nvSpPr>
+          <p:cNvPr id="8" name="Text Placeholder 2"/>
+          <p:cNvSpPr>
+            <a:spLocks noGrp="1"/>
+          </p:cNvSpPr>
+          <p:nvPr>
+            <p:ph type="body" sz="half" idx="1"/>
+          </p:nvPr>
+        </p:nvSpPr>
+        <p:spPr>
+          <a:xfrm>
+            <a:off x="142865" y="1017270"/>
+            <a:ext cx="8865056" cy="3920250"/>
+          </a:xfrm>
+        </p:spPr>
+        <p:txBody>
+          <a:bodyPr>
+            <a:noAutofit/>
+          </a:bodyPr>
+          <a:lstStyle/>
+          <a:p>
+            <a:pPr marL="0" indent="0" algn="just">
+              <a:buNone/>
+            </a:pPr>
+            <a:r>
+              <a:rPr lang="pt-BR" sz="2000" b="1" dirty="0">
+                <a:latin typeface="Times New Roman" panose="02020603050405020304" pitchFamily="18" charset="0"/>
+                <a:cs typeface="Times New Roman" panose="02020603050405020304" pitchFamily="18" charset="0"/>
+              </a:rPr>
+              <a:t>Tempo real </a:t>
+            </a:r>
+          </a:p>
+          <a:p>
+            <a:pPr marL="0" indent="0" algn="just">
+              <a:buNone/>
+            </a:pPr>
+            <a:r>
+              <a:rPr lang="pt-BR" sz="2000" dirty="0">
+                <a:latin typeface="Times New Roman" panose="02020603050405020304" pitchFamily="18" charset="0"/>
+                <a:cs typeface="Times New Roman" panose="02020603050405020304" pitchFamily="18" charset="0"/>
+              </a:rPr>
+              <a:t>É a capacidade de trabalhar em tempo real, tomando decisões com base em novos achados ou predições. </a:t>
+            </a:r>
+          </a:p>
+          <a:p>
+            <a:pPr marL="0" indent="0" algn="just">
+              <a:buNone/>
+            </a:pPr>
+            <a:endParaRPr lang="pt-BR" sz="2000" dirty="0">
+              <a:latin typeface="Times New Roman" panose="02020603050405020304" pitchFamily="18" charset="0"/>
+              <a:cs typeface="Times New Roman" panose="02020603050405020304" pitchFamily="18" charset="0"/>
+            </a:endParaRPr>
+          </a:p>
+          <a:p>
+            <a:pPr marL="0" indent="0" algn="just">
+              <a:buNone/>
+            </a:pPr>
+            <a:r>
+              <a:rPr lang="pt-BR" sz="2000" b="1" dirty="0">
+                <a:latin typeface="Times New Roman" panose="02020603050405020304" pitchFamily="18" charset="0"/>
+                <a:cs typeface="Times New Roman" panose="02020603050405020304" pitchFamily="18" charset="0"/>
+              </a:rPr>
+              <a:t>Descentralização ou autonomia </a:t>
+            </a:r>
+          </a:p>
+          <a:p>
+            <a:pPr marL="0" indent="0" algn="just">
+              <a:buNone/>
+            </a:pPr>
+            <a:r>
+              <a:rPr lang="pt-BR" sz="2000" dirty="0">
+                <a:latin typeface="Times New Roman" panose="02020603050405020304" pitchFamily="18" charset="0"/>
+                <a:cs typeface="Times New Roman" panose="02020603050405020304" pitchFamily="18" charset="0"/>
+              </a:rPr>
+              <a:t>A capacidade de tomar decisões é distribuída e independente, não centralizada, aumentando a capacidade de resolver problemas assim que eles surgem, onde eles surgem. Com isso, o ambiente operacional garante flexibilidade. </a:t>
+            </a:r>
+          </a:p>
+          <a:p>
+            <a:pPr marL="0" indent="0" algn="just">
+              <a:buNone/>
+            </a:pPr>
+            <a:endParaRPr lang="pt-BR" sz="2000" dirty="0">
+              <a:latin typeface="Times New Roman" panose="02020603050405020304" pitchFamily="18" charset="0"/>
+              <a:cs typeface="Times New Roman" panose="02020603050405020304" pitchFamily="18" charset="0"/>
+            </a:endParaRPr>
+          </a:p>
+        </p:txBody>
+      </p:sp>
+    </p:spTree>
+    <p:extLst>
+      <p:ext uri="{BB962C8B-B14F-4D97-AF65-F5344CB8AC3E}">
+        <p14:creationId xmlns:p14="http://schemas.microsoft.com/office/powerpoint/2010/main" val="2411946676"/>
+      </p:ext>
+    </p:extLst>
   </p:cSld>
   <p:clrMapOvr>
     <a:masterClrMapping/>

--- a/01 Classes/Aula 08 - Aplicação Cloud Indústria 40 Python IoT - Tecnologias Emergentes.pptx
+++ b/01 Classes/Aula 08 - Aplicação Cloud Indústria 40 Python IoT - Tecnologias Emergentes.pptx
@@ -5,7 +5,7 @@
     <p:sldMasterId id="2147483648" r:id="rId1"/>
   </p:sldMasterIdLst>
   <p:notesMasterIdLst>
-    <p:notesMasterId r:id="rId30"/>
+    <p:notesMasterId r:id="rId32"/>
   </p:notesMasterIdLst>
   <p:sldIdLst>
     <p:sldId id="256" r:id="rId2"/>
@@ -34,8 +34,10 @@
     <p:sldId id="333" r:id="rId25"/>
     <p:sldId id="323" r:id="rId26"/>
     <p:sldId id="345" r:id="rId27"/>
-    <p:sldId id="337" r:id="rId28"/>
-    <p:sldId id="309" r:id="rId29"/>
+    <p:sldId id="369" r:id="rId28"/>
+    <p:sldId id="368" r:id="rId29"/>
+    <p:sldId id="337" r:id="rId30"/>
+    <p:sldId id="309" r:id="rId31"/>
   </p:sldIdLst>
   <p:sldSz cx="9144000" cy="5143500" type="screen16x9"/>
   <p:notesSz cx="6858000" cy="9144000"/>
@@ -1705,6 +1707,138 @@
 </file>
 
 <file path=ppt/notesSlides/notesSlide26.xml><?xml version="1.0" encoding="utf-8"?>
+<p:notes xmlns:a="http://schemas.openxmlformats.org/drawingml/2006/main" xmlns:r="http://schemas.openxmlformats.org/officeDocument/2006/relationships" xmlns:p="http://schemas.openxmlformats.org/presentationml/2006/main">
+  <p:cSld>
+    <p:spTree>
+      <p:nvGrpSpPr>
+        <p:cNvPr id="1" name=""/>
+        <p:cNvGrpSpPr/>
+        <p:nvPr/>
+      </p:nvGrpSpPr>
+      <p:grpSpPr>
+        <a:xfrm>
+          <a:off x="0" y="0"/>
+          <a:ext cx="0" cy="0"/>
+          <a:chOff x="0" y="0"/>
+          <a:chExt cx="0" cy="0"/>
+        </a:xfrm>
+      </p:grpSpPr>
+      <p:sp>
+        <p:nvSpPr>
+          <p:cNvPr id="2" name="Espaço Reservado para Imagem de Slide 1"/>
+          <p:cNvSpPr>
+            <a:spLocks noGrp="1" noRot="1" noChangeAspect="1"/>
+          </p:cNvSpPr>
+          <p:nvPr>
+            <p:ph type="sldImg"/>
+          </p:nvPr>
+        </p:nvSpPr>
+        <p:spPr>
+          <a:xfrm>
+            <a:off x="381000" y="685800"/>
+            <a:ext cx="6096000" cy="3429000"/>
+          </a:xfrm>
+        </p:spPr>
+      </p:sp>
+      <p:sp>
+        <p:nvSpPr>
+          <p:cNvPr id="3" name="Espaço Reservado para Anotações 2"/>
+          <p:cNvSpPr>
+            <a:spLocks noGrp="1"/>
+          </p:cNvSpPr>
+          <p:nvPr>
+            <p:ph type="body" idx="1"/>
+          </p:nvPr>
+        </p:nvSpPr>
+        <p:spPr/>
+        <p:txBody>
+          <a:bodyPr/>
+          <a:lstStyle/>
+          <a:p>
+            <a:endParaRPr lang="pt-BR" dirty="0"/>
+          </a:p>
+        </p:txBody>
+      </p:sp>
+    </p:spTree>
+    <p:extLst>
+      <p:ext uri="{BB962C8B-B14F-4D97-AF65-F5344CB8AC3E}">
+        <p14:creationId xmlns:p14="http://schemas.microsoft.com/office/powerpoint/2010/main" val="169529413"/>
+      </p:ext>
+    </p:extLst>
+  </p:cSld>
+  <p:clrMapOvr>
+    <a:masterClrMapping/>
+  </p:clrMapOvr>
+</p:notes>
+</file>
+
+<file path=ppt/notesSlides/notesSlide27.xml><?xml version="1.0" encoding="utf-8"?>
+<p:notes xmlns:a="http://schemas.openxmlformats.org/drawingml/2006/main" xmlns:r="http://schemas.openxmlformats.org/officeDocument/2006/relationships" xmlns:p="http://schemas.openxmlformats.org/presentationml/2006/main">
+  <p:cSld>
+    <p:spTree>
+      <p:nvGrpSpPr>
+        <p:cNvPr id="1" name=""/>
+        <p:cNvGrpSpPr/>
+        <p:nvPr/>
+      </p:nvGrpSpPr>
+      <p:grpSpPr>
+        <a:xfrm>
+          <a:off x="0" y="0"/>
+          <a:ext cx="0" cy="0"/>
+          <a:chOff x="0" y="0"/>
+          <a:chExt cx="0" cy="0"/>
+        </a:xfrm>
+      </p:grpSpPr>
+      <p:sp>
+        <p:nvSpPr>
+          <p:cNvPr id="2" name="Espaço Reservado para Imagem de Slide 1"/>
+          <p:cNvSpPr>
+            <a:spLocks noGrp="1" noRot="1" noChangeAspect="1"/>
+          </p:cNvSpPr>
+          <p:nvPr>
+            <p:ph type="sldImg"/>
+          </p:nvPr>
+        </p:nvSpPr>
+        <p:spPr>
+          <a:xfrm>
+            <a:off x="381000" y="685800"/>
+            <a:ext cx="6096000" cy="3429000"/>
+          </a:xfrm>
+        </p:spPr>
+      </p:sp>
+      <p:sp>
+        <p:nvSpPr>
+          <p:cNvPr id="3" name="Espaço Reservado para Anotações 2"/>
+          <p:cNvSpPr>
+            <a:spLocks noGrp="1"/>
+          </p:cNvSpPr>
+          <p:nvPr>
+            <p:ph type="body" idx="1"/>
+          </p:nvPr>
+        </p:nvSpPr>
+        <p:spPr/>
+        <p:txBody>
+          <a:bodyPr/>
+          <a:lstStyle/>
+          <a:p>
+            <a:endParaRPr lang="pt-BR" dirty="0"/>
+          </a:p>
+        </p:txBody>
+      </p:sp>
+    </p:spTree>
+    <p:extLst>
+      <p:ext uri="{BB962C8B-B14F-4D97-AF65-F5344CB8AC3E}">
+        <p14:creationId xmlns:p14="http://schemas.microsoft.com/office/powerpoint/2010/main" val="3361836292"/>
+      </p:ext>
+    </p:extLst>
+  </p:cSld>
+  <p:clrMapOvr>
+    <a:masterClrMapping/>
+  </p:clrMapOvr>
+</p:notes>
+</file>
+
+<file path=ppt/notesSlides/notesSlide28.xml><?xml version="1.0" encoding="utf-8"?>
 <p:notes xmlns:a="http://schemas.openxmlformats.org/drawingml/2006/main" xmlns:r="http://schemas.openxmlformats.org/officeDocument/2006/relationships" xmlns:p="http://schemas.openxmlformats.org/presentationml/2006/main">
   <p:cSld>
     <p:spTree>
@@ -8560,7 +8694,7 @@
                 <a:latin typeface="Times New Roman" panose="02020603050405020304" pitchFamily="18" charset="0"/>
                 <a:cs typeface="Times New Roman" panose="02020603050405020304" pitchFamily="18" charset="0"/>
               </a:rPr>
-              <a:t>Haddop</a:t>
+              <a:t>Hadoop</a:t>
             </a:r>
             <a:endParaRPr lang="pt-BR" sz="2000" dirty="0">
               <a:latin typeface="Times New Roman" panose="02020603050405020304" pitchFamily="18" charset="0"/>
@@ -8922,7 +9056,21 @@
                 <a:latin typeface="Times New Roman" panose="02020603050405020304" pitchFamily="18" charset="0"/>
                 <a:cs typeface="Times New Roman" panose="02020603050405020304" pitchFamily="18" charset="0"/>
               </a:rPr>
-              <a:t>Simulação em 3D</a:t>
+              <a:t>Simulação em 3D (</a:t>
+            </a:r>
+            <a:r>
+              <a:rPr lang="pt-BR" sz="2000" b="1" dirty="0">
+                <a:latin typeface="Times New Roman" panose="02020603050405020304" pitchFamily="18" charset="0"/>
+                <a:cs typeface="Times New Roman" panose="02020603050405020304" pitchFamily="18" charset="0"/>
+              </a:rPr>
+              <a:t>Prototipagem, Design</a:t>
+            </a:r>
+            <a:r>
+              <a:rPr lang="pt-BR" sz="2000" dirty="0">
+                <a:latin typeface="Times New Roman" panose="02020603050405020304" pitchFamily="18" charset="0"/>
+                <a:cs typeface="Times New Roman" panose="02020603050405020304" pitchFamily="18" charset="0"/>
+              </a:rPr>
+              <a:t>); Sistemas autônomos</a:t>
             </a:r>
           </a:p>
         </p:txBody>
@@ -9095,6 +9243,26 @@
             <a:pPr marL="0" indent="0" algn="just">
               <a:buNone/>
             </a:pPr>
+            <a:r>
+              <a:rPr lang="pt-BR" sz="1800" dirty="0">
+                <a:latin typeface="Times New Roman" panose="02020603050405020304" pitchFamily="18" charset="0"/>
+                <a:cs typeface="Times New Roman" panose="02020603050405020304" pitchFamily="18" charset="0"/>
+                <a:hlinkClick r:id="rId4"/>
+              </a:rPr>
+              <a:t>https://skyone.solutions/hub/tendencias-de-inovacao-na-industria/</a:t>
+            </a:r>
+            <a:r>
+              <a:rPr lang="pt-BR" sz="1800" dirty="0">
+                <a:latin typeface="Times New Roman" panose="02020603050405020304" pitchFamily="18" charset="0"/>
+                <a:cs typeface="Times New Roman" panose="02020603050405020304" pitchFamily="18" charset="0"/>
+              </a:rPr>
+              <a:t> </a:t>
+            </a:r>
+          </a:p>
+          <a:p>
+            <a:pPr marL="0" indent="0" algn="just">
+              <a:buNone/>
+            </a:pPr>
             <a:endParaRPr lang="pt-BR" sz="1800" dirty="0">
               <a:latin typeface="Times New Roman" panose="02020603050405020304" pitchFamily="18" charset="0"/>
               <a:cs typeface="Times New Roman" panose="02020603050405020304" pitchFamily="18" charset="0"/>
@@ -9149,7 +9317,7 @@
               <a:rPr lang="pt-BR" sz="1800" dirty="0">
                 <a:latin typeface="Times New Roman" panose="02020603050405020304" pitchFamily="18" charset="0"/>
                 <a:cs typeface="Times New Roman" panose="02020603050405020304" pitchFamily="18" charset="0"/>
-                <a:hlinkClick r:id="rId4"/>
+                <a:hlinkClick r:id="rId5"/>
               </a:rPr>
               <a:t>http://educa.fcc.org.br/scielo.php?pid=S2178-52012020000100124&amp;script=sci_arttext</a:t>
             </a:r>
@@ -9165,7 +9333,7 @@
             <a:endParaRPr lang="pt-BR" sz="1800" dirty="0">
               <a:latin typeface="Times New Roman" panose="02020603050405020304" pitchFamily="18" charset="0"/>
               <a:cs typeface="Times New Roman" panose="02020603050405020304" pitchFamily="18" charset="0"/>
-              <a:hlinkClick r:id="rId5"/>
+              <a:hlinkClick r:id="rId6"/>
             </a:endParaRPr>
           </a:p>
           <a:p>
@@ -9176,7 +9344,7 @@
               <a:rPr lang="pt-BR" sz="1800" dirty="0">
                 <a:latin typeface="Times New Roman" panose="02020603050405020304" pitchFamily="18" charset="0"/>
                 <a:cs typeface="Times New Roman" panose="02020603050405020304" pitchFamily="18" charset="0"/>
-                <a:hlinkClick r:id="rId5"/>
+                <a:hlinkClick r:id="rId6"/>
               </a:rPr>
               <a:t>https://www.ey.com/pt_br/consulting/how-emerging-technologies-can-usher-in-the-dawn-of-pervasive-intelligence</a:t>
             </a:r>
@@ -9527,34 +9695,120 @@
               <a:buNone/>
             </a:pPr>
             <a:r>
-              <a:rPr lang="pt-BR" sz="2400" dirty="0">
-                <a:latin typeface="Times New Roman" panose="02020603050405020304" pitchFamily="18" charset="0"/>
-                <a:cs typeface="Times New Roman" panose="02020603050405020304" pitchFamily="18" charset="0"/>
-              </a:rPr>
-              <a:t>Praticar - Reproduzir Soluções Python de </a:t>
-            </a:r>
-            <a:r>
-              <a:rPr lang="pt-BR" sz="2400" dirty="0" err="1">
+              <a:rPr lang="pt-BR" sz="2000" b="1" dirty="0">
+                <a:latin typeface="Times New Roman" panose="02020603050405020304" pitchFamily="18" charset="0"/>
+                <a:cs typeface="Times New Roman" panose="02020603050405020304" pitchFamily="18" charset="0"/>
+              </a:rPr>
+              <a:t>Praticar</a:t>
+            </a:r>
+            <a:r>
+              <a:rPr lang="pt-BR" sz="2000" dirty="0">
+                <a:latin typeface="Times New Roman" panose="02020603050405020304" pitchFamily="18" charset="0"/>
+                <a:cs typeface="Times New Roman" panose="02020603050405020304" pitchFamily="18" charset="0"/>
+              </a:rPr>
+              <a:t> - Reproduzir </a:t>
+            </a:r>
+            <a:r>
+              <a:rPr lang="pt-BR" sz="2000" b="1" dirty="0">
+                <a:solidFill>
+                  <a:schemeClr val="tx1"/>
+                </a:solidFill>
+                <a:latin typeface="Times New Roman" panose="02020603050405020304" pitchFamily="18" charset="0"/>
+                <a:cs typeface="Times New Roman" panose="02020603050405020304" pitchFamily="18" charset="0"/>
+              </a:rPr>
+              <a:t>Soluções Python </a:t>
+            </a:r>
+            <a:r>
+              <a:rPr lang="pt-BR" sz="2000" b="1" dirty="0">
+                <a:solidFill>
+                  <a:srgbClr val="FF0000"/>
+                </a:solidFill>
+                <a:latin typeface="Times New Roman" panose="02020603050405020304" pitchFamily="18" charset="0"/>
+                <a:cs typeface="Times New Roman" panose="02020603050405020304" pitchFamily="18" charset="0"/>
+              </a:rPr>
+              <a:t>de </a:t>
+            </a:r>
+            <a:r>
+              <a:rPr lang="pt-BR" sz="2000" b="1" dirty="0" err="1">
+                <a:solidFill>
+                  <a:srgbClr val="FF0000"/>
+                </a:solidFill>
                 <a:latin typeface="Times New Roman" panose="02020603050405020304" pitchFamily="18" charset="0"/>
                 <a:cs typeface="Times New Roman" panose="02020603050405020304" pitchFamily="18" charset="0"/>
               </a:rPr>
               <a:t>Tomi</a:t>
             </a:r>
             <a:r>
-              <a:rPr lang="pt-BR" sz="2400" dirty="0">
+              <a:rPr lang="pt-BR" sz="2000" b="1" dirty="0">
+                <a:solidFill>
+                  <a:srgbClr val="FF0000"/>
+                </a:solidFill>
                 <a:latin typeface="Times New Roman" panose="02020603050405020304" pitchFamily="18" charset="0"/>
                 <a:cs typeface="Times New Roman" panose="02020603050405020304" pitchFamily="18" charset="0"/>
               </a:rPr>
               <a:t> </a:t>
             </a:r>
             <a:r>
-              <a:rPr lang="pt-BR" sz="2400" dirty="0" err="1">
+              <a:rPr lang="pt-BR" sz="2000" b="1" dirty="0" err="1">
+                <a:solidFill>
+                  <a:srgbClr val="FF0000"/>
+                </a:solidFill>
                 <a:latin typeface="Times New Roman" panose="02020603050405020304" pitchFamily="18" charset="0"/>
                 <a:cs typeface="Times New Roman" panose="02020603050405020304" pitchFamily="18" charset="0"/>
               </a:rPr>
               <a:t>Tokko</a:t>
             </a:r>
-            <a:endParaRPr lang="pt-BR" sz="2400" dirty="0">
+            <a:r>
+              <a:rPr lang="pt-BR" sz="2000" b="1" dirty="0">
+                <a:solidFill>
+                  <a:srgbClr val="FF0000"/>
+                </a:solidFill>
+                <a:latin typeface="Times New Roman" panose="02020603050405020304" pitchFamily="18" charset="0"/>
+                <a:cs typeface="Times New Roman" panose="02020603050405020304" pitchFamily="18" charset="0"/>
+              </a:rPr>
+              <a:t>, </a:t>
+            </a:r>
+            <a:r>
+              <a:rPr lang="pt-BR" sz="2000" dirty="0">
+                <a:latin typeface="Times New Roman" panose="02020603050405020304" pitchFamily="18" charset="0"/>
+                <a:cs typeface="Times New Roman" panose="02020603050405020304" pitchFamily="18" charset="0"/>
+              </a:rPr>
+              <a:t>QR </a:t>
+            </a:r>
+            <a:r>
+              <a:rPr lang="pt-BR" sz="2000" dirty="0" err="1">
+                <a:latin typeface="Times New Roman" panose="02020603050405020304" pitchFamily="18" charset="0"/>
+                <a:cs typeface="Times New Roman" panose="02020603050405020304" pitchFamily="18" charset="0"/>
+              </a:rPr>
+              <a:t>Code</a:t>
+            </a:r>
+            <a:r>
+              <a:rPr lang="pt-BR" sz="2000" dirty="0">
+                <a:latin typeface="Times New Roman" panose="02020603050405020304" pitchFamily="18" charset="0"/>
+                <a:cs typeface="Times New Roman" panose="02020603050405020304" pitchFamily="18" charset="0"/>
+              </a:rPr>
+              <a:t> (Quick Response </a:t>
+            </a:r>
+            <a:r>
+              <a:rPr lang="pt-BR" sz="2000" dirty="0" err="1">
+                <a:latin typeface="Times New Roman" panose="02020603050405020304" pitchFamily="18" charset="0"/>
+                <a:cs typeface="Times New Roman" panose="02020603050405020304" pitchFamily="18" charset="0"/>
+              </a:rPr>
+              <a:t>Code</a:t>
+            </a:r>
+            <a:r>
+              <a:rPr lang="pt-BR" sz="2000" dirty="0">
+                <a:latin typeface="Times New Roman" panose="02020603050405020304" pitchFamily="18" charset="0"/>
+                <a:cs typeface="Times New Roman" panose="02020603050405020304" pitchFamily="18" charset="0"/>
+              </a:rPr>
+              <a:t>) .</a:t>
+            </a:r>
+          </a:p>
+          <a:p>
+            <a:pPr marL="0" indent="0" algn="just">
+              <a:buNone/>
+            </a:pPr>
+            <a:endParaRPr lang="pt-BR" sz="2000" dirty="0">
               <a:latin typeface="Times New Roman" panose="02020603050405020304" pitchFamily="18" charset="0"/>
               <a:cs typeface="Times New Roman" panose="02020603050405020304" pitchFamily="18" charset="0"/>
             </a:endParaRPr>
@@ -9563,7 +9817,19 @@
             <a:pPr marL="0" indent="0" algn="just">
               <a:buNone/>
             </a:pPr>
-            <a:endParaRPr lang="pt-BR" sz="2400" dirty="0">
+            <a:r>
+              <a:rPr lang="en-US" sz="2000" b="1" dirty="0">
+                <a:latin typeface="Times New Roman" panose="02020603050405020304" pitchFamily="18" charset="0"/>
+                <a:cs typeface="Times New Roman" panose="02020603050405020304" pitchFamily="18" charset="0"/>
+              </a:rPr>
+              <a:t>20 Beginner Python Projects</a:t>
+            </a:r>
+          </a:p>
+          <a:p>
+            <a:pPr marL="0" indent="0" algn="just">
+              <a:buNone/>
+            </a:pPr>
+            <a:endParaRPr lang="en-US" sz="2000" dirty="0">
               <a:latin typeface="Times New Roman" panose="02020603050405020304" pitchFamily="18" charset="0"/>
               <a:cs typeface="Times New Roman" panose="02020603050405020304" pitchFamily="18" charset="0"/>
             </a:endParaRPr>
@@ -9573,46 +9839,46 @@
               <a:buNone/>
             </a:pPr>
             <a:r>
-              <a:rPr lang="pt-BR" sz="2400" dirty="0">
-                <a:latin typeface="Times New Roman" panose="02020603050405020304" pitchFamily="18" charset="0"/>
-                <a:cs typeface="Times New Roman" panose="02020603050405020304" pitchFamily="18" charset="0"/>
-              </a:rPr>
-              <a:t>Em especial a rotina de QR </a:t>
-            </a:r>
-            <a:r>
-              <a:rPr lang="pt-BR" sz="2400" dirty="0" err="1">
-                <a:latin typeface="Times New Roman" panose="02020603050405020304" pitchFamily="18" charset="0"/>
-                <a:cs typeface="Times New Roman" panose="02020603050405020304" pitchFamily="18" charset="0"/>
-              </a:rPr>
-              <a:t>Code</a:t>
-            </a:r>
-            <a:r>
-              <a:rPr lang="pt-BR" sz="2400" dirty="0">
-                <a:latin typeface="Times New Roman" panose="02020603050405020304" pitchFamily="18" charset="0"/>
-                <a:cs typeface="Times New Roman" panose="02020603050405020304" pitchFamily="18" charset="0"/>
-              </a:rPr>
-              <a:t> (Quick Response </a:t>
-            </a:r>
-            <a:r>
-              <a:rPr lang="pt-BR" sz="2400" dirty="0" err="1">
-                <a:latin typeface="Times New Roman" panose="02020603050405020304" pitchFamily="18" charset="0"/>
-                <a:cs typeface="Times New Roman" panose="02020603050405020304" pitchFamily="18" charset="0"/>
-              </a:rPr>
-              <a:t>Code</a:t>
-            </a:r>
-            <a:r>
-              <a:rPr lang="pt-BR" sz="2400" dirty="0">
-                <a:latin typeface="Times New Roman" panose="02020603050405020304" pitchFamily="18" charset="0"/>
-                <a:cs typeface="Times New Roman" panose="02020603050405020304" pitchFamily="18" charset="0"/>
-              </a:rPr>
-              <a:t>) .</a:t>
+              <a:rPr lang="en-US" sz="2000" dirty="0">
+                <a:latin typeface="Times New Roman" panose="02020603050405020304" pitchFamily="18" charset="0"/>
+                <a:cs typeface="Times New Roman" panose="02020603050405020304" pitchFamily="18" charset="0"/>
+                <a:hlinkClick r:id="rId3"/>
+              </a:rPr>
+              <a:t>https://www.freecodecamp.org/news/20-beginner-python-projects/</a:t>
+            </a:r>
+            <a:r>
+              <a:rPr lang="en-US" sz="2000" dirty="0">
+                <a:latin typeface="Times New Roman" panose="02020603050405020304" pitchFamily="18" charset="0"/>
+                <a:cs typeface="Times New Roman" panose="02020603050405020304" pitchFamily="18" charset="0"/>
+              </a:rPr>
+              <a:t> </a:t>
             </a:r>
           </a:p>
           <a:p>
             <a:pPr marL="0" indent="0" algn="just">
               <a:buNone/>
             </a:pPr>
-            <a:endParaRPr lang="pt-BR" sz="2400" dirty="0">
+            <a:r>
+              <a:rPr lang="en-US" sz="2000" dirty="0">
+                <a:latin typeface="Times New Roman" panose="02020603050405020304" pitchFamily="18" charset="0"/>
+                <a:cs typeface="Times New Roman" panose="02020603050405020304" pitchFamily="18" charset="0"/>
+                <a:hlinkClick r:id="rId4"/>
+              </a:rPr>
+              <a:t>https://youtu.be/pdy3nh1tn6I</a:t>
+            </a:r>
+            <a:r>
+              <a:rPr lang="en-US" sz="2000" dirty="0">
+                <a:latin typeface="Times New Roman" panose="02020603050405020304" pitchFamily="18" charset="0"/>
+                <a:cs typeface="Times New Roman" panose="02020603050405020304" pitchFamily="18" charset="0"/>
+              </a:rPr>
+              <a:t> </a:t>
+            </a:r>
+          </a:p>
+          <a:p>
+            <a:pPr marL="0" indent="0" algn="just">
+              <a:buNone/>
+            </a:pPr>
+            <a:endParaRPr lang="en-US" sz="2000" dirty="0">
               <a:latin typeface="Times New Roman" panose="02020603050405020304" pitchFamily="18" charset="0"/>
               <a:cs typeface="Times New Roman" panose="02020603050405020304" pitchFamily="18" charset="0"/>
             </a:endParaRPr>
@@ -9622,26 +9888,11 @@
               <a:buNone/>
             </a:pPr>
             <a:r>
-              <a:rPr lang="pt-BR" sz="2400" dirty="0">
-                <a:latin typeface="Times New Roman" panose="02020603050405020304" pitchFamily="18" charset="0"/>
-                <a:cs typeface="Times New Roman" panose="02020603050405020304" pitchFamily="18" charset="0"/>
-              </a:rPr>
-              <a:t>			</a:t>
-            </a:r>
-            <a:r>
-              <a:rPr lang="pt-BR" sz="2400" dirty="0">
-                <a:latin typeface="Times New Roman" panose="02020603050405020304" pitchFamily="18" charset="0"/>
-                <a:cs typeface="Times New Roman" panose="02020603050405020304" pitchFamily="18" charset="0"/>
-                <a:hlinkClick r:id="rId3"/>
-              </a:rPr>
-              <a:t>https://www.freecodecamp.org/</a:t>
-            </a:r>
-            <a:r>
-              <a:rPr lang="pt-BR" sz="2400" dirty="0">
-                <a:latin typeface="Times New Roman" panose="02020603050405020304" pitchFamily="18" charset="0"/>
-                <a:cs typeface="Times New Roman" panose="02020603050405020304" pitchFamily="18" charset="0"/>
-              </a:rPr>
-              <a:t> </a:t>
+              <a:rPr lang="pt-BR" sz="2000" dirty="0">
+                <a:latin typeface="Times New Roman" panose="02020603050405020304" pitchFamily="18" charset="0"/>
+                <a:cs typeface="Times New Roman" panose="02020603050405020304" pitchFamily="18" charset="0"/>
+              </a:rPr>
+              <a:t>		</a:t>
             </a:r>
           </a:p>
         </p:txBody>
@@ -9695,6 +9946,447 @@
         </p:spPr>
         <p:txBody>
           <a:bodyPr>
+            <a:normAutofit fontScale="90000"/>
+          </a:bodyPr>
+          <a:lstStyle/>
+          <a:p>
+            <a:r>
+              <a:rPr lang="en-US" b="1" dirty="0" err="1">
+                <a:solidFill>
+                  <a:srgbClr val="0070C0"/>
+                </a:solidFill>
+              </a:rPr>
+              <a:t>Dinâmica</a:t>
+            </a:r>
+            <a:r>
+              <a:rPr lang="en-US" b="1" dirty="0">
+                <a:solidFill>
+                  <a:srgbClr val="0070C0"/>
+                </a:solidFill>
+              </a:rPr>
+              <a:t>/</a:t>
+            </a:r>
+            <a:r>
+              <a:rPr lang="en-US" b="1" dirty="0" err="1">
+                <a:solidFill>
+                  <a:srgbClr val="0070C0"/>
+                </a:solidFill>
+              </a:rPr>
+              <a:t>Atividades</a:t>
+            </a:r>
+            <a:r>
+              <a:rPr lang="en-US" b="1" dirty="0">
+                <a:solidFill>
+                  <a:srgbClr val="0070C0"/>
+                </a:solidFill>
+              </a:rPr>
+              <a:t> API Web Django</a:t>
+            </a:r>
+          </a:p>
+        </p:txBody>
+      </p:sp>
+      <p:sp>
+        <p:nvSpPr>
+          <p:cNvPr id="8" name="Text Placeholder 2"/>
+          <p:cNvSpPr>
+            <a:spLocks noGrp="1"/>
+          </p:cNvSpPr>
+          <p:nvPr>
+            <p:ph type="body" sz="half" idx="1"/>
+          </p:nvPr>
+        </p:nvSpPr>
+        <p:spPr>
+          <a:xfrm>
+            <a:off x="139472" y="1063230"/>
+            <a:ext cx="8865056" cy="3874290"/>
+          </a:xfrm>
+        </p:spPr>
+        <p:txBody>
+          <a:bodyPr>
+            <a:noAutofit/>
+          </a:bodyPr>
+          <a:lstStyle/>
+          <a:p>
+            <a:pPr marL="0" indent="0" algn="just">
+              <a:buNone/>
+            </a:pPr>
+            <a:r>
+              <a:rPr lang="en-US" sz="2000" b="1" dirty="0">
+                <a:latin typeface="Times New Roman" panose="02020603050405020304" pitchFamily="18" charset="0"/>
+                <a:cs typeface="Times New Roman" panose="02020603050405020304" pitchFamily="18" charset="0"/>
+              </a:rPr>
+              <a:t>How To Build A Realtime Chat App With Django</a:t>
+            </a:r>
+          </a:p>
+          <a:p>
+            <a:pPr marL="0" indent="0" algn="just">
+              <a:buNone/>
+            </a:pPr>
+            <a:r>
+              <a:rPr lang="en-US" sz="2000" dirty="0">
+                <a:latin typeface="Times New Roman" panose="02020603050405020304" pitchFamily="18" charset="0"/>
+                <a:cs typeface="Times New Roman" panose="02020603050405020304" pitchFamily="18" charset="0"/>
+                <a:hlinkClick r:id="rId3"/>
+              </a:rPr>
+              <a:t>https://www.youtube.com/c/CodeWithTomi</a:t>
+            </a:r>
+            <a:r>
+              <a:rPr lang="en-US" sz="2000" dirty="0">
+                <a:latin typeface="Times New Roman" panose="02020603050405020304" pitchFamily="18" charset="0"/>
+                <a:cs typeface="Times New Roman" panose="02020603050405020304" pitchFamily="18" charset="0"/>
+              </a:rPr>
+              <a:t> </a:t>
+            </a:r>
+          </a:p>
+          <a:p>
+            <a:pPr marL="0" indent="0" algn="just">
+              <a:buNone/>
+            </a:pPr>
+            <a:endParaRPr lang="en-US" sz="2000" dirty="0">
+              <a:latin typeface="Times New Roman" panose="02020603050405020304" pitchFamily="18" charset="0"/>
+              <a:cs typeface="Times New Roman" panose="02020603050405020304" pitchFamily="18" charset="0"/>
+            </a:endParaRPr>
+          </a:p>
+          <a:p>
+            <a:pPr marL="0" indent="0" algn="just">
+              <a:buNone/>
+            </a:pPr>
+            <a:r>
+              <a:rPr lang="en-US" sz="2000" b="1" dirty="0">
+                <a:latin typeface="Times New Roman" panose="02020603050405020304" pitchFamily="18" charset="0"/>
+                <a:cs typeface="Times New Roman" panose="02020603050405020304" pitchFamily="18" charset="0"/>
+              </a:rPr>
+              <a:t>Backend Web Development Full Course</a:t>
+            </a:r>
+          </a:p>
+          <a:p>
+            <a:pPr marL="0" indent="0" algn="just">
+              <a:buNone/>
+            </a:pPr>
+            <a:r>
+              <a:rPr lang="en-US" sz="2000" dirty="0">
+                <a:latin typeface="Times New Roman" panose="02020603050405020304" pitchFamily="18" charset="0"/>
+                <a:cs typeface="Times New Roman" panose="02020603050405020304" pitchFamily="18" charset="0"/>
+                <a:hlinkClick r:id="rId4"/>
+              </a:rPr>
+              <a:t>https://www.freecodecamp.org/news/backend-web-development-with-python-full-course/</a:t>
+            </a:r>
+            <a:r>
+              <a:rPr lang="en-US" sz="2000" dirty="0">
+                <a:latin typeface="Times New Roman" panose="02020603050405020304" pitchFamily="18" charset="0"/>
+                <a:cs typeface="Times New Roman" panose="02020603050405020304" pitchFamily="18" charset="0"/>
+              </a:rPr>
+              <a:t> </a:t>
+            </a:r>
+          </a:p>
+          <a:p>
+            <a:pPr marL="0" indent="0" algn="just">
+              <a:buNone/>
+            </a:pPr>
+            <a:r>
+              <a:rPr lang="en-US" sz="2000" dirty="0">
+                <a:latin typeface="Times New Roman" panose="02020603050405020304" pitchFamily="18" charset="0"/>
+                <a:cs typeface="Times New Roman" panose="02020603050405020304" pitchFamily="18" charset="0"/>
+                <a:hlinkClick r:id="rId5"/>
+              </a:rPr>
+              <a:t>https://youtu.be/jBzwzrDvZ18</a:t>
+            </a:r>
+            <a:r>
+              <a:rPr lang="en-US" sz="2000" dirty="0">
+                <a:latin typeface="Times New Roman" panose="02020603050405020304" pitchFamily="18" charset="0"/>
+                <a:cs typeface="Times New Roman" panose="02020603050405020304" pitchFamily="18" charset="0"/>
+              </a:rPr>
+              <a:t> </a:t>
+            </a:r>
+          </a:p>
+          <a:p>
+            <a:pPr marL="0" indent="0" algn="just">
+              <a:buNone/>
+            </a:pPr>
+            <a:endParaRPr lang="en-US" sz="2000" dirty="0">
+              <a:latin typeface="Times New Roman" panose="02020603050405020304" pitchFamily="18" charset="0"/>
+              <a:cs typeface="Times New Roman" panose="02020603050405020304" pitchFamily="18" charset="0"/>
+            </a:endParaRPr>
+          </a:p>
+          <a:p>
+            <a:pPr marL="0" indent="0" algn="just">
+              <a:buNone/>
+            </a:pPr>
+            <a:r>
+              <a:rPr lang="en-US" sz="2000" b="1" dirty="0">
+                <a:latin typeface="Times New Roman" panose="02020603050405020304" pitchFamily="18" charset="0"/>
+                <a:cs typeface="Times New Roman" panose="02020603050405020304" pitchFamily="18" charset="0"/>
+              </a:rPr>
+              <a:t>How to Use Python for Web Development</a:t>
+            </a:r>
+          </a:p>
+          <a:p>
+            <a:pPr marL="0" indent="0" algn="just">
+              <a:buNone/>
+            </a:pPr>
+            <a:r>
+              <a:rPr lang="en-US" sz="2000" dirty="0">
+                <a:latin typeface="Times New Roman" panose="02020603050405020304" pitchFamily="18" charset="0"/>
+                <a:cs typeface="Times New Roman" panose="02020603050405020304" pitchFamily="18" charset="0"/>
+                <a:hlinkClick r:id="rId6"/>
+              </a:rPr>
+              <a:t>https://youtu.be/WNvxR8RFzBg</a:t>
+            </a:r>
+            <a:r>
+              <a:rPr lang="en-US" sz="2000" dirty="0">
+                <a:latin typeface="Times New Roman" panose="02020603050405020304" pitchFamily="18" charset="0"/>
+                <a:cs typeface="Times New Roman" panose="02020603050405020304" pitchFamily="18" charset="0"/>
+              </a:rPr>
+              <a:t> </a:t>
+            </a:r>
+            <a:r>
+              <a:rPr lang="pt-BR" sz="2000" dirty="0">
+                <a:latin typeface="Times New Roman" panose="02020603050405020304" pitchFamily="18" charset="0"/>
+                <a:cs typeface="Times New Roman" panose="02020603050405020304" pitchFamily="18" charset="0"/>
+              </a:rPr>
+              <a:t>		</a:t>
+            </a:r>
+          </a:p>
+        </p:txBody>
+      </p:sp>
+    </p:spTree>
+    <p:extLst>
+      <p:ext uri="{BB962C8B-B14F-4D97-AF65-F5344CB8AC3E}">
+        <p14:creationId xmlns:p14="http://schemas.microsoft.com/office/powerpoint/2010/main" val="1492588598"/>
+      </p:ext>
+    </p:extLst>
+  </p:cSld>
+  <p:clrMapOvr>
+    <a:masterClrMapping/>
+  </p:clrMapOvr>
+  <p:transition spd="med"/>
+</p:sld>
+</file>
+
+<file path=ppt/slides/slide28.xml><?xml version="1.0" encoding="utf-8"?>
+<p:sld xmlns:a="http://schemas.openxmlformats.org/drawingml/2006/main" xmlns:r="http://schemas.openxmlformats.org/officeDocument/2006/relationships" xmlns:p="http://schemas.openxmlformats.org/presentationml/2006/main">
+  <p:cSld>
+    <p:spTree>
+      <p:nvGrpSpPr>
+        <p:cNvPr id="1" name=""/>
+        <p:cNvGrpSpPr/>
+        <p:nvPr/>
+      </p:nvGrpSpPr>
+      <p:grpSpPr>
+        <a:xfrm>
+          <a:off x="0" y="0"/>
+          <a:ext cx="0" cy="0"/>
+          <a:chOff x="0" y="0"/>
+          <a:chExt cx="0" cy="0"/>
+        </a:xfrm>
+      </p:grpSpPr>
+      <p:sp>
+        <p:nvSpPr>
+          <p:cNvPr id="6" name="Title 1"/>
+          <p:cNvSpPr>
+            <a:spLocks noGrp="1"/>
+          </p:cNvSpPr>
+          <p:nvPr>
+            <p:ph type="title"/>
+          </p:nvPr>
+        </p:nvSpPr>
+        <p:spPr>
+          <a:xfrm>
+            <a:off x="457200" y="205980"/>
+            <a:ext cx="8229600" cy="857251"/>
+          </a:xfrm>
+        </p:spPr>
+        <p:txBody>
+          <a:bodyPr>
+            <a:normAutofit/>
+          </a:bodyPr>
+          <a:lstStyle/>
+          <a:p>
+            <a:r>
+              <a:rPr lang="en-US" b="1" dirty="0" err="1">
+                <a:solidFill>
+                  <a:srgbClr val="0070C0"/>
+                </a:solidFill>
+              </a:rPr>
+              <a:t>Dinâmica</a:t>
+            </a:r>
+            <a:r>
+              <a:rPr lang="en-US" b="1" dirty="0">
+                <a:solidFill>
+                  <a:srgbClr val="0070C0"/>
+                </a:solidFill>
+              </a:rPr>
+              <a:t>/</a:t>
+            </a:r>
+            <a:r>
+              <a:rPr lang="en-US" b="1" dirty="0" err="1">
+                <a:solidFill>
+                  <a:srgbClr val="0070C0"/>
+                </a:solidFill>
+              </a:rPr>
+              <a:t>Atividades</a:t>
+            </a:r>
+            <a:endParaRPr lang="en-US" b="1" dirty="0">
+              <a:solidFill>
+                <a:srgbClr val="0070C0"/>
+              </a:solidFill>
+            </a:endParaRPr>
+          </a:p>
+        </p:txBody>
+      </p:sp>
+      <p:sp>
+        <p:nvSpPr>
+          <p:cNvPr id="8" name="Text Placeholder 2"/>
+          <p:cNvSpPr>
+            <a:spLocks noGrp="1"/>
+          </p:cNvSpPr>
+          <p:nvPr>
+            <p:ph type="body" sz="half" idx="1"/>
+          </p:nvPr>
+        </p:nvSpPr>
+        <p:spPr>
+          <a:xfrm>
+            <a:off x="139472" y="1063230"/>
+            <a:ext cx="8865056" cy="3606305"/>
+          </a:xfrm>
+        </p:spPr>
+        <p:txBody>
+          <a:bodyPr>
+            <a:noAutofit/>
+          </a:bodyPr>
+          <a:lstStyle/>
+          <a:p>
+            <a:pPr marL="0" indent="0" algn="just">
+              <a:buNone/>
+            </a:pPr>
+            <a:r>
+              <a:rPr lang="pt-BR" sz="2000" b="1" dirty="0">
+                <a:latin typeface="Times New Roman" panose="02020603050405020304" pitchFamily="18" charset="0"/>
+                <a:cs typeface="Times New Roman" panose="02020603050405020304" pitchFamily="18" charset="0"/>
+              </a:rPr>
+              <a:t>Praticar</a:t>
+            </a:r>
+            <a:r>
+              <a:rPr lang="pt-BR" sz="2000" dirty="0">
+                <a:latin typeface="Times New Roman" panose="02020603050405020304" pitchFamily="18" charset="0"/>
+                <a:cs typeface="Times New Roman" panose="02020603050405020304" pitchFamily="18" charset="0"/>
+              </a:rPr>
+              <a:t> – Soluções </a:t>
+            </a:r>
+            <a:r>
+              <a:rPr lang="pt-BR" sz="2000" b="1" dirty="0" err="1">
+                <a:latin typeface="Times New Roman" panose="02020603050405020304" pitchFamily="18" charset="0"/>
+                <a:cs typeface="Times New Roman" panose="02020603050405020304" pitchFamily="18" charset="0"/>
+              </a:rPr>
+              <a:t>Freecodecamp</a:t>
+            </a:r>
+            <a:r>
+              <a:rPr lang="pt-BR" sz="2000" b="1" dirty="0">
+                <a:solidFill>
+                  <a:srgbClr val="FF0000"/>
+                </a:solidFill>
+                <a:latin typeface="Times New Roman" panose="02020603050405020304" pitchFamily="18" charset="0"/>
+                <a:cs typeface="Times New Roman" panose="02020603050405020304" pitchFamily="18" charset="0"/>
+              </a:rPr>
+              <a:t> (Livre)</a:t>
+            </a:r>
+          </a:p>
+          <a:p>
+            <a:pPr marL="0" indent="0" algn="just">
+              <a:buNone/>
+            </a:pPr>
+            <a:endParaRPr lang="pt-BR" sz="2000" dirty="0">
+              <a:latin typeface="Times New Roman" panose="02020603050405020304" pitchFamily="18" charset="0"/>
+              <a:cs typeface="Times New Roman" panose="02020603050405020304" pitchFamily="18" charset="0"/>
+            </a:endParaRPr>
+          </a:p>
+          <a:p>
+            <a:pPr marL="0" indent="0" algn="just">
+              <a:buNone/>
+            </a:pPr>
+            <a:endParaRPr lang="pt-BR" sz="2000" dirty="0">
+              <a:latin typeface="Times New Roman" panose="02020603050405020304" pitchFamily="18" charset="0"/>
+              <a:cs typeface="Times New Roman" panose="02020603050405020304" pitchFamily="18" charset="0"/>
+            </a:endParaRPr>
+          </a:p>
+          <a:p>
+            <a:pPr marL="0" indent="0" algn="just">
+              <a:buNone/>
+            </a:pPr>
+            <a:r>
+              <a:rPr lang="pt-BR" sz="2000" dirty="0">
+                <a:latin typeface="Times New Roman" panose="02020603050405020304" pitchFamily="18" charset="0"/>
+                <a:cs typeface="Times New Roman" panose="02020603050405020304" pitchFamily="18" charset="0"/>
+              </a:rPr>
+              <a:t>			</a:t>
+            </a:r>
+            <a:r>
+              <a:rPr lang="pt-BR" sz="2000" dirty="0">
+                <a:latin typeface="Times New Roman" panose="02020603050405020304" pitchFamily="18" charset="0"/>
+                <a:cs typeface="Times New Roman" panose="02020603050405020304" pitchFamily="18" charset="0"/>
+                <a:hlinkClick r:id="rId3"/>
+              </a:rPr>
+              <a:t>https://www.freecodecamp.org/</a:t>
+            </a:r>
+            <a:r>
+              <a:rPr lang="pt-BR" sz="2000" dirty="0">
+                <a:latin typeface="Times New Roman" panose="02020603050405020304" pitchFamily="18" charset="0"/>
+                <a:cs typeface="Times New Roman" panose="02020603050405020304" pitchFamily="18" charset="0"/>
+              </a:rPr>
+              <a:t> </a:t>
+            </a:r>
+          </a:p>
+        </p:txBody>
+      </p:sp>
+    </p:spTree>
+    <p:extLst>
+      <p:ext uri="{BB962C8B-B14F-4D97-AF65-F5344CB8AC3E}">
+        <p14:creationId xmlns:p14="http://schemas.microsoft.com/office/powerpoint/2010/main" val="4129830393"/>
+      </p:ext>
+    </p:extLst>
+  </p:cSld>
+  <p:clrMapOvr>
+    <a:masterClrMapping/>
+  </p:clrMapOvr>
+  <p:transition spd="med"/>
+</p:sld>
+</file>
+
+<file path=ppt/slides/slide29.xml><?xml version="1.0" encoding="utf-8"?>
+<p:sld xmlns:a="http://schemas.openxmlformats.org/drawingml/2006/main" xmlns:r="http://schemas.openxmlformats.org/officeDocument/2006/relationships" xmlns:p="http://schemas.openxmlformats.org/presentationml/2006/main">
+  <p:cSld>
+    <p:spTree>
+      <p:nvGrpSpPr>
+        <p:cNvPr id="1" name=""/>
+        <p:cNvGrpSpPr/>
+        <p:nvPr/>
+      </p:nvGrpSpPr>
+      <p:grpSpPr>
+        <a:xfrm>
+          <a:off x="0" y="0"/>
+          <a:ext cx="0" cy="0"/>
+          <a:chOff x="0" y="0"/>
+          <a:chExt cx="0" cy="0"/>
+        </a:xfrm>
+      </p:grpSpPr>
+      <p:sp>
+        <p:nvSpPr>
+          <p:cNvPr id="6" name="Title 1"/>
+          <p:cNvSpPr>
+            <a:spLocks noGrp="1"/>
+          </p:cNvSpPr>
+          <p:nvPr>
+            <p:ph type="title"/>
+          </p:nvPr>
+        </p:nvSpPr>
+        <p:spPr>
+          <a:xfrm>
+            <a:off x="457200" y="205980"/>
+            <a:ext cx="8229600" cy="857251"/>
+          </a:xfrm>
+        </p:spPr>
+        <p:txBody>
+          <a:bodyPr>
             <a:normAutofit/>
           </a:bodyPr>
           <a:lstStyle/>
@@ -9886,7 +10578,250 @@
 </p:sld>
 </file>
 
-<file path=ppt/slides/slide28.xml><?xml version="1.0" encoding="utf-8"?>
+<file path=ppt/slides/slide3.xml><?xml version="1.0" encoding="utf-8"?>
+<p:sld xmlns:a="http://schemas.openxmlformats.org/drawingml/2006/main" xmlns:r="http://schemas.openxmlformats.org/officeDocument/2006/relationships" xmlns:p="http://schemas.openxmlformats.org/presentationml/2006/main">
+  <p:cSld>
+    <p:spTree>
+      <p:nvGrpSpPr>
+        <p:cNvPr id="1" name=""/>
+        <p:cNvGrpSpPr/>
+        <p:nvPr/>
+      </p:nvGrpSpPr>
+      <p:grpSpPr>
+        <a:xfrm>
+          <a:off x="0" y="0"/>
+          <a:ext cx="0" cy="0"/>
+          <a:chOff x="0" y="0"/>
+          <a:chExt cx="0" cy="0"/>
+        </a:xfrm>
+      </p:grpSpPr>
+      <p:sp>
+        <p:nvSpPr>
+          <p:cNvPr id="6" name="Title 1"/>
+          <p:cNvSpPr>
+            <a:spLocks noGrp="1"/>
+          </p:cNvSpPr>
+          <p:nvPr>
+            <p:ph type="title"/>
+          </p:nvPr>
+        </p:nvSpPr>
+        <p:spPr>
+          <a:xfrm>
+            <a:off x="457200" y="205980"/>
+            <a:ext cx="8229600" cy="857251"/>
+          </a:xfrm>
+        </p:spPr>
+        <p:txBody>
+          <a:bodyPr>
+            <a:normAutofit/>
+          </a:bodyPr>
+          <a:lstStyle/>
+          <a:p>
+            <a:r>
+              <a:rPr lang="pt-BR" b="1" dirty="0">
+                <a:solidFill>
+                  <a:srgbClr val="0070C0"/>
+                </a:solidFill>
+              </a:rPr>
+              <a:t>Indústria 4.0</a:t>
+            </a:r>
+            <a:endParaRPr lang="en-US" b="1" dirty="0">
+              <a:solidFill>
+                <a:srgbClr val="0070C0"/>
+              </a:solidFill>
+            </a:endParaRPr>
+          </a:p>
+        </p:txBody>
+      </p:sp>
+      <p:sp>
+        <p:nvSpPr>
+          <p:cNvPr id="8" name="Text Placeholder 2"/>
+          <p:cNvSpPr>
+            <a:spLocks noGrp="1"/>
+          </p:cNvSpPr>
+          <p:nvPr>
+            <p:ph type="body" sz="half" idx="1"/>
+          </p:nvPr>
+        </p:nvSpPr>
+        <p:spPr>
+          <a:xfrm>
+            <a:off x="142865" y="1200150"/>
+            <a:ext cx="8865056" cy="3737370"/>
+          </a:xfrm>
+        </p:spPr>
+        <p:txBody>
+          <a:bodyPr>
+            <a:noAutofit/>
+          </a:bodyPr>
+          <a:lstStyle/>
+          <a:p>
+            <a:pPr marL="0" indent="0" algn="just">
+              <a:buNone/>
+            </a:pPr>
+            <a:r>
+              <a:rPr lang="pt-BR" sz="2400" dirty="0">
+                <a:solidFill>
+                  <a:srgbClr val="3B3934"/>
+                </a:solidFill>
+                <a:latin typeface="Times New Roman" panose="02020603050405020304" pitchFamily="18" charset="0"/>
+                <a:cs typeface="Times New Roman" panose="02020603050405020304" pitchFamily="18" charset="0"/>
+              </a:rPr>
+              <a:t>O </a:t>
+            </a:r>
+            <a:r>
+              <a:rPr lang="pt-BR" sz="2400" b="1" i="0" dirty="0">
+                <a:solidFill>
+                  <a:srgbClr val="3B3934"/>
+                </a:solidFill>
+                <a:effectLst/>
+                <a:latin typeface="Times New Roman" panose="02020603050405020304" pitchFamily="18" charset="0"/>
+                <a:cs typeface="Times New Roman" panose="02020603050405020304" pitchFamily="18" charset="0"/>
+              </a:rPr>
+              <a:t>principal objetivo</a:t>
+            </a:r>
+            <a:r>
+              <a:rPr lang="pt-BR" sz="2400" b="0" i="0" dirty="0">
+                <a:solidFill>
+                  <a:srgbClr val="3B3934"/>
+                </a:solidFill>
+                <a:effectLst/>
+                <a:latin typeface="Times New Roman" panose="02020603050405020304" pitchFamily="18" charset="0"/>
+                <a:cs typeface="Times New Roman" panose="02020603050405020304" pitchFamily="18" charset="0"/>
+              </a:rPr>
+              <a:t> é:</a:t>
+            </a:r>
+          </a:p>
+          <a:p>
+            <a:pPr marL="0" indent="0" algn="just">
+              <a:buNone/>
+            </a:pPr>
+            <a:endParaRPr lang="pt-BR" sz="2400" dirty="0">
+              <a:solidFill>
+                <a:srgbClr val="3B3934"/>
+              </a:solidFill>
+              <a:latin typeface="Times New Roman" panose="02020603050405020304" pitchFamily="18" charset="0"/>
+              <a:cs typeface="Times New Roman" panose="02020603050405020304" pitchFamily="18" charset="0"/>
+            </a:endParaRPr>
+          </a:p>
+          <a:p>
+            <a:pPr marL="0" indent="0" algn="just">
+              <a:buNone/>
+            </a:pPr>
+            <a:endParaRPr lang="pt-BR" sz="2400" b="0" i="0" dirty="0">
+              <a:solidFill>
+                <a:srgbClr val="3B3934"/>
+              </a:solidFill>
+              <a:effectLst/>
+              <a:latin typeface="Times New Roman" panose="02020603050405020304" pitchFamily="18" charset="0"/>
+              <a:cs typeface="Times New Roman" panose="02020603050405020304" pitchFamily="18" charset="0"/>
+            </a:endParaRPr>
+          </a:p>
+          <a:p>
+            <a:pPr marL="0" indent="0" algn="just">
+              <a:buNone/>
+            </a:pPr>
+            <a:r>
+              <a:rPr lang="pt-BR" sz="2400" b="0" i="0" dirty="0">
+                <a:solidFill>
+                  <a:srgbClr val="3B3934"/>
+                </a:solidFill>
+                <a:effectLst/>
+                <a:latin typeface="Times New Roman" panose="02020603050405020304" pitchFamily="18" charset="0"/>
+                <a:cs typeface="Times New Roman" panose="02020603050405020304" pitchFamily="18" charset="0"/>
+              </a:rPr>
+              <a:t>Tornar a </a:t>
+            </a:r>
+            <a:r>
+              <a:rPr lang="pt-BR" sz="2400" b="1" i="0" dirty="0">
+                <a:solidFill>
+                  <a:srgbClr val="3B3934"/>
+                </a:solidFill>
+                <a:effectLst/>
+                <a:latin typeface="Times New Roman" panose="02020603050405020304" pitchFamily="18" charset="0"/>
+                <a:cs typeface="Times New Roman" panose="02020603050405020304" pitchFamily="18" charset="0"/>
+              </a:rPr>
+              <a:t>manufatura</a:t>
+            </a:r>
+            <a:r>
+              <a:rPr lang="pt-BR" sz="2400" b="0" i="0" dirty="0">
+                <a:solidFill>
+                  <a:srgbClr val="3B3934"/>
+                </a:solidFill>
+                <a:effectLst/>
+                <a:latin typeface="Times New Roman" panose="02020603050405020304" pitchFamily="18" charset="0"/>
+                <a:cs typeface="Times New Roman" panose="02020603050405020304" pitchFamily="18" charset="0"/>
+              </a:rPr>
+              <a:t> mais </a:t>
+            </a:r>
+            <a:r>
+              <a:rPr lang="pt-BR" sz="2400" b="1" i="0" dirty="0">
+                <a:solidFill>
+                  <a:srgbClr val="FF0000"/>
+                </a:solidFill>
+                <a:effectLst/>
+                <a:latin typeface="Times New Roman" panose="02020603050405020304" pitchFamily="18" charset="0"/>
+                <a:cs typeface="Times New Roman" panose="02020603050405020304" pitchFamily="18" charset="0"/>
+              </a:rPr>
+              <a:t>rápida, eficiente e inteligente</a:t>
+            </a:r>
+            <a:r>
+              <a:rPr lang="pt-BR" sz="2400" b="0" i="0" dirty="0">
+                <a:solidFill>
+                  <a:srgbClr val="3B3934"/>
+                </a:solidFill>
+                <a:effectLst/>
+                <a:latin typeface="Times New Roman" panose="02020603050405020304" pitchFamily="18" charset="0"/>
+                <a:cs typeface="Times New Roman" panose="02020603050405020304" pitchFamily="18" charset="0"/>
+              </a:rPr>
+              <a:t>, por meio das </a:t>
+            </a:r>
+            <a:r>
+              <a:rPr lang="pt-BR" sz="2400" b="1" i="0" dirty="0">
+                <a:solidFill>
+                  <a:srgbClr val="3B3934"/>
+                </a:solidFill>
+                <a:effectLst/>
+                <a:latin typeface="Times New Roman" panose="02020603050405020304" pitchFamily="18" charset="0"/>
+                <a:cs typeface="Times New Roman" panose="02020603050405020304" pitchFamily="18" charset="0"/>
+              </a:rPr>
+              <a:t>tecnologias da informação</a:t>
+            </a:r>
+            <a:r>
+              <a:rPr lang="pt-BR" sz="2400" b="0" i="0" dirty="0">
+                <a:solidFill>
+                  <a:srgbClr val="3B3934"/>
+                </a:solidFill>
+                <a:effectLst/>
+                <a:latin typeface="Times New Roman" panose="02020603050405020304" pitchFamily="18" charset="0"/>
+                <a:cs typeface="Times New Roman" panose="02020603050405020304" pitchFamily="18" charset="0"/>
+              </a:rPr>
+              <a:t>.</a:t>
+            </a:r>
+            <a:endParaRPr lang="pt-BR" sz="2400" dirty="0">
+              <a:solidFill>
+                <a:schemeClr val="tx1"/>
+              </a:solidFill>
+              <a:latin typeface="Times New Roman" panose="02020603050405020304" pitchFamily="18" charset="0"/>
+              <a:cs typeface="Times New Roman" panose="02020603050405020304" pitchFamily="18" charset="0"/>
+            </a:endParaRPr>
+          </a:p>
+        </p:txBody>
+      </p:sp>
+    </p:spTree>
+    <p:extLst>
+      <p:ext uri="{BB962C8B-B14F-4D97-AF65-F5344CB8AC3E}">
+        <p14:creationId xmlns:p14="http://schemas.microsoft.com/office/powerpoint/2010/main" val="3244679594"/>
+      </p:ext>
+    </p:extLst>
+  </p:cSld>
+  <p:clrMapOvr>
+    <a:masterClrMapping/>
+  </p:clrMapOvr>
+  <p:transition spd="med"/>
+</p:sld>
+</file>
+
+<file path=ppt/slides/slide30.xml><?xml version="1.0" encoding="utf-8"?>
 <p:sld xmlns:a="http://schemas.openxmlformats.org/drawingml/2006/main" xmlns:r="http://schemas.openxmlformats.org/officeDocument/2006/relationships" xmlns:p="http://schemas.openxmlformats.org/presentationml/2006/main">
   <p:cSld>
     <p:spTree>
@@ -10333,249 +11268,6 @@
         </p:spPr>
       </p:pic>
     </p:spTree>
-  </p:cSld>
-  <p:clrMapOvr>
-    <a:masterClrMapping/>
-  </p:clrMapOvr>
-  <p:transition spd="med"/>
-</p:sld>
-</file>
-
-<file path=ppt/slides/slide3.xml><?xml version="1.0" encoding="utf-8"?>
-<p:sld xmlns:a="http://schemas.openxmlformats.org/drawingml/2006/main" xmlns:r="http://schemas.openxmlformats.org/officeDocument/2006/relationships" xmlns:p="http://schemas.openxmlformats.org/presentationml/2006/main">
-  <p:cSld>
-    <p:spTree>
-      <p:nvGrpSpPr>
-        <p:cNvPr id="1" name=""/>
-        <p:cNvGrpSpPr/>
-        <p:nvPr/>
-      </p:nvGrpSpPr>
-      <p:grpSpPr>
-        <a:xfrm>
-          <a:off x="0" y="0"/>
-          <a:ext cx="0" cy="0"/>
-          <a:chOff x="0" y="0"/>
-          <a:chExt cx="0" cy="0"/>
-        </a:xfrm>
-      </p:grpSpPr>
-      <p:sp>
-        <p:nvSpPr>
-          <p:cNvPr id="6" name="Title 1"/>
-          <p:cNvSpPr>
-            <a:spLocks noGrp="1"/>
-          </p:cNvSpPr>
-          <p:nvPr>
-            <p:ph type="title"/>
-          </p:nvPr>
-        </p:nvSpPr>
-        <p:spPr>
-          <a:xfrm>
-            <a:off x="457200" y="205980"/>
-            <a:ext cx="8229600" cy="857251"/>
-          </a:xfrm>
-        </p:spPr>
-        <p:txBody>
-          <a:bodyPr>
-            <a:normAutofit/>
-          </a:bodyPr>
-          <a:lstStyle/>
-          <a:p>
-            <a:r>
-              <a:rPr lang="pt-BR" b="1" dirty="0">
-                <a:solidFill>
-                  <a:srgbClr val="0070C0"/>
-                </a:solidFill>
-              </a:rPr>
-              <a:t>Indústria 4.0</a:t>
-            </a:r>
-            <a:endParaRPr lang="en-US" b="1" dirty="0">
-              <a:solidFill>
-                <a:srgbClr val="0070C0"/>
-              </a:solidFill>
-            </a:endParaRPr>
-          </a:p>
-        </p:txBody>
-      </p:sp>
-      <p:sp>
-        <p:nvSpPr>
-          <p:cNvPr id="8" name="Text Placeholder 2"/>
-          <p:cNvSpPr>
-            <a:spLocks noGrp="1"/>
-          </p:cNvSpPr>
-          <p:nvPr>
-            <p:ph type="body" sz="half" idx="1"/>
-          </p:nvPr>
-        </p:nvSpPr>
-        <p:spPr>
-          <a:xfrm>
-            <a:off x="142865" y="1200150"/>
-            <a:ext cx="8865056" cy="3737370"/>
-          </a:xfrm>
-        </p:spPr>
-        <p:txBody>
-          <a:bodyPr>
-            <a:noAutofit/>
-          </a:bodyPr>
-          <a:lstStyle/>
-          <a:p>
-            <a:pPr marL="0" indent="0" algn="just">
-              <a:buNone/>
-            </a:pPr>
-            <a:r>
-              <a:rPr lang="pt-BR" sz="2400" dirty="0">
-                <a:solidFill>
-                  <a:srgbClr val="3B3934"/>
-                </a:solidFill>
-                <a:latin typeface="Times New Roman" panose="02020603050405020304" pitchFamily="18" charset="0"/>
-                <a:cs typeface="Times New Roman" panose="02020603050405020304" pitchFamily="18" charset="0"/>
-              </a:rPr>
-              <a:t>O </a:t>
-            </a:r>
-            <a:r>
-              <a:rPr lang="pt-BR" sz="2400" b="1" i="0" dirty="0">
-                <a:solidFill>
-                  <a:srgbClr val="3B3934"/>
-                </a:solidFill>
-                <a:effectLst/>
-                <a:latin typeface="Times New Roman" panose="02020603050405020304" pitchFamily="18" charset="0"/>
-                <a:cs typeface="Times New Roman" panose="02020603050405020304" pitchFamily="18" charset="0"/>
-              </a:rPr>
-              <a:t>principal objetivo</a:t>
-            </a:r>
-            <a:r>
-              <a:rPr lang="pt-BR" sz="2400" b="0" i="0" dirty="0">
-                <a:solidFill>
-                  <a:srgbClr val="3B3934"/>
-                </a:solidFill>
-                <a:effectLst/>
-                <a:latin typeface="Times New Roman" panose="02020603050405020304" pitchFamily="18" charset="0"/>
-                <a:cs typeface="Times New Roman" panose="02020603050405020304" pitchFamily="18" charset="0"/>
-              </a:rPr>
-              <a:t> é:</a:t>
-            </a:r>
-          </a:p>
-          <a:p>
-            <a:pPr marL="0" indent="0" algn="just">
-              <a:buNone/>
-            </a:pPr>
-            <a:endParaRPr lang="pt-BR" sz="2400" dirty="0">
-              <a:solidFill>
-                <a:srgbClr val="3B3934"/>
-              </a:solidFill>
-              <a:latin typeface="Times New Roman" panose="02020603050405020304" pitchFamily="18" charset="0"/>
-              <a:cs typeface="Times New Roman" panose="02020603050405020304" pitchFamily="18" charset="0"/>
-            </a:endParaRPr>
-          </a:p>
-          <a:p>
-            <a:pPr marL="0" indent="0" algn="just">
-              <a:buNone/>
-            </a:pPr>
-            <a:endParaRPr lang="pt-BR" sz="2400" b="0" i="0" dirty="0">
-              <a:solidFill>
-                <a:srgbClr val="3B3934"/>
-              </a:solidFill>
-              <a:effectLst/>
-              <a:latin typeface="Times New Roman" panose="02020603050405020304" pitchFamily="18" charset="0"/>
-              <a:cs typeface="Times New Roman" panose="02020603050405020304" pitchFamily="18" charset="0"/>
-            </a:endParaRPr>
-          </a:p>
-          <a:p>
-            <a:pPr marL="0" indent="0" algn="just">
-              <a:buNone/>
-            </a:pPr>
-            <a:r>
-              <a:rPr lang="pt-BR" sz="2400" b="0" i="0" dirty="0">
-                <a:solidFill>
-                  <a:srgbClr val="3B3934"/>
-                </a:solidFill>
-                <a:effectLst/>
-                <a:latin typeface="Times New Roman" panose="02020603050405020304" pitchFamily="18" charset="0"/>
-                <a:cs typeface="Times New Roman" panose="02020603050405020304" pitchFamily="18" charset="0"/>
-              </a:rPr>
-              <a:t>Tornar a </a:t>
-            </a:r>
-            <a:r>
-              <a:rPr lang="pt-BR" sz="2400" b="1" i="0" dirty="0">
-                <a:solidFill>
-                  <a:srgbClr val="3B3934"/>
-                </a:solidFill>
-                <a:effectLst/>
-                <a:latin typeface="Times New Roman" panose="02020603050405020304" pitchFamily="18" charset="0"/>
-                <a:cs typeface="Times New Roman" panose="02020603050405020304" pitchFamily="18" charset="0"/>
-              </a:rPr>
-              <a:t>manufatura</a:t>
-            </a:r>
-            <a:r>
-              <a:rPr lang="pt-BR" sz="2400" b="0" i="0" dirty="0">
-                <a:solidFill>
-                  <a:srgbClr val="3B3934"/>
-                </a:solidFill>
-                <a:effectLst/>
-                <a:latin typeface="Times New Roman" panose="02020603050405020304" pitchFamily="18" charset="0"/>
-                <a:cs typeface="Times New Roman" panose="02020603050405020304" pitchFamily="18" charset="0"/>
-              </a:rPr>
-              <a:t> mais </a:t>
-            </a:r>
-            <a:r>
-              <a:rPr lang="pt-BR" sz="2400" b="1" i="0" dirty="0">
-                <a:solidFill>
-                  <a:srgbClr val="FF0000"/>
-                </a:solidFill>
-                <a:effectLst/>
-                <a:latin typeface="Times New Roman" panose="02020603050405020304" pitchFamily="18" charset="0"/>
-                <a:cs typeface="Times New Roman" panose="02020603050405020304" pitchFamily="18" charset="0"/>
-              </a:rPr>
-              <a:t>rápida, eficiente e inteligente</a:t>
-            </a:r>
-            <a:r>
-              <a:rPr lang="pt-BR" sz="2400" b="0" i="0" dirty="0">
-                <a:solidFill>
-                  <a:srgbClr val="3B3934"/>
-                </a:solidFill>
-                <a:effectLst/>
-                <a:latin typeface="Times New Roman" panose="02020603050405020304" pitchFamily="18" charset="0"/>
-                <a:cs typeface="Times New Roman" panose="02020603050405020304" pitchFamily="18" charset="0"/>
-              </a:rPr>
-              <a:t>, por meio das </a:t>
-            </a:r>
-            <a:r>
-              <a:rPr lang="pt-BR" sz="2400" b="1" i="0" dirty="0">
-                <a:solidFill>
-                  <a:srgbClr val="3B3934"/>
-                </a:solidFill>
-                <a:effectLst/>
-                <a:latin typeface="Times New Roman" panose="02020603050405020304" pitchFamily="18" charset="0"/>
-                <a:cs typeface="Times New Roman" panose="02020603050405020304" pitchFamily="18" charset="0"/>
-              </a:rPr>
-              <a:t>tecnologias da informação</a:t>
-            </a:r>
-            <a:r>
-              <a:rPr lang="pt-BR" sz="2400" b="0" i="0" dirty="0">
-                <a:solidFill>
-                  <a:srgbClr val="3B3934"/>
-                </a:solidFill>
-                <a:effectLst/>
-                <a:latin typeface="Times New Roman" panose="02020603050405020304" pitchFamily="18" charset="0"/>
-                <a:cs typeface="Times New Roman" panose="02020603050405020304" pitchFamily="18" charset="0"/>
-              </a:rPr>
-              <a:t>.</a:t>
-            </a:r>
-            <a:endParaRPr lang="pt-BR" sz="2400" dirty="0">
-              <a:solidFill>
-                <a:schemeClr val="tx1"/>
-              </a:solidFill>
-              <a:latin typeface="Times New Roman" panose="02020603050405020304" pitchFamily="18" charset="0"/>
-              <a:cs typeface="Times New Roman" panose="02020603050405020304" pitchFamily="18" charset="0"/>
-            </a:endParaRPr>
-          </a:p>
-        </p:txBody>
-      </p:sp>
-    </p:spTree>
-    <p:extLst>
-      <p:ext uri="{BB962C8B-B14F-4D97-AF65-F5344CB8AC3E}">
-        <p14:creationId xmlns:p14="http://schemas.microsoft.com/office/powerpoint/2010/main" val="3244679594"/>
-      </p:ext>
-    </p:extLst>
   </p:cSld>
   <p:clrMapOvr>
     <a:masterClrMapping/>
